--- a/IOD - Mini Project 1 - Slides.pptx
+++ b/IOD - Mini Project 1 - Slides.pptx
@@ -5,28 +5,33 @@
     <p:sldMasterId id="2147483660" r:id="rId4"/>
   </p:sldMasterIdLst>
   <p:notesMasterIdLst>
-    <p:notesMasterId r:id="rId24"/>
+    <p:notesMasterId r:id="rId29"/>
   </p:notesMasterIdLst>
   <p:sldIdLst>
     <p:sldId id="278" r:id="rId5"/>
-    <p:sldId id="279" r:id="rId6"/>
-    <p:sldId id="298" r:id="rId7"/>
-    <p:sldId id="295" r:id="rId8"/>
-    <p:sldId id="280" r:id="rId9"/>
-    <p:sldId id="281" r:id="rId10"/>
-    <p:sldId id="284" r:id="rId11"/>
-    <p:sldId id="282" r:id="rId12"/>
-    <p:sldId id="283" r:id="rId13"/>
-    <p:sldId id="285" r:id="rId14"/>
-    <p:sldId id="286" r:id="rId15"/>
-    <p:sldId id="287" r:id="rId16"/>
-    <p:sldId id="288" r:id="rId17"/>
-    <p:sldId id="296" r:id="rId18"/>
-    <p:sldId id="289" r:id="rId19"/>
-    <p:sldId id="300" r:id="rId20"/>
-    <p:sldId id="290" r:id="rId21"/>
-    <p:sldId id="293" r:id="rId22"/>
-    <p:sldId id="299" r:id="rId23"/>
+    <p:sldId id="301" r:id="rId6"/>
+    <p:sldId id="302" r:id="rId7"/>
+    <p:sldId id="279" r:id="rId8"/>
+    <p:sldId id="298" r:id="rId9"/>
+    <p:sldId id="303" r:id="rId10"/>
+    <p:sldId id="304" r:id="rId11"/>
+    <p:sldId id="295" r:id="rId12"/>
+    <p:sldId id="280" r:id="rId13"/>
+    <p:sldId id="281" r:id="rId14"/>
+    <p:sldId id="284" r:id="rId15"/>
+    <p:sldId id="282" r:id="rId16"/>
+    <p:sldId id="283" r:id="rId17"/>
+    <p:sldId id="285" r:id="rId18"/>
+    <p:sldId id="286" r:id="rId19"/>
+    <p:sldId id="287" r:id="rId20"/>
+    <p:sldId id="288" r:id="rId21"/>
+    <p:sldId id="296" r:id="rId22"/>
+    <p:sldId id="289" r:id="rId23"/>
+    <p:sldId id="300" r:id="rId24"/>
+    <p:sldId id="290" r:id="rId25"/>
+    <p:sldId id="293" r:id="rId26"/>
+    <p:sldId id="305" r:id="rId27"/>
+    <p:sldId id="299" r:id="rId28"/>
   </p:sldIdLst>
   <p:sldSz cx="12192000" cy="6858000"/>
   <p:notesSz cx="6858000" cy="9144000"/>
@@ -146,7 +151,7 @@
   <pc:docChgLst>
     <pc:chgData name="Sebastian Giunta" userId="426adcadb63efdab" providerId="LiveId" clId="{7E51EC2A-058E-4F01-B103-E2C797C0BC7C}"/>
     <pc:docChg chg="undo custSel addSld delSld modSld sldOrd">
-      <pc:chgData name="Sebastian Giunta" userId="426adcadb63efdab" providerId="LiveId" clId="{7E51EC2A-058E-4F01-B103-E2C797C0BC7C}" dt="2022-05-10T22:22:27.327" v="3474" actId="1076"/>
+      <pc:chgData name="Sebastian Giunta" userId="426adcadb63efdab" providerId="LiveId" clId="{7E51EC2A-058E-4F01-B103-E2C797C0BC7C}" dt="2022-05-21T00:59:45.861" v="4131" actId="20577"/>
       <pc:docMkLst>
         <pc:docMk/>
       </pc:docMkLst>
@@ -190,13 +195,13 @@
         </pc:spChg>
       </pc:sldChg>
       <pc:sldChg chg="addSp delSp modSp mod">
-        <pc:chgData name="Sebastian Giunta" userId="426adcadb63efdab" providerId="LiveId" clId="{7E51EC2A-058E-4F01-B103-E2C797C0BC7C}" dt="2022-04-27T23:02:35.906" v="3203" actId="20577"/>
+        <pc:chgData name="Sebastian Giunta" userId="426adcadb63efdab" providerId="LiveId" clId="{7E51EC2A-058E-4F01-B103-E2C797C0BC7C}" dt="2022-05-21T00:53:09.445" v="3658" actId="20577"/>
         <pc:sldMkLst>
           <pc:docMk/>
           <pc:sldMk cId="3220235682" sldId="279"/>
         </pc:sldMkLst>
         <pc:spChg chg="mod">
-          <ac:chgData name="Sebastian Giunta" userId="426adcadb63efdab" providerId="LiveId" clId="{7E51EC2A-058E-4F01-B103-E2C797C0BC7C}" dt="2022-04-25T23:21:00.223" v="254" actId="26606"/>
+          <ac:chgData name="Sebastian Giunta" userId="426adcadb63efdab" providerId="LiveId" clId="{7E51EC2A-058E-4F01-B103-E2C797C0BC7C}" dt="2022-05-21T00:53:09.445" v="3658" actId="20577"/>
           <ac:spMkLst>
             <pc:docMk/>
             <pc:sldMk cId="3220235682" sldId="279"/>
@@ -941,7 +946,7 @@
         </pc:spChg>
       </pc:sldChg>
       <pc:sldChg chg="delSp modSp add mod ord setBg delDesignElem">
-        <pc:chgData name="Sebastian Giunta" userId="426adcadb63efdab" providerId="LiveId" clId="{7E51EC2A-058E-4F01-B103-E2C797C0BC7C}" dt="2022-04-27T23:02:01.704" v="3131"/>
+        <pc:chgData name="Sebastian Giunta" userId="426adcadb63efdab" providerId="LiveId" clId="{7E51EC2A-058E-4F01-B103-E2C797C0BC7C}" dt="2022-05-21T00:55:08.539" v="3778" actId="20577"/>
         <pc:sldMkLst>
           <pc:docMk/>
           <pc:sldMk cId="337766920" sldId="298"/>
@@ -955,7 +960,7 @@
           </ac:spMkLst>
         </pc:spChg>
         <pc:spChg chg="mod">
-          <ac:chgData name="Sebastian Giunta" userId="426adcadb63efdab" providerId="LiveId" clId="{7E51EC2A-058E-4F01-B103-E2C797C0BC7C}" dt="2022-04-27T22:53:07.592" v="2499"/>
+          <ac:chgData name="Sebastian Giunta" userId="426adcadb63efdab" providerId="LiveId" clId="{7E51EC2A-058E-4F01-B103-E2C797C0BC7C}" dt="2022-05-21T00:55:08.539" v="3778" actId="20577"/>
           <ac:spMkLst>
             <pc:docMk/>
             <pc:sldMk cId="337766920" sldId="298"/>
@@ -980,13 +985,13 @@
         </pc:picChg>
       </pc:sldChg>
       <pc:sldChg chg="modSp add mod">
-        <pc:chgData name="Sebastian Giunta" userId="426adcadb63efdab" providerId="LiveId" clId="{7E51EC2A-058E-4F01-B103-E2C797C0BC7C}" dt="2022-04-27T22:57:06.200" v="3033" actId="20577"/>
+        <pc:chgData name="Sebastian Giunta" userId="426adcadb63efdab" providerId="LiveId" clId="{7E51EC2A-058E-4F01-B103-E2C797C0BC7C}" dt="2022-05-21T00:59:45.861" v="4131" actId="20577"/>
         <pc:sldMkLst>
           <pc:docMk/>
           <pc:sldMk cId="2245253967" sldId="299"/>
         </pc:sldMkLst>
         <pc:spChg chg="mod">
-          <ac:chgData name="Sebastian Giunta" userId="426adcadb63efdab" providerId="LiveId" clId="{7E51EC2A-058E-4F01-B103-E2C797C0BC7C}" dt="2022-04-27T22:54:51.831" v="2535" actId="20577"/>
+          <ac:chgData name="Sebastian Giunta" userId="426adcadb63efdab" providerId="LiveId" clId="{7E51EC2A-058E-4F01-B103-E2C797C0BC7C}" dt="2022-05-21T00:59:45.861" v="4131" actId="20577"/>
           <ac:spMkLst>
             <pc:docMk/>
             <pc:sldMk cId="2245253967" sldId="299"/>
@@ -1033,9 +1038,3533 @@
           </ac:picMkLst>
         </pc:picChg>
       </pc:sldChg>
+      <pc:sldChg chg="addSp delSp modSp new mod setBg setClrOvrMap">
+        <pc:chgData name="Sebastian Giunta" userId="426adcadb63efdab" providerId="LiveId" clId="{7E51EC2A-058E-4F01-B103-E2C797C0BC7C}" dt="2022-05-21T00:59:12.664" v="4106" actId="26606"/>
+        <pc:sldMkLst>
+          <pc:docMk/>
+          <pc:sldMk cId="892095289" sldId="301"/>
+        </pc:sldMkLst>
+        <pc:spChg chg="mod">
+          <ac:chgData name="Sebastian Giunta" userId="426adcadb63efdab" providerId="LiveId" clId="{7E51EC2A-058E-4F01-B103-E2C797C0BC7C}" dt="2022-05-21T00:59:12.664" v="4106" actId="26606"/>
+          <ac:spMkLst>
+            <pc:docMk/>
+            <pc:sldMk cId="892095289" sldId="301"/>
+            <ac:spMk id="2" creationId="{5A4EE556-647D-7E8D-80E0-1F0A54D2852D}"/>
+          </ac:spMkLst>
+        </pc:spChg>
+        <pc:spChg chg="add del mod">
+          <ac:chgData name="Sebastian Giunta" userId="426adcadb63efdab" providerId="LiveId" clId="{7E51EC2A-058E-4F01-B103-E2C797C0BC7C}" dt="2022-05-21T00:52:12.544" v="3616" actId="26606"/>
+          <ac:spMkLst>
+            <pc:docMk/>
+            <pc:sldMk cId="892095289" sldId="301"/>
+            <ac:spMk id="3" creationId="{01196658-0E78-9CE1-7F60-8BFA1322C29C}"/>
+          </ac:spMkLst>
+        </pc:spChg>
+        <pc:spChg chg="add del">
+          <ac:chgData name="Sebastian Giunta" userId="426adcadb63efdab" providerId="LiveId" clId="{7E51EC2A-058E-4F01-B103-E2C797C0BC7C}" dt="2022-05-21T00:52:37.623" v="3633" actId="26606"/>
+          <ac:spMkLst>
+            <pc:docMk/>
+            <pc:sldMk cId="892095289" sldId="301"/>
+            <ac:spMk id="8" creationId="{9A6C2C86-63BF-47D5-AA3F-905111A238E2}"/>
+          </ac:spMkLst>
+        </pc:spChg>
+        <pc:spChg chg="add del">
+          <ac:chgData name="Sebastian Giunta" userId="426adcadb63efdab" providerId="LiveId" clId="{7E51EC2A-058E-4F01-B103-E2C797C0BC7C}" dt="2022-05-21T00:51:26.348" v="3589" actId="26606"/>
+          <ac:spMkLst>
+            <pc:docMk/>
+            <pc:sldMk cId="892095289" sldId="301"/>
+            <ac:spMk id="9" creationId="{5BAB7C38-AF9A-43A2-9B1C-F1DEBC80BC7B}"/>
+          </ac:spMkLst>
+        </pc:spChg>
+        <pc:spChg chg="add del">
+          <ac:chgData name="Sebastian Giunta" userId="426adcadb63efdab" providerId="LiveId" clId="{7E51EC2A-058E-4F01-B103-E2C797C0BC7C}" dt="2022-05-21T00:52:06.823" v="3613" actId="26606"/>
+          <ac:spMkLst>
+            <pc:docMk/>
+            <pc:sldMk cId="892095289" sldId="301"/>
+            <ac:spMk id="10" creationId="{95CB840F-8E41-4CA5-B79B-25CC80AD234A}"/>
+          </ac:spMkLst>
+        </pc:spChg>
+        <pc:spChg chg="add del">
+          <ac:chgData name="Sebastian Giunta" userId="426adcadb63efdab" providerId="LiveId" clId="{7E51EC2A-058E-4F01-B103-E2C797C0BC7C}" dt="2022-05-21T00:51:53.449" v="3593" actId="26606"/>
+          <ac:spMkLst>
+            <pc:docMk/>
+            <pc:sldMk cId="892095289" sldId="301"/>
+            <ac:spMk id="15" creationId="{5BAB7C38-AF9A-43A2-9B1C-F1DEBC80BC7B}"/>
+          </ac:spMkLst>
+        </pc:spChg>
+        <pc:spChg chg="add del">
+          <ac:chgData name="Sebastian Giunta" userId="426adcadb63efdab" providerId="LiveId" clId="{7E51EC2A-058E-4F01-B103-E2C797C0BC7C}" dt="2022-05-21T00:51:57.006" v="3601" actId="26606"/>
+          <ac:spMkLst>
+            <pc:docMk/>
+            <pc:sldMk cId="892095289" sldId="301"/>
+            <ac:spMk id="26" creationId="{5BAB7C38-AF9A-43A2-9B1C-F1DEBC80BC7B}"/>
+          </ac:spMkLst>
+        </pc:spChg>
+        <pc:spChg chg="add del">
+          <ac:chgData name="Sebastian Giunta" userId="426adcadb63efdab" providerId="LiveId" clId="{7E51EC2A-058E-4F01-B103-E2C797C0BC7C}" dt="2022-05-21T00:51:58.766" v="3603" actId="26606"/>
+          <ac:spMkLst>
+            <pc:docMk/>
+            <pc:sldMk cId="892095289" sldId="301"/>
+            <ac:spMk id="30" creationId="{5BAB7C38-AF9A-43A2-9B1C-F1DEBC80BC7B}"/>
+          </ac:spMkLst>
+        </pc:spChg>
+        <pc:spChg chg="add del">
+          <ac:chgData name="Sebastian Giunta" userId="426adcadb63efdab" providerId="LiveId" clId="{7E51EC2A-058E-4F01-B103-E2C797C0BC7C}" dt="2022-05-21T00:52:00.399" v="3605" actId="26606"/>
+          <ac:spMkLst>
+            <pc:docMk/>
+            <pc:sldMk cId="892095289" sldId="301"/>
+            <ac:spMk id="34" creationId="{D30579BA-22EC-41CB-82B7-65D5DFCA603C}"/>
+          </ac:spMkLst>
+        </pc:spChg>
+        <pc:spChg chg="add del">
+          <ac:chgData name="Sebastian Giunta" userId="426adcadb63efdab" providerId="LiveId" clId="{7E51EC2A-058E-4F01-B103-E2C797C0BC7C}" dt="2022-05-21T00:52:00.399" v="3605" actId="26606"/>
+          <ac:spMkLst>
+            <pc:docMk/>
+            <pc:sldMk cId="892095289" sldId="301"/>
+            <ac:spMk id="35" creationId="{FE469E50-3893-4ED6-92BA-2985C32B0CA6}"/>
+          </ac:spMkLst>
+        </pc:spChg>
+        <pc:spChg chg="add del">
+          <ac:chgData name="Sebastian Giunta" userId="426adcadb63efdab" providerId="LiveId" clId="{7E51EC2A-058E-4F01-B103-E2C797C0BC7C}" dt="2022-05-21T00:52:01.453" v="3607" actId="26606"/>
+          <ac:spMkLst>
+            <pc:docMk/>
+            <pc:sldMk cId="892095289" sldId="301"/>
+            <ac:spMk id="38" creationId="{D30579BA-22EC-41CB-82B7-65D5DFCA603C}"/>
+          </ac:spMkLst>
+        </pc:spChg>
+        <pc:spChg chg="add del">
+          <ac:chgData name="Sebastian Giunta" userId="426adcadb63efdab" providerId="LiveId" clId="{7E51EC2A-058E-4F01-B103-E2C797C0BC7C}" dt="2022-05-21T00:52:01.453" v="3607" actId="26606"/>
+          <ac:spMkLst>
+            <pc:docMk/>
+            <pc:sldMk cId="892095289" sldId="301"/>
+            <ac:spMk id="39" creationId="{FE469E50-3893-4ED6-92BA-2985C32B0CA6}"/>
+          </ac:spMkLst>
+        </pc:spChg>
+        <pc:spChg chg="add del">
+          <ac:chgData name="Sebastian Giunta" userId="426adcadb63efdab" providerId="LiveId" clId="{7E51EC2A-058E-4F01-B103-E2C797C0BC7C}" dt="2022-05-21T00:52:02.028" v="3609" actId="26606"/>
+          <ac:spMkLst>
+            <pc:docMk/>
+            <pc:sldMk cId="892095289" sldId="301"/>
+            <ac:spMk id="42" creationId="{D30579BA-22EC-41CB-82B7-65D5DFCA603C}"/>
+          </ac:spMkLst>
+        </pc:spChg>
+        <pc:spChg chg="add del">
+          <ac:chgData name="Sebastian Giunta" userId="426adcadb63efdab" providerId="LiveId" clId="{7E51EC2A-058E-4F01-B103-E2C797C0BC7C}" dt="2022-05-21T00:52:02.028" v="3609" actId="26606"/>
+          <ac:spMkLst>
+            <pc:docMk/>
+            <pc:sldMk cId="892095289" sldId="301"/>
+            <ac:spMk id="43" creationId="{FE469E50-3893-4ED6-92BA-2985C32B0CA6}"/>
+          </ac:spMkLst>
+        </pc:spChg>
+        <pc:spChg chg="add del">
+          <ac:chgData name="Sebastian Giunta" userId="426adcadb63efdab" providerId="LiveId" clId="{7E51EC2A-058E-4F01-B103-E2C797C0BC7C}" dt="2022-05-21T00:52:02.359" v="3611" actId="26606"/>
+          <ac:spMkLst>
+            <pc:docMk/>
+            <pc:sldMk cId="892095289" sldId="301"/>
+            <ac:spMk id="46" creationId="{D30579BA-22EC-41CB-82B7-65D5DFCA603C}"/>
+          </ac:spMkLst>
+        </pc:spChg>
+        <pc:spChg chg="add del">
+          <ac:chgData name="Sebastian Giunta" userId="426adcadb63efdab" providerId="LiveId" clId="{7E51EC2A-058E-4F01-B103-E2C797C0BC7C}" dt="2022-05-21T00:52:02.359" v="3611" actId="26606"/>
+          <ac:spMkLst>
+            <pc:docMk/>
+            <pc:sldMk cId="892095289" sldId="301"/>
+            <ac:spMk id="47" creationId="{FE469E50-3893-4ED6-92BA-2985C32B0CA6}"/>
+          </ac:spMkLst>
+        </pc:spChg>
+        <pc:spChg chg="add del">
+          <ac:chgData name="Sebastian Giunta" userId="426adcadb63efdab" providerId="LiveId" clId="{7E51EC2A-058E-4F01-B103-E2C797C0BC7C}" dt="2022-05-21T00:52:06.823" v="3613" actId="26606"/>
+          <ac:spMkLst>
+            <pc:docMk/>
+            <pc:sldMk cId="892095289" sldId="301"/>
+            <ac:spMk id="50" creationId="{01196658-0E78-9CE1-7F60-8BFA1322C29C}"/>
+          </ac:spMkLst>
+        </pc:spChg>
+        <pc:spChg chg="add del mod">
+          <ac:chgData name="Sebastian Giunta" userId="426adcadb63efdab" providerId="LiveId" clId="{7E51EC2A-058E-4F01-B103-E2C797C0BC7C}" dt="2022-05-21T00:52:37.623" v="3633" actId="26606"/>
+          <ac:spMkLst>
+            <pc:docMk/>
+            <pc:sldMk cId="892095289" sldId="301"/>
+            <ac:spMk id="55" creationId="{01196658-0E78-9CE1-7F60-8BFA1322C29C}"/>
+          </ac:spMkLst>
+        </pc:spChg>
+        <pc:spChg chg="add del">
+          <ac:chgData name="Sebastian Giunta" userId="426adcadb63efdab" providerId="LiveId" clId="{7E51EC2A-058E-4F01-B103-E2C797C0BC7C}" dt="2022-05-21T00:52:29.508" v="3618" actId="26606"/>
+          <ac:spMkLst>
+            <pc:docMk/>
+            <pc:sldMk cId="892095289" sldId="301"/>
+            <ac:spMk id="60" creationId="{69652D62-ECFB-408E-ABE6-155A644F433D}"/>
+          </ac:spMkLst>
+        </pc:spChg>
+        <pc:spChg chg="add del">
+          <ac:chgData name="Sebastian Giunta" userId="426adcadb63efdab" providerId="LiveId" clId="{7E51EC2A-058E-4F01-B103-E2C797C0BC7C}" dt="2022-05-21T00:52:29.508" v="3618" actId="26606"/>
+          <ac:spMkLst>
+            <pc:docMk/>
+            <pc:sldMk cId="892095289" sldId="301"/>
+            <ac:spMk id="62" creationId="{C1FEA985-924B-4044-8778-32D1E7164C01}"/>
+          </ac:spMkLst>
+        </pc:spChg>
+        <pc:spChg chg="add del">
+          <ac:chgData name="Sebastian Giunta" userId="426adcadb63efdab" providerId="LiveId" clId="{7E51EC2A-058E-4F01-B103-E2C797C0BC7C}" dt="2022-05-21T00:52:30.359" v="3620" actId="26606"/>
+          <ac:spMkLst>
+            <pc:docMk/>
+            <pc:sldMk cId="892095289" sldId="301"/>
+            <ac:spMk id="66" creationId="{9A6C2C86-63BF-47D5-AA3F-905111A238E2}"/>
+          </ac:spMkLst>
+        </pc:spChg>
+        <pc:spChg chg="add del">
+          <ac:chgData name="Sebastian Giunta" userId="426adcadb63efdab" providerId="LiveId" clId="{7E51EC2A-058E-4F01-B103-E2C797C0BC7C}" dt="2022-05-21T00:52:30.738" v="3622" actId="26606"/>
+          <ac:spMkLst>
+            <pc:docMk/>
+            <pc:sldMk cId="892095289" sldId="301"/>
+            <ac:spMk id="69" creationId="{9A6C2C86-63BF-47D5-AA3F-905111A238E2}"/>
+          </ac:spMkLst>
+        </pc:spChg>
+        <pc:spChg chg="add del">
+          <ac:chgData name="Sebastian Giunta" userId="426adcadb63efdab" providerId="LiveId" clId="{7E51EC2A-058E-4F01-B103-E2C797C0BC7C}" dt="2022-05-21T00:52:31.321" v="3624" actId="26606"/>
+          <ac:spMkLst>
+            <pc:docMk/>
+            <pc:sldMk cId="892095289" sldId="301"/>
+            <ac:spMk id="72" creationId="{9A6C2C86-63BF-47D5-AA3F-905111A238E2}"/>
+          </ac:spMkLst>
+        </pc:spChg>
+        <pc:spChg chg="add del">
+          <ac:chgData name="Sebastian Giunta" userId="426adcadb63efdab" providerId="LiveId" clId="{7E51EC2A-058E-4F01-B103-E2C797C0BC7C}" dt="2022-05-21T00:52:35.433" v="3626" actId="26606"/>
+          <ac:spMkLst>
+            <pc:docMk/>
+            <pc:sldMk cId="892095289" sldId="301"/>
+            <ac:spMk id="76" creationId="{9A6C2C86-63BF-47D5-AA3F-905111A238E2}"/>
+          </ac:spMkLst>
+        </pc:spChg>
+        <pc:spChg chg="add del">
+          <ac:chgData name="Sebastian Giunta" userId="426adcadb63efdab" providerId="LiveId" clId="{7E51EC2A-058E-4F01-B103-E2C797C0BC7C}" dt="2022-05-21T00:52:36.864" v="3630" actId="26606"/>
+          <ac:spMkLst>
+            <pc:docMk/>
+            <pc:sldMk cId="892095289" sldId="301"/>
+            <ac:spMk id="82" creationId="{2C10C105-EEB5-43F7-AA95-5DDB920D75B0}"/>
+          </ac:spMkLst>
+        </pc:spChg>
+        <pc:spChg chg="add del">
+          <ac:chgData name="Sebastian Giunta" userId="426adcadb63efdab" providerId="LiveId" clId="{7E51EC2A-058E-4F01-B103-E2C797C0BC7C}" dt="2022-05-21T00:52:36.864" v="3630" actId="26606"/>
+          <ac:spMkLst>
+            <pc:docMk/>
+            <pc:sldMk cId="892095289" sldId="301"/>
+            <ac:spMk id="84" creationId="{01196658-0E78-9CE1-7F60-8BFA1322C29C}"/>
+          </ac:spMkLst>
+        </pc:spChg>
+        <pc:spChg chg="add del">
+          <ac:chgData name="Sebastian Giunta" userId="426adcadb63efdab" providerId="LiveId" clId="{7E51EC2A-058E-4F01-B103-E2C797C0BC7C}" dt="2022-05-21T00:59:12.664" v="4106" actId="26606"/>
+          <ac:spMkLst>
+            <pc:docMk/>
+            <pc:sldMk cId="892095289" sldId="301"/>
+            <ac:spMk id="89" creationId="{AC224410-FF86-4FBB-A05E-61232D4B1368}"/>
+          </ac:spMkLst>
+        </pc:spChg>
+        <pc:spChg chg="add del">
+          <ac:chgData name="Sebastian Giunta" userId="426adcadb63efdab" providerId="LiveId" clId="{7E51EC2A-058E-4F01-B103-E2C797C0BC7C}" dt="2022-05-21T00:59:12.664" v="4106" actId="26606"/>
+          <ac:spMkLst>
+            <pc:docMk/>
+            <pc:sldMk cId="892095289" sldId="301"/>
+            <ac:spMk id="90" creationId="{F3BDD110-869E-4A8C-9250-C7AE5C840842}"/>
+          </ac:spMkLst>
+        </pc:spChg>
+        <pc:spChg chg="add mod">
+          <ac:chgData name="Sebastian Giunta" userId="426adcadb63efdab" providerId="LiveId" clId="{7E51EC2A-058E-4F01-B103-E2C797C0BC7C}" dt="2022-05-21T00:59:12.664" v="4106" actId="26606"/>
+          <ac:spMkLst>
+            <pc:docMk/>
+            <pc:sldMk cId="892095289" sldId="301"/>
+            <ac:spMk id="91" creationId="{01196658-0E78-9CE1-7F60-8BFA1322C29C}"/>
+          </ac:spMkLst>
+        </pc:spChg>
+        <pc:spChg chg="add">
+          <ac:chgData name="Sebastian Giunta" userId="426adcadb63efdab" providerId="LiveId" clId="{7E51EC2A-058E-4F01-B103-E2C797C0BC7C}" dt="2022-05-21T00:59:12.664" v="4106" actId="26606"/>
+          <ac:spMkLst>
+            <pc:docMk/>
+            <pc:sldMk cId="892095289" sldId="301"/>
+            <ac:spMk id="96" creationId="{69652D62-ECFB-408E-ABE6-155A644F433D}"/>
+          </ac:spMkLst>
+        </pc:spChg>
+        <pc:spChg chg="add">
+          <ac:chgData name="Sebastian Giunta" userId="426adcadb63efdab" providerId="LiveId" clId="{7E51EC2A-058E-4F01-B103-E2C797C0BC7C}" dt="2022-05-21T00:59:12.664" v="4106" actId="26606"/>
+          <ac:spMkLst>
+            <pc:docMk/>
+            <pc:sldMk cId="892095289" sldId="301"/>
+            <ac:spMk id="98" creationId="{C1FEA985-924B-4044-8778-32D1E7164C01}"/>
+          </ac:spMkLst>
+        </pc:spChg>
+        <pc:graphicFrameChg chg="add del">
+          <ac:chgData name="Sebastian Giunta" userId="426adcadb63efdab" providerId="LiveId" clId="{7E51EC2A-058E-4F01-B103-E2C797C0BC7C}" dt="2022-05-21T00:51:26.348" v="3589" actId="26606"/>
+          <ac:graphicFrameMkLst>
+            <pc:docMk/>
+            <pc:sldMk cId="892095289" sldId="301"/>
+            <ac:graphicFrameMk id="5" creationId="{360C2BB3-EE5C-9C68-5587-13E2C8ACE6FF}"/>
+          </ac:graphicFrameMkLst>
+        </pc:graphicFrameChg>
+        <pc:graphicFrameChg chg="add del">
+          <ac:chgData name="Sebastian Giunta" userId="426adcadb63efdab" providerId="LiveId" clId="{7E51EC2A-058E-4F01-B103-E2C797C0BC7C}" dt="2022-05-21T00:51:27.301" v="3591" actId="26606"/>
+          <ac:graphicFrameMkLst>
+            <pc:docMk/>
+            <pc:sldMk cId="892095289" sldId="301"/>
+            <ac:graphicFrameMk id="13" creationId="{CDA40C85-8D0E-FB21-9FF4-493B865BE693}"/>
+          </ac:graphicFrameMkLst>
+        </pc:graphicFrameChg>
+        <pc:graphicFrameChg chg="add del">
+          <ac:chgData name="Sebastian Giunta" userId="426adcadb63efdab" providerId="LiveId" clId="{7E51EC2A-058E-4F01-B103-E2C797C0BC7C}" dt="2022-05-21T00:51:53.449" v="3593" actId="26606"/>
+          <ac:graphicFrameMkLst>
+            <pc:docMk/>
+            <pc:sldMk cId="892095289" sldId="301"/>
+            <ac:graphicFrameMk id="17" creationId="{360C2BB3-EE5C-9C68-5587-13E2C8ACE6FF}"/>
+          </ac:graphicFrameMkLst>
+        </pc:graphicFrameChg>
+        <pc:graphicFrameChg chg="add del">
+          <ac:chgData name="Sebastian Giunta" userId="426adcadb63efdab" providerId="LiveId" clId="{7E51EC2A-058E-4F01-B103-E2C797C0BC7C}" dt="2022-05-21T00:51:55.301" v="3595" actId="26606"/>
+          <ac:graphicFrameMkLst>
+            <pc:docMk/>
+            <pc:sldMk cId="892095289" sldId="301"/>
+            <ac:graphicFrameMk id="19" creationId="{CDA40C85-8D0E-FB21-9FF4-493B865BE693}"/>
+          </ac:graphicFrameMkLst>
+        </pc:graphicFrameChg>
+        <pc:graphicFrameChg chg="add del">
+          <ac:chgData name="Sebastian Giunta" userId="426adcadb63efdab" providerId="LiveId" clId="{7E51EC2A-058E-4F01-B103-E2C797C0BC7C}" dt="2022-05-21T00:51:56.139" v="3597" actId="26606"/>
+          <ac:graphicFrameMkLst>
+            <pc:docMk/>
+            <pc:sldMk cId="892095289" sldId="301"/>
+            <ac:graphicFrameMk id="22" creationId="{CA6C90D6-24A6-B3E1-CF6A-E0A7BFA0F977}"/>
+          </ac:graphicFrameMkLst>
+        </pc:graphicFrameChg>
+        <pc:graphicFrameChg chg="add del">
+          <ac:chgData name="Sebastian Giunta" userId="426adcadb63efdab" providerId="LiveId" clId="{7E51EC2A-058E-4F01-B103-E2C797C0BC7C}" dt="2022-05-21T00:51:56.582" v="3599" actId="26606"/>
+          <ac:graphicFrameMkLst>
+            <pc:docMk/>
+            <pc:sldMk cId="892095289" sldId="301"/>
+            <ac:graphicFrameMk id="24" creationId="{CDA40C85-8D0E-FB21-9FF4-493B865BE693}"/>
+          </ac:graphicFrameMkLst>
+        </pc:graphicFrameChg>
+        <pc:graphicFrameChg chg="add del">
+          <ac:chgData name="Sebastian Giunta" userId="426adcadb63efdab" providerId="LiveId" clId="{7E51EC2A-058E-4F01-B103-E2C797C0BC7C}" dt="2022-05-21T00:51:57.006" v="3601" actId="26606"/>
+          <ac:graphicFrameMkLst>
+            <pc:docMk/>
+            <pc:sldMk cId="892095289" sldId="301"/>
+            <ac:graphicFrameMk id="28" creationId="{360C2BB3-EE5C-9C68-5587-13E2C8ACE6FF}"/>
+          </ac:graphicFrameMkLst>
+        </pc:graphicFrameChg>
+        <pc:graphicFrameChg chg="add del">
+          <ac:chgData name="Sebastian Giunta" userId="426adcadb63efdab" providerId="LiveId" clId="{7E51EC2A-058E-4F01-B103-E2C797C0BC7C}" dt="2022-05-21T00:51:58.766" v="3603" actId="26606"/>
+          <ac:graphicFrameMkLst>
+            <pc:docMk/>
+            <pc:sldMk cId="892095289" sldId="301"/>
+            <ac:graphicFrameMk id="32" creationId="{86DF856C-B7B0-2E2C-DFFB-894E16D7A926}"/>
+          </ac:graphicFrameMkLst>
+        </pc:graphicFrameChg>
+        <pc:graphicFrameChg chg="add del">
+          <ac:chgData name="Sebastian Giunta" userId="426adcadb63efdab" providerId="LiveId" clId="{7E51EC2A-058E-4F01-B103-E2C797C0BC7C}" dt="2022-05-21T00:52:00.399" v="3605" actId="26606"/>
+          <ac:graphicFrameMkLst>
+            <pc:docMk/>
+            <pc:sldMk cId="892095289" sldId="301"/>
+            <ac:graphicFrameMk id="36" creationId="{4AA1D1E8-D8F2-5A87-2013-CD3BA6639FE4}"/>
+          </ac:graphicFrameMkLst>
+        </pc:graphicFrameChg>
+        <pc:graphicFrameChg chg="add del">
+          <ac:chgData name="Sebastian Giunta" userId="426adcadb63efdab" providerId="LiveId" clId="{7E51EC2A-058E-4F01-B103-E2C797C0BC7C}" dt="2022-05-21T00:52:01.453" v="3607" actId="26606"/>
+          <ac:graphicFrameMkLst>
+            <pc:docMk/>
+            <pc:sldMk cId="892095289" sldId="301"/>
+            <ac:graphicFrameMk id="40" creationId="{AFE9F86E-B6F4-E49F-A617-DB87229A9A65}"/>
+          </ac:graphicFrameMkLst>
+        </pc:graphicFrameChg>
+        <pc:graphicFrameChg chg="add del">
+          <ac:chgData name="Sebastian Giunta" userId="426adcadb63efdab" providerId="LiveId" clId="{7E51EC2A-058E-4F01-B103-E2C797C0BC7C}" dt="2022-05-21T00:52:02.028" v="3609" actId="26606"/>
+          <ac:graphicFrameMkLst>
+            <pc:docMk/>
+            <pc:sldMk cId="892095289" sldId="301"/>
+            <ac:graphicFrameMk id="44" creationId="{4AA1D1E8-D8F2-5A87-2013-CD3BA6639FE4}"/>
+          </ac:graphicFrameMkLst>
+        </pc:graphicFrameChg>
+        <pc:graphicFrameChg chg="add del">
+          <ac:chgData name="Sebastian Giunta" userId="426adcadb63efdab" providerId="LiveId" clId="{7E51EC2A-058E-4F01-B103-E2C797C0BC7C}" dt="2022-05-21T00:52:02.359" v="3611" actId="26606"/>
+          <ac:graphicFrameMkLst>
+            <pc:docMk/>
+            <pc:sldMk cId="892095289" sldId="301"/>
+            <ac:graphicFrameMk id="48" creationId="{AFE9F86E-B6F4-E49F-A617-DB87229A9A65}"/>
+          </ac:graphicFrameMkLst>
+        </pc:graphicFrameChg>
+        <pc:graphicFrameChg chg="add del">
+          <ac:chgData name="Sebastian Giunta" userId="426adcadb63efdab" providerId="LiveId" clId="{7E51EC2A-058E-4F01-B103-E2C797C0BC7C}" dt="2022-05-21T00:52:12.489" v="3615" actId="26606"/>
+          <ac:graphicFrameMkLst>
+            <pc:docMk/>
+            <pc:sldMk cId="892095289" sldId="301"/>
+            <ac:graphicFrameMk id="52" creationId="{1C7DAA15-CF6A-D3EB-A5D1-EA293FB6A613}"/>
+          </ac:graphicFrameMkLst>
+        </pc:graphicFrameChg>
+        <pc:graphicFrameChg chg="add del">
+          <ac:chgData name="Sebastian Giunta" userId="426adcadb63efdab" providerId="LiveId" clId="{7E51EC2A-058E-4F01-B103-E2C797C0BC7C}" dt="2022-05-21T00:52:30.738" v="3622" actId="26606"/>
+          <ac:graphicFrameMkLst>
+            <pc:docMk/>
+            <pc:sldMk cId="892095289" sldId="301"/>
+            <ac:graphicFrameMk id="57" creationId="{1CDBFE27-BD66-06A2-621E-7FF339593F99}"/>
+          </ac:graphicFrameMkLst>
+        </pc:graphicFrameChg>
+        <pc:graphicFrameChg chg="add del">
+          <ac:chgData name="Sebastian Giunta" userId="426adcadb63efdab" providerId="LiveId" clId="{7E51EC2A-058E-4F01-B103-E2C797C0BC7C}" dt="2022-05-21T00:52:31.321" v="3624" actId="26606"/>
+          <ac:graphicFrameMkLst>
+            <pc:docMk/>
+            <pc:sldMk cId="892095289" sldId="301"/>
+            <ac:graphicFrameMk id="74" creationId="{747E7D15-CD18-5306-7642-216610BE3842}"/>
+          </ac:graphicFrameMkLst>
+        </pc:graphicFrameChg>
+        <pc:graphicFrameChg chg="add del">
+          <ac:chgData name="Sebastian Giunta" userId="426adcadb63efdab" providerId="LiveId" clId="{7E51EC2A-058E-4F01-B103-E2C797C0BC7C}" dt="2022-05-21T00:52:35.433" v="3626" actId="26606"/>
+          <ac:graphicFrameMkLst>
+            <pc:docMk/>
+            <pc:sldMk cId="892095289" sldId="301"/>
+            <ac:graphicFrameMk id="78" creationId="{F647D60F-74CD-2F06-8618-346951382B38}"/>
+          </ac:graphicFrameMkLst>
+        </pc:graphicFrameChg>
+        <pc:graphicFrameChg chg="add del">
+          <ac:chgData name="Sebastian Giunta" userId="426adcadb63efdab" providerId="LiveId" clId="{7E51EC2A-058E-4F01-B103-E2C797C0BC7C}" dt="2022-05-21T00:52:35.876" v="3628" actId="26606"/>
+          <ac:graphicFrameMkLst>
+            <pc:docMk/>
+            <pc:sldMk cId="892095289" sldId="301"/>
+            <ac:graphicFrameMk id="80" creationId="{0487B5FB-3D7F-2C6F-B70B-5EDC538811E6}"/>
+          </ac:graphicFrameMkLst>
+        </pc:graphicFrameChg>
+        <pc:graphicFrameChg chg="add del">
+          <ac:chgData name="Sebastian Giunta" userId="426adcadb63efdab" providerId="LiveId" clId="{7E51EC2A-058E-4F01-B103-E2C797C0BC7C}" dt="2022-05-21T00:52:37.618" v="3632" actId="26606"/>
+          <ac:graphicFrameMkLst>
+            <pc:docMk/>
+            <pc:sldMk cId="892095289" sldId="301"/>
+            <ac:graphicFrameMk id="87" creationId="{9A859A2F-B563-7109-8628-279419F96633}"/>
+          </ac:graphicFrameMkLst>
+        </pc:graphicFrameChg>
+        <pc:picChg chg="add del">
+          <ac:chgData name="Sebastian Giunta" userId="426adcadb63efdab" providerId="LiveId" clId="{7E51EC2A-058E-4F01-B103-E2C797C0BC7C}" dt="2022-05-21T00:52:06.823" v="3613" actId="26606"/>
+          <ac:picMkLst>
+            <pc:docMk/>
+            <pc:sldMk cId="892095289" sldId="301"/>
+            <ac:picMk id="7" creationId="{8060DBD1-25C5-980E-1EBB-9CE86D6ECD40}"/>
+          </ac:picMkLst>
+        </pc:picChg>
+        <pc:picChg chg="add del">
+          <ac:chgData name="Sebastian Giunta" userId="426adcadb63efdab" providerId="LiveId" clId="{7E51EC2A-058E-4F01-B103-E2C797C0BC7C}" dt="2022-05-21T00:51:26.348" v="3589" actId="26606"/>
+          <ac:picMkLst>
+            <pc:docMk/>
+            <pc:sldMk cId="892095289" sldId="301"/>
+            <ac:picMk id="11" creationId="{A8D526D7-C782-4F65-A21F-A6B40D869B47}"/>
+          </ac:picMkLst>
+        </pc:picChg>
+        <pc:picChg chg="add del">
+          <ac:chgData name="Sebastian Giunta" userId="426adcadb63efdab" providerId="LiveId" clId="{7E51EC2A-058E-4F01-B103-E2C797C0BC7C}" dt="2022-05-21T00:51:53.449" v="3593" actId="26606"/>
+          <ac:picMkLst>
+            <pc:docMk/>
+            <pc:sldMk cId="892095289" sldId="301"/>
+            <ac:picMk id="16" creationId="{A8D526D7-C782-4F65-A21F-A6B40D869B47}"/>
+          </ac:picMkLst>
+        </pc:picChg>
+        <pc:picChg chg="add del">
+          <ac:chgData name="Sebastian Giunta" userId="426adcadb63efdab" providerId="LiveId" clId="{7E51EC2A-058E-4F01-B103-E2C797C0BC7C}" dt="2022-05-21T00:51:56.139" v="3597" actId="26606"/>
+          <ac:picMkLst>
+            <pc:docMk/>
+            <pc:sldMk cId="892095289" sldId="301"/>
+            <ac:picMk id="21" creationId="{82AABC82-C2D1-4340-A6DF-6E73DF06FCAC}"/>
+          </ac:picMkLst>
+        </pc:picChg>
+        <pc:picChg chg="add del">
+          <ac:chgData name="Sebastian Giunta" userId="426adcadb63efdab" providerId="LiveId" clId="{7E51EC2A-058E-4F01-B103-E2C797C0BC7C}" dt="2022-05-21T00:51:57.006" v="3601" actId="26606"/>
+          <ac:picMkLst>
+            <pc:docMk/>
+            <pc:sldMk cId="892095289" sldId="301"/>
+            <ac:picMk id="27" creationId="{A8D526D7-C782-4F65-A21F-A6B40D869B47}"/>
+          </ac:picMkLst>
+        </pc:picChg>
+        <pc:picChg chg="add del">
+          <ac:chgData name="Sebastian Giunta" userId="426adcadb63efdab" providerId="LiveId" clId="{7E51EC2A-058E-4F01-B103-E2C797C0BC7C}" dt="2022-05-21T00:51:58.766" v="3603" actId="26606"/>
+          <ac:picMkLst>
+            <pc:docMk/>
+            <pc:sldMk cId="892095289" sldId="301"/>
+            <ac:picMk id="31" creationId="{A8D526D7-C782-4F65-A21F-A6B40D869B47}"/>
+          </ac:picMkLst>
+        </pc:picChg>
+        <pc:picChg chg="add del">
+          <ac:chgData name="Sebastian Giunta" userId="426adcadb63efdab" providerId="LiveId" clId="{7E51EC2A-058E-4F01-B103-E2C797C0BC7C}" dt="2022-05-21T00:52:35.876" v="3628" actId="26606"/>
+          <ac:picMkLst>
+            <pc:docMk/>
+            <pc:sldMk cId="892095289" sldId="301"/>
+            <ac:picMk id="61" creationId="{82AABC82-C2D1-4340-A6DF-6E73DF06FCAC}"/>
+          </ac:picMkLst>
+        </pc:picChg>
+        <pc:picChg chg="add del">
+          <ac:chgData name="Sebastian Giunta" userId="426adcadb63efdab" providerId="LiveId" clId="{7E51EC2A-058E-4F01-B103-E2C797C0BC7C}" dt="2022-05-21T00:52:36.864" v="3630" actId="26606"/>
+          <ac:picMkLst>
+            <pc:docMk/>
+            <pc:sldMk cId="892095289" sldId="301"/>
+            <ac:picMk id="83" creationId="{94BF495F-706E-4740-8918-C1F52CEA9D0B}"/>
+          </ac:picMkLst>
+        </pc:picChg>
+        <pc:picChg chg="add del">
+          <ac:chgData name="Sebastian Giunta" userId="426adcadb63efdab" providerId="LiveId" clId="{7E51EC2A-058E-4F01-B103-E2C797C0BC7C}" dt="2022-05-21T00:52:37.618" v="3632" actId="26606"/>
+          <ac:picMkLst>
+            <pc:docMk/>
+            <pc:sldMk cId="892095289" sldId="301"/>
+            <ac:picMk id="86" creationId="{B577D423-FE81-4236-89DE-39776B810941}"/>
+          </ac:picMkLst>
+        </pc:picChg>
+        <pc:cxnChg chg="add del">
+          <ac:chgData name="Sebastian Giunta" userId="426adcadb63efdab" providerId="LiveId" clId="{7E51EC2A-058E-4F01-B103-E2C797C0BC7C}" dt="2022-05-21T00:52:37.623" v="3633" actId="26606"/>
+          <ac:cxnSpMkLst>
+            <pc:docMk/>
+            <pc:sldMk cId="892095289" sldId="301"/>
+            <ac:cxnSpMk id="54" creationId="{425A0768-3044-4AA9-A889-D2CAA68C517A}"/>
+          </ac:cxnSpMkLst>
+        </pc:cxnChg>
+        <pc:cxnChg chg="add del">
+          <ac:chgData name="Sebastian Giunta" userId="426adcadb63efdab" providerId="LiveId" clId="{7E51EC2A-058E-4F01-B103-E2C797C0BC7C}" dt="2022-05-21T00:52:29.508" v="3618" actId="26606"/>
+          <ac:cxnSpMkLst>
+            <pc:docMk/>
+            <pc:sldMk cId="892095289" sldId="301"/>
+            <ac:cxnSpMk id="64" creationId="{96C7F9CB-BCC3-4648-8DEF-07B0887D87D6}"/>
+          </ac:cxnSpMkLst>
+        </pc:cxnChg>
+        <pc:cxnChg chg="add del">
+          <ac:chgData name="Sebastian Giunta" userId="426adcadb63efdab" providerId="LiveId" clId="{7E51EC2A-058E-4F01-B103-E2C797C0BC7C}" dt="2022-05-21T00:52:30.359" v="3620" actId="26606"/>
+          <ac:cxnSpMkLst>
+            <pc:docMk/>
+            <pc:sldMk cId="892095289" sldId="301"/>
+            <ac:cxnSpMk id="67" creationId="{425A0768-3044-4AA9-A889-D2CAA68C517A}"/>
+          </ac:cxnSpMkLst>
+        </pc:cxnChg>
+        <pc:cxnChg chg="add del">
+          <ac:chgData name="Sebastian Giunta" userId="426adcadb63efdab" providerId="LiveId" clId="{7E51EC2A-058E-4F01-B103-E2C797C0BC7C}" dt="2022-05-21T00:52:30.738" v="3622" actId="26606"/>
+          <ac:cxnSpMkLst>
+            <pc:docMk/>
+            <pc:sldMk cId="892095289" sldId="301"/>
+            <ac:cxnSpMk id="70" creationId="{425A0768-3044-4AA9-A889-D2CAA68C517A}"/>
+          </ac:cxnSpMkLst>
+        </pc:cxnChg>
+        <pc:cxnChg chg="add del">
+          <ac:chgData name="Sebastian Giunta" userId="426adcadb63efdab" providerId="LiveId" clId="{7E51EC2A-058E-4F01-B103-E2C797C0BC7C}" dt="2022-05-21T00:52:31.321" v="3624" actId="26606"/>
+          <ac:cxnSpMkLst>
+            <pc:docMk/>
+            <pc:sldMk cId="892095289" sldId="301"/>
+            <ac:cxnSpMk id="73" creationId="{425A0768-3044-4AA9-A889-D2CAA68C517A}"/>
+          </ac:cxnSpMkLst>
+        </pc:cxnChg>
+        <pc:cxnChg chg="add del">
+          <ac:chgData name="Sebastian Giunta" userId="426adcadb63efdab" providerId="LiveId" clId="{7E51EC2A-058E-4F01-B103-E2C797C0BC7C}" dt="2022-05-21T00:52:35.433" v="3626" actId="26606"/>
+          <ac:cxnSpMkLst>
+            <pc:docMk/>
+            <pc:sldMk cId="892095289" sldId="301"/>
+            <ac:cxnSpMk id="77" creationId="{425A0768-3044-4AA9-A889-D2CAA68C517A}"/>
+          </ac:cxnSpMkLst>
+        </pc:cxnChg>
+        <pc:cxnChg chg="add">
+          <ac:chgData name="Sebastian Giunta" userId="426adcadb63efdab" providerId="LiveId" clId="{7E51EC2A-058E-4F01-B103-E2C797C0BC7C}" dt="2022-05-21T00:59:12.664" v="4106" actId="26606"/>
+          <ac:cxnSpMkLst>
+            <pc:docMk/>
+            <pc:sldMk cId="892095289" sldId="301"/>
+            <ac:cxnSpMk id="100" creationId="{96C7F9CB-BCC3-4648-8DEF-07B0887D87D6}"/>
+          </ac:cxnSpMkLst>
+        </pc:cxnChg>
+      </pc:sldChg>
+      <pc:sldChg chg="new del">
+        <pc:chgData name="Sebastian Giunta" userId="426adcadb63efdab" providerId="LiveId" clId="{7E51EC2A-058E-4F01-B103-E2C797C0BC7C}" dt="2022-05-21T00:49:44.293" v="3476" actId="47"/>
+        <pc:sldMkLst>
+          <pc:docMk/>
+          <pc:sldMk cId="2766758051" sldId="301"/>
+        </pc:sldMkLst>
+      </pc:sldChg>
+      <pc:sldChg chg="addSp delSp modSp new mod setBg">
+        <pc:chgData name="Sebastian Giunta" userId="426adcadb63efdab" providerId="LiveId" clId="{7E51EC2A-058E-4F01-B103-E2C797C0BC7C}" dt="2022-05-21T00:52:57.818" v="3649" actId="26606"/>
+        <pc:sldMkLst>
+          <pc:docMk/>
+          <pc:sldMk cId="3919479900" sldId="302"/>
+        </pc:sldMkLst>
+        <pc:spChg chg="mod">
+          <ac:chgData name="Sebastian Giunta" userId="426adcadb63efdab" providerId="LiveId" clId="{7E51EC2A-058E-4F01-B103-E2C797C0BC7C}" dt="2022-05-21T00:52:57.818" v="3649" actId="26606"/>
+          <ac:spMkLst>
+            <pc:docMk/>
+            <pc:sldMk cId="3919479900" sldId="302"/>
+            <ac:spMk id="2" creationId="{0B8F7853-E02B-B4FA-6B59-48625A99733F}"/>
+          </ac:spMkLst>
+        </pc:spChg>
+        <pc:spChg chg="del">
+          <ac:chgData name="Sebastian Giunta" userId="426adcadb63efdab" providerId="LiveId" clId="{7E51EC2A-058E-4F01-B103-E2C797C0BC7C}" dt="2022-05-21T00:52:55.754" v="3648" actId="478"/>
+          <ac:spMkLst>
+            <pc:docMk/>
+            <pc:sldMk cId="3919479900" sldId="302"/>
+            <ac:spMk id="3" creationId="{C9DD1D1A-72AD-442D-E6D1-02F58943680F}"/>
+          </ac:spMkLst>
+        </pc:spChg>
+        <pc:spChg chg="add">
+          <ac:chgData name="Sebastian Giunta" userId="426adcadb63efdab" providerId="LiveId" clId="{7E51EC2A-058E-4F01-B103-E2C797C0BC7C}" dt="2022-05-21T00:52:57.818" v="3649" actId="26606"/>
+          <ac:spMkLst>
+            <pc:docMk/>
+            <pc:sldMk cId="3919479900" sldId="302"/>
+            <ac:spMk id="7" creationId="{5A338357-1A6A-4C1E-A6D6-1DCDE6DF4208}"/>
+          </ac:spMkLst>
+        </pc:spChg>
+        <pc:spChg chg="add">
+          <ac:chgData name="Sebastian Giunta" userId="426adcadb63efdab" providerId="LiveId" clId="{7E51EC2A-058E-4F01-B103-E2C797C0BC7C}" dt="2022-05-21T00:52:57.818" v="3649" actId="26606"/>
+          <ac:spMkLst>
+            <pc:docMk/>
+            <pc:sldMk cId="3919479900" sldId="302"/>
+            <ac:spMk id="9" creationId="{E1F51140-4156-423C-9638-1223606FBA11}"/>
+          </ac:spMkLst>
+        </pc:spChg>
+        <pc:cxnChg chg="add">
+          <ac:chgData name="Sebastian Giunta" userId="426adcadb63efdab" providerId="LiveId" clId="{7E51EC2A-058E-4F01-B103-E2C797C0BC7C}" dt="2022-05-21T00:52:57.818" v="3649" actId="26606"/>
+          <ac:cxnSpMkLst>
+            <pc:docMk/>
+            <pc:sldMk cId="3919479900" sldId="302"/>
+            <ac:cxnSpMk id="11" creationId="{2DAA738B-EDF5-4694-B25A-3488245BC87C}"/>
+          </ac:cxnSpMkLst>
+        </pc:cxnChg>
+      </pc:sldChg>
+      <pc:sldChg chg="addSp delSp modSp new mod setBg setClrOvrMap">
+        <pc:chgData name="Sebastian Giunta" userId="426adcadb63efdab" providerId="LiveId" clId="{7E51EC2A-058E-4F01-B103-E2C797C0BC7C}" dt="2022-05-21T00:58:13.045" v="4070" actId="26606"/>
+        <pc:sldMkLst>
+          <pc:docMk/>
+          <pc:sldMk cId="1217999394" sldId="303"/>
+        </pc:sldMkLst>
+        <pc:spChg chg="mod">
+          <ac:chgData name="Sebastian Giunta" userId="426adcadb63efdab" providerId="LiveId" clId="{7E51EC2A-058E-4F01-B103-E2C797C0BC7C}" dt="2022-05-21T00:58:13.031" v="4069" actId="26606"/>
+          <ac:spMkLst>
+            <pc:docMk/>
+            <pc:sldMk cId="1217999394" sldId="303"/>
+            <ac:spMk id="2" creationId="{08DF865E-53A9-59D4-D2EA-02DDA071F735}"/>
+          </ac:spMkLst>
+        </pc:spChg>
+        <pc:spChg chg="add del mod">
+          <ac:chgData name="Sebastian Giunta" userId="426adcadb63efdab" providerId="LiveId" clId="{7E51EC2A-058E-4F01-B103-E2C797C0BC7C}" dt="2022-05-21T00:58:13.045" v="4070" actId="26606"/>
+          <ac:spMkLst>
+            <pc:docMk/>
+            <pc:sldMk cId="1217999394" sldId="303"/>
+            <ac:spMk id="3" creationId="{A5FB1D53-2D9F-FE7F-6CE2-DA977D7CF6EB}"/>
+          </ac:spMkLst>
+        </pc:spChg>
+        <pc:spChg chg="add del">
+          <ac:chgData name="Sebastian Giunta" userId="426adcadb63efdab" providerId="LiveId" clId="{7E51EC2A-058E-4F01-B103-E2C797C0BC7C}" dt="2022-05-21T00:58:13.031" v="4069" actId="26606"/>
+          <ac:spMkLst>
+            <pc:docMk/>
+            <pc:sldMk cId="1217999394" sldId="303"/>
+            <ac:spMk id="9" creationId="{5BAB7C38-AF9A-43A2-9B1C-F1DEBC80BC7B}"/>
+          </ac:spMkLst>
+        </pc:spChg>
+        <pc:graphicFrameChg chg="add del">
+          <ac:chgData name="Sebastian Giunta" userId="426adcadb63efdab" providerId="LiveId" clId="{7E51EC2A-058E-4F01-B103-E2C797C0BC7C}" dt="2022-05-21T00:58:13.031" v="4069" actId="26606"/>
+          <ac:graphicFrameMkLst>
+            <pc:docMk/>
+            <pc:sldMk cId="1217999394" sldId="303"/>
+            <ac:graphicFrameMk id="5" creationId="{7A00703C-F3DC-7641-DE3F-1AAF1F0C6FFB}"/>
+          </ac:graphicFrameMkLst>
+        </pc:graphicFrameChg>
+        <pc:graphicFrameChg chg="add">
+          <ac:chgData name="Sebastian Giunta" userId="426adcadb63efdab" providerId="LiveId" clId="{7E51EC2A-058E-4F01-B103-E2C797C0BC7C}" dt="2022-05-21T00:58:13.045" v="4070" actId="26606"/>
+          <ac:graphicFrameMkLst>
+            <pc:docMk/>
+            <pc:sldMk cId="1217999394" sldId="303"/>
+            <ac:graphicFrameMk id="13" creationId="{445D25FA-250F-2A05-FBB6-7B2ABA0BBD48}"/>
+          </ac:graphicFrameMkLst>
+        </pc:graphicFrameChg>
+        <pc:picChg chg="add del">
+          <ac:chgData name="Sebastian Giunta" userId="426adcadb63efdab" providerId="LiveId" clId="{7E51EC2A-058E-4F01-B103-E2C797C0BC7C}" dt="2022-05-21T00:58:13.031" v="4069" actId="26606"/>
+          <ac:picMkLst>
+            <pc:docMk/>
+            <pc:sldMk cId="1217999394" sldId="303"/>
+            <ac:picMk id="11" creationId="{A8D526D7-C782-4F65-A21F-A6B40D869B47}"/>
+          </ac:picMkLst>
+        </pc:picChg>
+      </pc:sldChg>
+      <pc:sldChg chg="addSp delSp modSp new mod setBg">
+        <pc:chgData name="Sebastian Giunta" userId="426adcadb63efdab" providerId="LiveId" clId="{7E51EC2A-058E-4F01-B103-E2C797C0BC7C}" dt="2022-05-21T00:58:56.278" v="4105" actId="26606"/>
+        <pc:sldMkLst>
+          <pc:docMk/>
+          <pc:sldMk cId="931883125" sldId="304"/>
+        </pc:sldMkLst>
+        <pc:spChg chg="mod">
+          <ac:chgData name="Sebastian Giunta" userId="426adcadb63efdab" providerId="LiveId" clId="{7E51EC2A-058E-4F01-B103-E2C797C0BC7C}" dt="2022-05-21T00:58:53.377" v="4103" actId="26606"/>
+          <ac:spMkLst>
+            <pc:docMk/>
+            <pc:sldMk cId="931883125" sldId="304"/>
+            <ac:spMk id="2" creationId="{1D6FEC87-5B05-3719-E9A7-184DBFBB3BFF}"/>
+          </ac:spMkLst>
+        </pc:spChg>
+        <pc:spChg chg="del mod">
+          <ac:chgData name="Sebastian Giunta" userId="426adcadb63efdab" providerId="LiveId" clId="{7E51EC2A-058E-4F01-B103-E2C797C0BC7C}" dt="2022-05-21T00:58:54.479" v="4104" actId="478"/>
+          <ac:spMkLst>
+            <pc:docMk/>
+            <pc:sldMk cId="931883125" sldId="304"/>
+            <ac:spMk id="3" creationId="{38EE8BC4-A0D1-7378-FAA5-35CAA1AD062E}"/>
+          </ac:spMkLst>
+        </pc:spChg>
+        <pc:spChg chg="add del">
+          <ac:chgData name="Sebastian Giunta" userId="426adcadb63efdab" providerId="LiveId" clId="{7E51EC2A-058E-4F01-B103-E2C797C0BC7C}" dt="2022-05-21T00:58:56.278" v="4105" actId="26606"/>
+          <ac:spMkLst>
+            <pc:docMk/>
+            <pc:sldMk cId="931883125" sldId="304"/>
+            <ac:spMk id="8" creationId="{5A338357-1A6A-4C1E-A6D6-1DCDE6DF4208}"/>
+          </ac:spMkLst>
+        </pc:spChg>
+        <pc:spChg chg="add del">
+          <ac:chgData name="Sebastian Giunta" userId="426adcadb63efdab" providerId="LiveId" clId="{7E51EC2A-058E-4F01-B103-E2C797C0BC7C}" dt="2022-05-21T00:58:56.278" v="4105" actId="26606"/>
+          <ac:spMkLst>
+            <pc:docMk/>
+            <pc:sldMk cId="931883125" sldId="304"/>
+            <ac:spMk id="10" creationId="{E1F51140-4156-423C-9638-1223606FBA11}"/>
+          </ac:spMkLst>
+        </pc:spChg>
+        <pc:spChg chg="add">
+          <ac:chgData name="Sebastian Giunta" userId="426adcadb63efdab" providerId="LiveId" clId="{7E51EC2A-058E-4F01-B103-E2C797C0BC7C}" dt="2022-05-21T00:58:56.278" v="4105" actId="26606"/>
+          <ac:spMkLst>
+            <pc:docMk/>
+            <pc:sldMk cId="931883125" sldId="304"/>
+            <ac:spMk id="17" creationId="{5A338357-1A6A-4C1E-A6D6-1DCDE6DF4208}"/>
+          </ac:spMkLst>
+        </pc:spChg>
+        <pc:spChg chg="add">
+          <ac:chgData name="Sebastian Giunta" userId="426adcadb63efdab" providerId="LiveId" clId="{7E51EC2A-058E-4F01-B103-E2C797C0BC7C}" dt="2022-05-21T00:58:56.278" v="4105" actId="26606"/>
+          <ac:spMkLst>
+            <pc:docMk/>
+            <pc:sldMk cId="931883125" sldId="304"/>
+            <ac:spMk id="19" creationId="{E1F51140-4156-423C-9638-1223606FBA11}"/>
+          </ac:spMkLst>
+        </pc:spChg>
+        <pc:cxnChg chg="add del">
+          <ac:chgData name="Sebastian Giunta" userId="426adcadb63efdab" providerId="LiveId" clId="{7E51EC2A-058E-4F01-B103-E2C797C0BC7C}" dt="2022-05-21T00:58:56.278" v="4105" actId="26606"/>
+          <ac:cxnSpMkLst>
+            <pc:docMk/>
+            <pc:sldMk cId="931883125" sldId="304"/>
+            <ac:cxnSpMk id="12" creationId="{2DAA738B-EDF5-4694-B25A-3488245BC87C}"/>
+          </ac:cxnSpMkLst>
+        </pc:cxnChg>
+        <pc:cxnChg chg="add">
+          <ac:chgData name="Sebastian Giunta" userId="426adcadb63efdab" providerId="LiveId" clId="{7E51EC2A-058E-4F01-B103-E2C797C0BC7C}" dt="2022-05-21T00:58:56.278" v="4105" actId="26606"/>
+          <ac:cxnSpMkLst>
+            <pc:docMk/>
+            <pc:sldMk cId="931883125" sldId="304"/>
+            <ac:cxnSpMk id="21" creationId="{2DAA738B-EDF5-4694-B25A-3488245BC87C}"/>
+          </ac:cxnSpMkLst>
+        </pc:cxnChg>
+      </pc:sldChg>
+      <pc:sldChg chg="addSp delSp modSp new mod setBg">
+        <pc:chgData name="Sebastian Giunta" userId="426adcadb63efdab" providerId="LiveId" clId="{7E51EC2A-058E-4F01-B103-E2C797C0BC7C}" dt="2022-05-21T00:59:39.147" v="4119" actId="478"/>
+        <pc:sldMkLst>
+          <pc:docMk/>
+          <pc:sldMk cId="52812094" sldId="305"/>
+        </pc:sldMkLst>
+        <pc:spChg chg="mod">
+          <ac:chgData name="Sebastian Giunta" userId="426adcadb63efdab" providerId="LiveId" clId="{7E51EC2A-058E-4F01-B103-E2C797C0BC7C}" dt="2022-05-21T00:59:37.674" v="4118" actId="26606"/>
+          <ac:spMkLst>
+            <pc:docMk/>
+            <pc:sldMk cId="52812094" sldId="305"/>
+            <ac:spMk id="2" creationId="{62D277EE-10D6-1374-0C33-4460CC0675B0}"/>
+          </ac:spMkLst>
+        </pc:spChg>
+        <pc:spChg chg="del mod">
+          <ac:chgData name="Sebastian Giunta" userId="426adcadb63efdab" providerId="LiveId" clId="{7E51EC2A-058E-4F01-B103-E2C797C0BC7C}" dt="2022-05-21T00:59:39.147" v="4119" actId="478"/>
+          <ac:spMkLst>
+            <pc:docMk/>
+            <pc:sldMk cId="52812094" sldId="305"/>
+            <ac:spMk id="3" creationId="{BD97BEDA-18BA-AC6A-107C-701647D95227}"/>
+          </ac:spMkLst>
+        </pc:spChg>
+        <pc:spChg chg="add">
+          <ac:chgData name="Sebastian Giunta" userId="426adcadb63efdab" providerId="LiveId" clId="{7E51EC2A-058E-4F01-B103-E2C797C0BC7C}" dt="2022-05-21T00:59:37.674" v="4118" actId="26606"/>
+          <ac:spMkLst>
+            <pc:docMk/>
+            <pc:sldMk cId="52812094" sldId="305"/>
+            <ac:spMk id="8" creationId="{5A338357-1A6A-4C1E-A6D6-1DCDE6DF4208}"/>
+          </ac:spMkLst>
+        </pc:spChg>
+        <pc:spChg chg="add">
+          <ac:chgData name="Sebastian Giunta" userId="426adcadb63efdab" providerId="LiveId" clId="{7E51EC2A-058E-4F01-B103-E2C797C0BC7C}" dt="2022-05-21T00:59:37.674" v="4118" actId="26606"/>
+          <ac:spMkLst>
+            <pc:docMk/>
+            <pc:sldMk cId="52812094" sldId="305"/>
+            <ac:spMk id="10" creationId="{E1F51140-4156-423C-9638-1223606FBA11}"/>
+          </ac:spMkLst>
+        </pc:spChg>
+        <pc:cxnChg chg="add">
+          <ac:chgData name="Sebastian Giunta" userId="426adcadb63efdab" providerId="LiveId" clId="{7E51EC2A-058E-4F01-B103-E2C797C0BC7C}" dt="2022-05-21T00:59:37.674" v="4118" actId="26606"/>
+          <ac:cxnSpMkLst>
+            <pc:docMk/>
+            <pc:sldMk cId="52812094" sldId="305"/>
+            <ac:cxnSpMk id="12" creationId="{2DAA738B-EDF5-4694-B25A-3488245BC87C}"/>
+          </ac:cxnSpMkLst>
+        </pc:cxnChg>
+      </pc:sldChg>
     </pc:docChg>
   </pc:docChgLst>
 </pc:chgInfo>
+</file>
+
+<file path=ppt/diagrams/colors1.xml><?xml version="1.0" encoding="utf-8"?>
+<dgm:colorsDef xmlns:dgm="http://schemas.openxmlformats.org/drawingml/2006/diagram" xmlns:a="http://schemas.openxmlformats.org/drawingml/2006/main" uniqueId="urn:microsoft.com/office/officeart/2005/8/colors/accent1_2">
+  <dgm:title val=""/>
+  <dgm:desc val=""/>
+  <dgm:catLst>
+    <dgm:cat type="accent1" pri="11200"/>
+  </dgm:catLst>
+  <dgm:styleLbl name="node0">
+    <dgm:fillClrLst meth="repeat">
+      <a:schemeClr val="accent1"/>
+    </dgm:fillClrLst>
+    <dgm:linClrLst meth="repeat">
+      <a:schemeClr val="lt1"/>
+    </dgm:linClrLst>
+    <dgm:effectClrLst/>
+    <dgm:txLinClrLst/>
+    <dgm:txFillClrLst/>
+    <dgm:txEffectClrLst/>
+  </dgm:styleLbl>
+  <dgm:styleLbl name="alignNode1">
+    <dgm:fillClrLst meth="repeat">
+      <a:schemeClr val="accent1"/>
+    </dgm:fillClrLst>
+    <dgm:linClrLst meth="repeat">
+      <a:schemeClr val="accent1"/>
+    </dgm:linClrLst>
+    <dgm:effectClrLst/>
+    <dgm:txLinClrLst/>
+    <dgm:txFillClrLst/>
+    <dgm:txEffectClrLst/>
+  </dgm:styleLbl>
+  <dgm:styleLbl name="node1">
+    <dgm:fillClrLst meth="repeat">
+      <a:schemeClr val="accent1"/>
+    </dgm:fillClrLst>
+    <dgm:linClrLst meth="repeat">
+      <a:schemeClr val="lt1"/>
+    </dgm:linClrLst>
+    <dgm:effectClrLst/>
+    <dgm:txLinClrLst/>
+    <dgm:txFillClrLst/>
+    <dgm:txEffectClrLst/>
+  </dgm:styleLbl>
+  <dgm:styleLbl name="lnNode1">
+    <dgm:fillClrLst meth="repeat">
+      <a:schemeClr val="accent1"/>
+    </dgm:fillClrLst>
+    <dgm:linClrLst meth="repeat">
+      <a:schemeClr val="lt1"/>
+    </dgm:linClrLst>
+    <dgm:effectClrLst/>
+    <dgm:txLinClrLst/>
+    <dgm:txFillClrLst/>
+    <dgm:txEffectClrLst/>
+  </dgm:styleLbl>
+  <dgm:styleLbl name="vennNode1">
+    <dgm:fillClrLst meth="repeat">
+      <a:schemeClr val="accent1">
+        <a:alpha val="50000"/>
+      </a:schemeClr>
+    </dgm:fillClrLst>
+    <dgm:linClrLst meth="repeat">
+      <a:schemeClr val="lt1"/>
+    </dgm:linClrLst>
+    <dgm:effectClrLst/>
+    <dgm:txLinClrLst/>
+    <dgm:txFillClrLst/>
+    <dgm:txEffectClrLst/>
+  </dgm:styleLbl>
+  <dgm:styleLbl name="node2">
+    <dgm:fillClrLst meth="repeat">
+      <a:schemeClr val="accent1"/>
+    </dgm:fillClrLst>
+    <dgm:linClrLst meth="repeat">
+      <a:schemeClr val="lt1"/>
+    </dgm:linClrLst>
+    <dgm:effectClrLst/>
+    <dgm:txLinClrLst/>
+    <dgm:txFillClrLst/>
+    <dgm:txEffectClrLst/>
+  </dgm:styleLbl>
+  <dgm:styleLbl name="node3">
+    <dgm:fillClrLst meth="repeat">
+      <a:schemeClr val="accent1"/>
+    </dgm:fillClrLst>
+    <dgm:linClrLst meth="repeat">
+      <a:schemeClr val="lt1"/>
+    </dgm:linClrLst>
+    <dgm:effectClrLst/>
+    <dgm:txLinClrLst/>
+    <dgm:txFillClrLst/>
+    <dgm:txEffectClrLst/>
+  </dgm:styleLbl>
+  <dgm:styleLbl name="node4">
+    <dgm:fillClrLst meth="repeat">
+      <a:schemeClr val="accent1"/>
+    </dgm:fillClrLst>
+    <dgm:linClrLst meth="repeat">
+      <a:schemeClr val="lt1"/>
+    </dgm:linClrLst>
+    <dgm:effectClrLst/>
+    <dgm:txLinClrLst/>
+    <dgm:txFillClrLst/>
+    <dgm:txEffectClrLst/>
+  </dgm:styleLbl>
+  <dgm:styleLbl name="fgImgPlace1">
+    <dgm:fillClrLst meth="repeat">
+      <a:schemeClr val="accent1">
+        <a:tint val="50000"/>
+      </a:schemeClr>
+    </dgm:fillClrLst>
+    <dgm:linClrLst meth="repeat">
+      <a:schemeClr val="lt1"/>
+    </dgm:linClrLst>
+    <dgm:effectClrLst/>
+    <dgm:txLinClrLst/>
+    <dgm:txFillClrLst meth="repeat">
+      <a:schemeClr val="lt1"/>
+    </dgm:txFillClrLst>
+    <dgm:txEffectClrLst/>
+  </dgm:styleLbl>
+  <dgm:styleLbl name="alignImgPlace1">
+    <dgm:fillClrLst meth="repeat">
+      <a:schemeClr val="accent1">
+        <a:tint val="50000"/>
+      </a:schemeClr>
+    </dgm:fillClrLst>
+    <dgm:linClrLst meth="repeat">
+      <a:schemeClr val="lt1"/>
+    </dgm:linClrLst>
+    <dgm:effectClrLst/>
+    <dgm:txLinClrLst/>
+    <dgm:txFillClrLst meth="repeat">
+      <a:schemeClr val="lt1"/>
+    </dgm:txFillClrLst>
+    <dgm:txEffectClrLst/>
+  </dgm:styleLbl>
+  <dgm:styleLbl name="bgImgPlace1">
+    <dgm:fillClrLst meth="repeat">
+      <a:schemeClr val="accent1">
+        <a:tint val="50000"/>
+      </a:schemeClr>
+    </dgm:fillClrLst>
+    <dgm:linClrLst meth="repeat">
+      <a:schemeClr val="lt1"/>
+    </dgm:linClrLst>
+    <dgm:effectClrLst/>
+    <dgm:txLinClrLst/>
+    <dgm:txFillClrLst meth="repeat">
+      <a:schemeClr val="lt1"/>
+    </dgm:txFillClrLst>
+    <dgm:txEffectClrLst/>
+  </dgm:styleLbl>
+  <dgm:styleLbl name="sibTrans2D1">
+    <dgm:fillClrLst meth="repeat">
+      <a:schemeClr val="accent1">
+        <a:tint val="60000"/>
+      </a:schemeClr>
+    </dgm:fillClrLst>
+    <dgm:linClrLst meth="repeat">
+      <a:schemeClr val="accent1">
+        <a:tint val="60000"/>
+      </a:schemeClr>
+    </dgm:linClrLst>
+    <dgm:effectClrLst/>
+    <dgm:txLinClrLst/>
+    <dgm:txFillClrLst/>
+    <dgm:txEffectClrLst/>
+  </dgm:styleLbl>
+  <dgm:styleLbl name="fgSibTrans2D1">
+    <dgm:fillClrLst meth="repeat">
+      <a:schemeClr val="accent1">
+        <a:tint val="60000"/>
+      </a:schemeClr>
+    </dgm:fillClrLst>
+    <dgm:linClrLst meth="repeat">
+      <a:schemeClr val="accent1">
+        <a:tint val="60000"/>
+      </a:schemeClr>
+    </dgm:linClrLst>
+    <dgm:effectClrLst/>
+    <dgm:txLinClrLst/>
+    <dgm:txFillClrLst/>
+    <dgm:txEffectClrLst/>
+  </dgm:styleLbl>
+  <dgm:styleLbl name="bgSibTrans2D1">
+    <dgm:fillClrLst meth="repeat">
+      <a:schemeClr val="accent1">
+        <a:tint val="60000"/>
+      </a:schemeClr>
+    </dgm:fillClrLst>
+    <dgm:linClrLst meth="repeat">
+      <a:schemeClr val="accent1">
+        <a:tint val="60000"/>
+      </a:schemeClr>
+    </dgm:linClrLst>
+    <dgm:effectClrLst/>
+    <dgm:txLinClrLst/>
+    <dgm:txFillClrLst/>
+    <dgm:txEffectClrLst/>
+  </dgm:styleLbl>
+  <dgm:styleLbl name="sibTrans1D1">
+    <dgm:fillClrLst meth="repeat">
+      <a:schemeClr val="accent1"/>
+    </dgm:fillClrLst>
+    <dgm:linClrLst meth="repeat">
+      <a:schemeClr val="accent1"/>
+    </dgm:linClrLst>
+    <dgm:effectClrLst/>
+    <dgm:txLinClrLst/>
+    <dgm:txFillClrLst meth="repeat">
+      <a:schemeClr val="tx1"/>
+    </dgm:txFillClrLst>
+    <dgm:txEffectClrLst/>
+  </dgm:styleLbl>
+  <dgm:styleLbl name="callout">
+    <dgm:fillClrLst meth="repeat">
+      <a:schemeClr val="accent1"/>
+    </dgm:fillClrLst>
+    <dgm:linClrLst meth="repeat">
+      <a:schemeClr val="accent1">
+        <a:tint val="50000"/>
+      </a:schemeClr>
+    </dgm:linClrLst>
+    <dgm:effectClrLst/>
+    <dgm:txLinClrLst/>
+    <dgm:txFillClrLst meth="repeat">
+      <a:schemeClr val="tx1"/>
+    </dgm:txFillClrLst>
+    <dgm:txEffectClrLst/>
+  </dgm:styleLbl>
+  <dgm:styleLbl name="asst0">
+    <dgm:fillClrLst meth="repeat">
+      <a:schemeClr val="accent1"/>
+    </dgm:fillClrLst>
+    <dgm:linClrLst meth="repeat">
+      <a:schemeClr val="lt1"/>
+    </dgm:linClrLst>
+    <dgm:effectClrLst/>
+    <dgm:txLinClrLst/>
+    <dgm:txFillClrLst/>
+    <dgm:txEffectClrLst/>
+  </dgm:styleLbl>
+  <dgm:styleLbl name="asst1">
+    <dgm:fillClrLst meth="repeat">
+      <a:schemeClr val="accent1"/>
+    </dgm:fillClrLst>
+    <dgm:linClrLst meth="repeat">
+      <a:schemeClr val="lt1"/>
+    </dgm:linClrLst>
+    <dgm:effectClrLst/>
+    <dgm:txLinClrLst/>
+    <dgm:txFillClrLst/>
+    <dgm:txEffectClrLst/>
+  </dgm:styleLbl>
+  <dgm:styleLbl name="asst2">
+    <dgm:fillClrLst meth="repeat">
+      <a:schemeClr val="accent1"/>
+    </dgm:fillClrLst>
+    <dgm:linClrLst meth="repeat">
+      <a:schemeClr val="lt1"/>
+    </dgm:linClrLst>
+    <dgm:effectClrLst/>
+    <dgm:txLinClrLst/>
+    <dgm:txFillClrLst/>
+    <dgm:txEffectClrLst/>
+  </dgm:styleLbl>
+  <dgm:styleLbl name="asst3">
+    <dgm:fillClrLst meth="repeat">
+      <a:schemeClr val="accent1"/>
+    </dgm:fillClrLst>
+    <dgm:linClrLst meth="repeat">
+      <a:schemeClr val="lt1"/>
+    </dgm:linClrLst>
+    <dgm:effectClrLst/>
+    <dgm:txLinClrLst/>
+    <dgm:txFillClrLst/>
+    <dgm:txEffectClrLst/>
+  </dgm:styleLbl>
+  <dgm:styleLbl name="asst4">
+    <dgm:fillClrLst meth="repeat">
+      <a:schemeClr val="accent1"/>
+    </dgm:fillClrLst>
+    <dgm:linClrLst meth="repeat">
+      <a:schemeClr val="lt1"/>
+    </dgm:linClrLst>
+    <dgm:effectClrLst/>
+    <dgm:txLinClrLst/>
+    <dgm:txFillClrLst/>
+    <dgm:txEffectClrLst/>
+  </dgm:styleLbl>
+  <dgm:styleLbl name="parChTrans2D1">
+    <dgm:fillClrLst meth="repeat">
+      <a:schemeClr val="accent1">
+        <a:tint val="60000"/>
+      </a:schemeClr>
+    </dgm:fillClrLst>
+    <dgm:linClrLst meth="repeat">
+      <a:schemeClr val="accent1">
+        <a:tint val="60000"/>
+      </a:schemeClr>
+    </dgm:linClrLst>
+    <dgm:effectClrLst/>
+    <dgm:txLinClrLst/>
+    <dgm:txFillClrLst meth="repeat">
+      <a:schemeClr val="lt1"/>
+    </dgm:txFillClrLst>
+    <dgm:txEffectClrLst/>
+  </dgm:styleLbl>
+  <dgm:styleLbl name="parChTrans2D2">
+    <dgm:fillClrLst meth="repeat">
+      <a:schemeClr val="accent1"/>
+    </dgm:fillClrLst>
+    <dgm:linClrLst meth="repeat">
+      <a:schemeClr val="accent1"/>
+    </dgm:linClrLst>
+    <dgm:effectClrLst/>
+    <dgm:txLinClrLst/>
+    <dgm:txFillClrLst meth="repeat">
+      <a:schemeClr val="lt1"/>
+    </dgm:txFillClrLst>
+    <dgm:txEffectClrLst/>
+  </dgm:styleLbl>
+  <dgm:styleLbl name="parChTrans2D3">
+    <dgm:fillClrLst meth="repeat">
+      <a:schemeClr val="accent1"/>
+    </dgm:fillClrLst>
+    <dgm:linClrLst meth="repeat">
+      <a:schemeClr val="accent1"/>
+    </dgm:linClrLst>
+    <dgm:effectClrLst/>
+    <dgm:txLinClrLst/>
+    <dgm:txFillClrLst meth="repeat">
+      <a:schemeClr val="lt1"/>
+    </dgm:txFillClrLst>
+    <dgm:txEffectClrLst/>
+  </dgm:styleLbl>
+  <dgm:styleLbl name="parChTrans2D4">
+    <dgm:fillClrLst meth="repeat">
+      <a:schemeClr val="accent1"/>
+    </dgm:fillClrLst>
+    <dgm:linClrLst meth="repeat">
+      <a:schemeClr val="accent1"/>
+    </dgm:linClrLst>
+    <dgm:effectClrLst/>
+    <dgm:txLinClrLst/>
+    <dgm:txFillClrLst meth="repeat">
+      <a:schemeClr val="lt1"/>
+    </dgm:txFillClrLst>
+    <dgm:txEffectClrLst/>
+  </dgm:styleLbl>
+  <dgm:styleLbl name="parChTrans1D1">
+    <dgm:fillClrLst meth="repeat">
+      <a:schemeClr val="accent1"/>
+    </dgm:fillClrLst>
+    <dgm:linClrLst meth="repeat">
+      <a:schemeClr val="accent1">
+        <a:shade val="60000"/>
+      </a:schemeClr>
+    </dgm:linClrLst>
+    <dgm:effectClrLst/>
+    <dgm:txLinClrLst/>
+    <dgm:txFillClrLst meth="repeat">
+      <a:schemeClr val="tx1"/>
+    </dgm:txFillClrLst>
+    <dgm:txEffectClrLst/>
+  </dgm:styleLbl>
+  <dgm:styleLbl name="parChTrans1D2">
+    <dgm:fillClrLst meth="repeat">
+      <a:schemeClr val="accent1"/>
+    </dgm:fillClrLst>
+    <dgm:linClrLst meth="repeat">
+      <a:schemeClr val="accent1">
+        <a:shade val="60000"/>
+      </a:schemeClr>
+    </dgm:linClrLst>
+    <dgm:effectClrLst/>
+    <dgm:txLinClrLst/>
+    <dgm:txFillClrLst meth="repeat">
+      <a:schemeClr val="tx1"/>
+    </dgm:txFillClrLst>
+    <dgm:txEffectClrLst/>
+  </dgm:styleLbl>
+  <dgm:styleLbl name="parChTrans1D3">
+    <dgm:fillClrLst meth="repeat">
+      <a:schemeClr val="accent1"/>
+    </dgm:fillClrLst>
+    <dgm:linClrLst meth="repeat">
+      <a:schemeClr val="accent1">
+        <a:shade val="80000"/>
+      </a:schemeClr>
+    </dgm:linClrLst>
+    <dgm:effectClrLst/>
+    <dgm:txLinClrLst/>
+    <dgm:txFillClrLst meth="repeat">
+      <a:schemeClr val="tx1"/>
+    </dgm:txFillClrLst>
+    <dgm:txEffectClrLst/>
+  </dgm:styleLbl>
+  <dgm:styleLbl name="parChTrans1D4">
+    <dgm:fillClrLst meth="repeat">
+      <a:schemeClr val="accent1"/>
+    </dgm:fillClrLst>
+    <dgm:linClrLst meth="repeat">
+      <a:schemeClr val="accent1">
+        <a:shade val="80000"/>
+      </a:schemeClr>
+    </dgm:linClrLst>
+    <dgm:effectClrLst/>
+    <dgm:txLinClrLst/>
+    <dgm:txFillClrLst meth="repeat">
+      <a:schemeClr val="tx1"/>
+    </dgm:txFillClrLst>
+    <dgm:txEffectClrLst/>
+  </dgm:styleLbl>
+  <dgm:styleLbl name="fgAcc1">
+    <dgm:fillClrLst meth="repeat">
+      <a:schemeClr val="lt1">
+        <a:alpha val="90000"/>
+      </a:schemeClr>
+    </dgm:fillClrLst>
+    <dgm:linClrLst meth="repeat">
+      <a:schemeClr val="accent1"/>
+    </dgm:linClrLst>
+    <dgm:effectClrLst/>
+    <dgm:txLinClrLst/>
+    <dgm:txFillClrLst meth="repeat">
+      <a:schemeClr val="dk1"/>
+    </dgm:txFillClrLst>
+    <dgm:txEffectClrLst/>
+  </dgm:styleLbl>
+  <dgm:styleLbl name="conFgAcc1">
+    <dgm:fillClrLst meth="repeat">
+      <a:schemeClr val="lt1">
+        <a:alpha val="90000"/>
+      </a:schemeClr>
+    </dgm:fillClrLst>
+    <dgm:linClrLst meth="repeat">
+      <a:schemeClr val="accent1"/>
+    </dgm:linClrLst>
+    <dgm:effectClrLst/>
+    <dgm:txLinClrLst/>
+    <dgm:txFillClrLst meth="repeat">
+      <a:schemeClr val="dk1"/>
+    </dgm:txFillClrLst>
+    <dgm:txEffectClrLst/>
+  </dgm:styleLbl>
+  <dgm:styleLbl name="alignAcc1">
+    <dgm:fillClrLst meth="repeat">
+      <a:schemeClr val="lt1">
+        <a:alpha val="90000"/>
+      </a:schemeClr>
+    </dgm:fillClrLst>
+    <dgm:linClrLst meth="repeat">
+      <a:schemeClr val="accent1"/>
+    </dgm:linClrLst>
+    <dgm:effectClrLst/>
+    <dgm:txLinClrLst/>
+    <dgm:txFillClrLst meth="repeat">
+      <a:schemeClr val="dk1"/>
+    </dgm:txFillClrLst>
+    <dgm:txEffectClrLst/>
+  </dgm:styleLbl>
+  <dgm:styleLbl name="trAlignAcc1">
+    <dgm:fillClrLst meth="repeat">
+      <a:schemeClr val="lt1">
+        <a:alpha val="40000"/>
+      </a:schemeClr>
+    </dgm:fillClrLst>
+    <dgm:linClrLst meth="repeat">
+      <a:schemeClr val="accent1"/>
+    </dgm:linClrLst>
+    <dgm:effectClrLst/>
+    <dgm:txLinClrLst/>
+    <dgm:txFillClrLst meth="repeat">
+      <a:schemeClr val="dk1"/>
+    </dgm:txFillClrLst>
+    <dgm:txEffectClrLst/>
+  </dgm:styleLbl>
+  <dgm:styleLbl name="bgAcc1">
+    <dgm:fillClrLst meth="repeat">
+      <a:schemeClr val="lt1">
+        <a:alpha val="90000"/>
+      </a:schemeClr>
+    </dgm:fillClrLst>
+    <dgm:linClrLst meth="repeat">
+      <a:schemeClr val="accent1"/>
+    </dgm:linClrLst>
+    <dgm:effectClrLst/>
+    <dgm:txLinClrLst/>
+    <dgm:txFillClrLst meth="repeat">
+      <a:schemeClr val="dk1"/>
+    </dgm:txFillClrLst>
+    <dgm:txEffectClrLst/>
+  </dgm:styleLbl>
+  <dgm:styleLbl name="solidFgAcc1">
+    <dgm:fillClrLst meth="repeat">
+      <a:schemeClr val="lt1"/>
+    </dgm:fillClrLst>
+    <dgm:linClrLst meth="repeat">
+      <a:schemeClr val="accent1"/>
+    </dgm:linClrLst>
+    <dgm:effectClrLst/>
+    <dgm:txLinClrLst/>
+    <dgm:txFillClrLst meth="repeat">
+      <a:schemeClr val="dk1"/>
+    </dgm:txFillClrLst>
+    <dgm:txEffectClrLst/>
+  </dgm:styleLbl>
+  <dgm:styleLbl name="solidAlignAcc1">
+    <dgm:fillClrLst meth="repeat">
+      <a:schemeClr val="lt1"/>
+    </dgm:fillClrLst>
+    <dgm:linClrLst meth="repeat">
+      <a:schemeClr val="accent1"/>
+    </dgm:linClrLst>
+    <dgm:effectClrLst/>
+    <dgm:txLinClrLst/>
+    <dgm:txFillClrLst meth="repeat">
+      <a:schemeClr val="dk1"/>
+    </dgm:txFillClrLst>
+    <dgm:txEffectClrLst/>
+  </dgm:styleLbl>
+  <dgm:styleLbl name="solidBgAcc1">
+    <dgm:fillClrLst meth="repeat">
+      <a:schemeClr val="lt1"/>
+    </dgm:fillClrLst>
+    <dgm:linClrLst meth="repeat">
+      <a:schemeClr val="accent1"/>
+    </dgm:linClrLst>
+    <dgm:effectClrLst/>
+    <dgm:txLinClrLst/>
+    <dgm:txFillClrLst meth="repeat">
+      <a:schemeClr val="dk1"/>
+    </dgm:txFillClrLst>
+    <dgm:txEffectClrLst/>
+  </dgm:styleLbl>
+  <dgm:styleLbl name="fgAccFollowNode1">
+    <dgm:fillClrLst meth="repeat">
+      <a:schemeClr val="accent1">
+        <a:alpha val="90000"/>
+        <a:tint val="40000"/>
+      </a:schemeClr>
+    </dgm:fillClrLst>
+    <dgm:linClrLst meth="repeat">
+      <a:schemeClr val="accent1">
+        <a:alpha val="90000"/>
+        <a:tint val="40000"/>
+      </a:schemeClr>
+    </dgm:linClrLst>
+    <dgm:effectClrLst/>
+    <dgm:txLinClrLst/>
+    <dgm:txFillClrLst meth="repeat">
+      <a:schemeClr val="dk1"/>
+    </dgm:txFillClrLst>
+    <dgm:txEffectClrLst/>
+  </dgm:styleLbl>
+  <dgm:styleLbl name="alignAccFollowNode1">
+    <dgm:fillClrLst meth="repeat">
+      <a:schemeClr val="accent1">
+        <a:alpha val="90000"/>
+        <a:tint val="40000"/>
+      </a:schemeClr>
+    </dgm:fillClrLst>
+    <dgm:linClrLst meth="repeat">
+      <a:schemeClr val="accent1">
+        <a:alpha val="90000"/>
+        <a:tint val="40000"/>
+      </a:schemeClr>
+    </dgm:linClrLst>
+    <dgm:effectClrLst/>
+    <dgm:txLinClrLst/>
+    <dgm:txFillClrLst meth="repeat">
+      <a:schemeClr val="dk1"/>
+    </dgm:txFillClrLst>
+    <dgm:txEffectClrLst/>
+  </dgm:styleLbl>
+  <dgm:styleLbl name="bgAccFollowNode1">
+    <dgm:fillClrLst meth="repeat">
+      <a:schemeClr val="accent1">
+        <a:alpha val="90000"/>
+        <a:tint val="40000"/>
+      </a:schemeClr>
+    </dgm:fillClrLst>
+    <dgm:linClrLst meth="repeat">
+      <a:schemeClr val="accent1">
+        <a:alpha val="90000"/>
+        <a:tint val="40000"/>
+      </a:schemeClr>
+    </dgm:linClrLst>
+    <dgm:effectClrLst/>
+    <dgm:txLinClrLst/>
+    <dgm:txFillClrLst meth="repeat">
+      <a:schemeClr val="dk1"/>
+    </dgm:txFillClrLst>
+    <dgm:txEffectClrLst/>
+  </dgm:styleLbl>
+  <dgm:styleLbl name="fgAcc0">
+    <dgm:fillClrLst meth="repeat">
+      <a:schemeClr val="lt1">
+        <a:alpha val="90000"/>
+      </a:schemeClr>
+    </dgm:fillClrLst>
+    <dgm:linClrLst meth="repeat">
+      <a:schemeClr val="accent1"/>
+    </dgm:linClrLst>
+    <dgm:effectClrLst/>
+    <dgm:txLinClrLst/>
+    <dgm:txFillClrLst meth="repeat">
+      <a:schemeClr val="dk1"/>
+    </dgm:txFillClrLst>
+    <dgm:txEffectClrLst/>
+  </dgm:styleLbl>
+  <dgm:styleLbl name="fgAcc2">
+    <dgm:fillClrLst meth="repeat">
+      <a:schemeClr val="lt1">
+        <a:alpha val="90000"/>
+      </a:schemeClr>
+    </dgm:fillClrLst>
+    <dgm:linClrLst meth="repeat">
+      <a:schemeClr val="accent1"/>
+    </dgm:linClrLst>
+    <dgm:effectClrLst/>
+    <dgm:txLinClrLst/>
+    <dgm:txFillClrLst meth="repeat">
+      <a:schemeClr val="dk1"/>
+    </dgm:txFillClrLst>
+    <dgm:txEffectClrLst/>
+  </dgm:styleLbl>
+  <dgm:styleLbl name="fgAcc3">
+    <dgm:fillClrLst meth="repeat">
+      <a:schemeClr val="lt1">
+        <a:alpha val="90000"/>
+      </a:schemeClr>
+    </dgm:fillClrLst>
+    <dgm:linClrLst meth="repeat">
+      <a:schemeClr val="accent1"/>
+    </dgm:linClrLst>
+    <dgm:effectClrLst/>
+    <dgm:txLinClrLst/>
+    <dgm:txFillClrLst meth="repeat">
+      <a:schemeClr val="dk1"/>
+    </dgm:txFillClrLst>
+    <dgm:txEffectClrLst/>
+  </dgm:styleLbl>
+  <dgm:styleLbl name="fgAcc4">
+    <dgm:fillClrLst meth="repeat">
+      <a:schemeClr val="lt1">
+        <a:alpha val="90000"/>
+      </a:schemeClr>
+    </dgm:fillClrLst>
+    <dgm:linClrLst meth="repeat">
+      <a:schemeClr val="accent1"/>
+    </dgm:linClrLst>
+    <dgm:effectClrLst/>
+    <dgm:txLinClrLst/>
+    <dgm:txFillClrLst meth="repeat">
+      <a:schemeClr val="dk1"/>
+    </dgm:txFillClrLst>
+    <dgm:txEffectClrLst/>
+  </dgm:styleLbl>
+  <dgm:styleLbl name="bgShp">
+    <dgm:fillClrLst meth="repeat">
+      <a:schemeClr val="accent1">
+        <a:tint val="40000"/>
+      </a:schemeClr>
+    </dgm:fillClrLst>
+    <dgm:linClrLst meth="repeat">
+      <a:schemeClr val="accent1"/>
+    </dgm:linClrLst>
+    <dgm:effectClrLst/>
+    <dgm:txLinClrLst/>
+    <dgm:txFillClrLst meth="repeat">
+      <a:schemeClr val="dk1"/>
+    </dgm:txFillClrLst>
+    <dgm:txEffectClrLst/>
+  </dgm:styleLbl>
+  <dgm:styleLbl name="dkBgShp">
+    <dgm:fillClrLst meth="repeat">
+      <a:schemeClr val="accent1">
+        <a:shade val="80000"/>
+      </a:schemeClr>
+    </dgm:fillClrLst>
+    <dgm:linClrLst meth="repeat">
+      <a:schemeClr val="accent1"/>
+    </dgm:linClrLst>
+    <dgm:effectClrLst/>
+    <dgm:txLinClrLst/>
+    <dgm:txFillClrLst meth="repeat">
+      <a:schemeClr val="lt1"/>
+    </dgm:txFillClrLst>
+    <dgm:txEffectClrLst/>
+  </dgm:styleLbl>
+  <dgm:styleLbl name="trBgShp">
+    <dgm:fillClrLst meth="repeat">
+      <a:schemeClr val="accent1">
+        <a:tint val="50000"/>
+        <a:alpha val="40000"/>
+      </a:schemeClr>
+    </dgm:fillClrLst>
+    <dgm:linClrLst meth="repeat">
+      <a:schemeClr val="accent1"/>
+    </dgm:linClrLst>
+    <dgm:effectClrLst/>
+    <dgm:txLinClrLst/>
+    <dgm:txFillClrLst meth="repeat">
+      <a:schemeClr val="lt1"/>
+    </dgm:txFillClrLst>
+    <dgm:txEffectClrLst/>
+  </dgm:styleLbl>
+  <dgm:styleLbl name="fgShp">
+    <dgm:fillClrLst meth="repeat">
+      <a:schemeClr val="accent1">
+        <a:tint val="60000"/>
+      </a:schemeClr>
+    </dgm:fillClrLst>
+    <dgm:linClrLst meth="repeat">
+      <a:schemeClr val="lt1"/>
+    </dgm:linClrLst>
+    <dgm:effectClrLst/>
+    <dgm:txLinClrLst/>
+    <dgm:txFillClrLst meth="repeat">
+      <a:schemeClr val="dk1"/>
+    </dgm:txFillClrLst>
+    <dgm:txEffectClrLst/>
+  </dgm:styleLbl>
+  <dgm:styleLbl name="revTx">
+    <dgm:fillClrLst meth="repeat">
+      <a:schemeClr val="lt1">
+        <a:alpha val="0"/>
+      </a:schemeClr>
+    </dgm:fillClrLst>
+    <dgm:linClrLst meth="repeat">
+      <a:schemeClr val="dk1">
+        <a:alpha val="0"/>
+      </a:schemeClr>
+    </dgm:linClrLst>
+    <dgm:effectClrLst/>
+    <dgm:txLinClrLst/>
+    <dgm:txFillClrLst meth="repeat">
+      <a:schemeClr val="tx1"/>
+    </dgm:txFillClrLst>
+    <dgm:txEffectClrLst/>
+  </dgm:styleLbl>
+</dgm:colorsDef>
+</file>
+
+<file path=ppt/diagrams/data1.xml><?xml version="1.0" encoding="utf-8"?>
+<dgm:dataModel xmlns:dgm="http://schemas.openxmlformats.org/drawingml/2006/diagram" xmlns:a="http://schemas.openxmlformats.org/drawingml/2006/main">
+  <dgm:ptLst>
+    <dgm:pt modelId="{C6D1154F-F39B-4D56-A4CF-CCB283BBEA05}" type="doc">
+      <dgm:prSet loTypeId="urn:microsoft.com/office/officeart/2005/8/layout/hProcess9" loCatId="process" qsTypeId="urn:microsoft.com/office/officeart/2005/8/quickstyle/simple1" qsCatId="simple" csTypeId="urn:microsoft.com/office/officeart/2005/8/colors/accent1_2" csCatId="accent1"/>
+      <dgm:spPr/>
+      <dgm:t>
+        <a:bodyPr/>
+        <a:lstStyle/>
+        <a:p>
+          <a:endParaRPr lang="en-US"/>
+        </a:p>
+      </dgm:t>
+    </dgm:pt>
+    <dgm:pt modelId="{657755CE-CDCC-467F-9D68-5F25C2F2C152}">
+      <dgm:prSet/>
+      <dgm:spPr/>
+      <dgm:t>
+        <a:bodyPr/>
+        <a:lstStyle/>
+        <a:p>
+          <a:r>
+            <a:rPr lang="en-AU"/>
+            <a:t>Data Cleaning</a:t>
+          </a:r>
+          <a:endParaRPr lang="en-US"/>
+        </a:p>
+      </dgm:t>
+    </dgm:pt>
+    <dgm:pt modelId="{27C41D8A-5BF8-4255-B615-F911DA56B889}" type="parTrans" cxnId="{DFB88A2F-D2A8-4203-B687-5C81E1EDE0E3}">
+      <dgm:prSet/>
+      <dgm:spPr/>
+      <dgm:t>
+        <a:bodyPr/>
+        <a:lstStyle/>
+        <a:p>
+          <a:endParaRPr lang="en-US"/>
+        </a:p>
+      </dgm:t>
+    </dgm:pt>
+    <dgm:pt modelId="{D12911D4-D70E-47A7-A1DF-0C0F91F002D2}" type="sibTrans" cxnId="{DFB88A2F-D2A8-4203-B687-5C81E1EDE0E3}">
+      <dgm:prSet/>
+      <dgm:spPr/>
+      <dgm:t>
+        <a:bodyPr/>
+        <a:lstStyle/>
+        <a:p>
+          <a:endParaRPr lang="en-US"/>
+        </a:p>
+      </dgm:t>
+    </dgm:pt>
+    <dgm:pt modelId="{07F55B0F-CBAA-47F0-A687-E72C891ECFF6}">
+      <dgm:prSet/>
+      <dgm:spPr/>
+      <dgm:t>
+        <a:bodyPr/>
+        <a:lstStyle/>
+        <a:p>
+          <a:r>
+            <a:rPr lang="en-AU"/>
+            <a:t>Remove Columns</a:t>
+          </a:r>
+          <a:endParaRPr lang="en-US"/>
+        </a:p>
+      </dgm:t>
+    </dgm:pt>
+    <dgm:pt modelId="{C60795E5-EA76-4192-8AF0-B264B34D41FC}" type="parTrans" cxnId="{E7F7ADDA-3798-48C7-82F0-B7336E81EC7D}">
+      <dgm:prSet/>
+      <dgm:spPr/>
+      <dgm:t>
+        <a:bodyPr/>
+        <a:lstStyle/>
+        <a:p>
+          <a:endParaRPr lang="en-US"/>
+        </a:p>
+      </dgm:t>
+    </dgm:pt>
+    <dgm:pt modelId="{03674CAD-7A3A-474A-82C6-6C7009B4B2EE}" type="sibTrans" cxnId="{E7F7ADDA-3798-48C7-82F0-B7336E81EC7D}">
+      <dgm:prSet/>
+      <dgm:spPr/>
+      <dgm:t>
+        <a:bodyPr/>
+        <a:lstStyle/>
+        <a:p>
+          <a:endParaRPr lang="en-US"/>
+        </a:p>
+      </dgm:t>
+    </dgm:pt>
+    <dgm:pt modelId="{DC943734-BBFB-440F-B919-3D7734C1D139}">
+      <dgm:prSet/>
+      <dgm:spPr/>
+      <dgm:t>
+        <a:bodyPr/>
+        <a:lstStyle/>
+        <a:p>
+          <a:r>
+            <a:rPr lang="en-AU"/>
+            <a:t>Create Age Bins</a:t>
+          </a:r>
+          <a:endParaRPr lang="en-US"/>
+        </a:p>
+      </dgm:t>
+    </dgm:pt>
+    <dgm:pt modelId="{26752615-3571-4404-809A-F92F8CD32F42}" type="parTrans" cxnId="{306547A1-B581-4C4B-9F5B-D52B32B8C0F7}">
+      <dgm:prSet/>
+      <dgm:spPr/>
+      <dgm:t>
+        <a:bodyPr/>
+        <a:lstStyle/>
+        <a:p>
+          <a:endParaRPr lang="en-US"/>
+        </a:p>
+      </dgm:t>
+    </dgm:pt>
+    <dgm:pt modelId="{484E98CE-DAB7-4716-B49D-4BA009D60B79}" type="sibTrans" cxnId="{306547A1-B581-4C4B-9F5B-D52B32B8C0F7}">
+      <dgm:prSet/>
+      <dgm:spPr/>
+      <dgm:t>
+        <a:bodyPr/>
+        <a:lstStyle/>
+        <a:p>
+          <a:endParaRPr lang="en-US"/>
+        </a:p>
+      </dgm:t>
+    </dgm:pt>
+    <dgm:pt modelId="{07654E51-294D-4564-98E3-E3CCD639BA38}">
+      <dgm:prSet/>
+      <dgm:spPr/>
+      <dgm:t>
+        <a:bodyPr/>
+        <a:lstStyle/>
+        <a:p>
+          <a:r>
+            <a:rPr lang="en-AU"/>
+            <a:t>Ignore records with no Age reported</a:t>
+          </a:r>
+          <a:endParaRPr lang="en-US"/>
+        </a:p>
+      </dgm:t>
+    </dgm:pt>
+    <dgm:pt modelId="{AD6ED1A4-ADEB-45E9-B971-05C7CBD57879}" type="parTrans" cxnId="{9ADEF5F1-3553-4F68-8BB8-6722DD9C193D}">
+      <dgm:prSet/>
+      <dgm:spPr/>
+      <dgm:t>
+        <a:bodyPr/>
+        <a:lstStyle/>
+        <a:p>
+          <a:endParaRPr lang="en-US"/>
+        </a:p>
+      </dgm:t>
+    </dgm:pt>
+    <dgm:pt modelId="{610D5529-7740-4493-AEDD-A80BC452DE09}" type="sibTrans" cxnId="{9ADEF5F1-3553-4F68-8BB8-6722DD9C193D}">
+      <dgm:prSet/>
+      <dgm:spPr/>
+      <dgm:t>
+        <a:bodyPr/>
+        <a:lstStyle/>
+        <a:p>
+          <a:endParaRPr lang="en-US"/>
+        </a:p>
+      </dgm:t>
+    </dgm:pt>
+    <dgm:pt modelId="{4AD320EB-2E61-405E-9287-1077003F0231}">
+      <dgm:prSet/>
+      <dgm:spPr/>
+      <dgm:t>
+        <a:bodyPr/>
+        <a:lstStyle/>
+        <a:p>
+          <a:r>
+            <a:rPr lang="en-AU"/>
+            <a:t>Exploration</a:t>
+          </a:r>
+          <a:endParaRPr lang="en-US"/>
+        </a:p>
+      </dgm:t>
+    </dgm:pt>
+    <dgm:pt modelId="{430E73E7-FD7D-45B0-89B6-5C544A6F8238}" type="parTrans" cxnId="{0C7A975C-7785-4F94-ACC9-858C2C541681}">
+      <dgm:prSet/>
+      <dgm:spPr/>
+      <dgm:t>
+        <a:bodyPr/>
+        <a:lstStyle/>
+        <a:p>
+          <a:endParaRPr lang="en-US"/>
+        </a:p>
+      </dgm:t>
+    </dgm:pt>
+    <dgm:pt modelId="{6B405484-81AD-4110-8E2C-7B3111E8FE42}" type="sibTrans" cxnId="{0C7A975C-7785-4F94-ACC9-858C2C541681}">
+      <dgm:prSet/>
+      <dgm:spPr/>
+      <dgm:t>
+        <a:bodyPr/>
+        <a:lstStyle/>
+        <a:p>
+          <a:endParaRPr lang="en-US"/>
+        </a:p>
+      </dgm:t>
+    </dgm:pt>
+    <dgm:pt modelId="{9B31BF0A-7F2B-4B78-83A3-434AC55E13E9}">
+      <dgm:prSet/>
+      <dgm:spPr/>
+      <dgm:t>
+        <a:bodyPr/>
+        <a:lstStyle/>
+        <a:p>
+          <a:r>
+            <a:rPr lang="en-AU"/>
+            <a:t>Understand Numerical Columns</a:t>
+          </a:r>
+          <a:endParaRPr lang="en-US"/>
+        </a:p>
+      </dgm:t>
+    </dgm:pt>
+    <dgm:pt modelId="{674D1F50-59DC-49EC-B336-D928EDF84EC9}" type="parTrans" cxnId="{0FA63F5A-4E8B-4DAD-823A-F589B069AA0A}">
+      <dgm:prSet/>
+      <dgm:spPr/>
+      <dgm:t>
+        <a:bodyPr/>
+        <a:lstStyle/>
+        <a:p>
+          <a:endParaRPr lang="en-US"/>
+        </a:p>
+      </dgm:t>
+    </dgm:pt>
+    <dgm:pt modelId="{F9121E25-B78F-4A72-BA05-BF5D4BAF7396}" type="sibTrans" cxnId="{0FA63F5A-4E8B-4DAD-823A-F589B069AA0A}">
+      <dgm:prSet/>
+      <dgm:spPr/>
+      <dgm:t>
+        <a:bodyPr/>
+        <a:lstStyle/>
+        <a:p>
+          <a:endParaRPr lang="en-US"/>
+        </a:p>
+      </dgm:t>
+    </dgm:pt>
+    <dgm:pt modelId="{B8172264-0038-4A35-BDB6-2B2FDA66FACF}">
+      <dgm:prSet/>
+      <dgm:spPr/>
+      <dgm:t>
+        <a:bodyPr/>
+        <a:lstStyle/>
+        <a:p>
+          <a:r>
+            <a:rPr lang="en-AU"/>
+            <a:t>Develop Focus Questions</a:t>
+          </a:r>
+          <a:endParaRPr lang="en-US"/>
+        </a:p>
+      </dgm:t>
+    </dgm:pt>
+    <dgm:pt modelId="{71176918-B013-46CF-9BB2-CC879C7BCEED}" type="parTrans" cxnId="{9881D1CE-0BDE-4FBF-8DCE-B7F6B3FF213D}">
+      <dgm:prSet/>
+      <dgm:spPr/>
+      <dgm:t>
+        <a:bodyPr/>
+        <a:lstStyle/>
+        <a:p>
+          <a:endParaRPr lang="en-US"/>
+        </a:p>
+      </dgm:t>
+    </dgm:pt>
+    <dgm:pt modelId="{29C04B0A-F47E-46C6-BFE7-E56C8FB073D3}" type="sibTrans" cxnId="{9881D1CE-0BDE-4FBF-8DCE-B7F6B3FF213D}">
+      <dgm:prSet/>
+      <dgm:spPr/>
+      <dgm:t>
+        <a:bodyPr/>
+        <a:lstStyle/>
+        <a:p>
+          <a:endParaRPr lang="en-US"/>
+        </a:p>
+      </dgm:t>
+    </dgm:pt>
+    <dgm:pt modelId="{558EF236-A9DA-42CA-964B-44F8DB3730BC}">
+      <dgm:prSet/>
+      <dgm:spPr/>
+      <dgm:t>
+        <a:bodyPr/>
+        <a:lstStyle/>
+        <a:p>
+          <a:r>
+            <a:rPr lang="en-AU"/>
+            <a:t>Visualisation and Analysis</a:t>
+          </a:r>
+          <a:endParaRPr lang="en-US"/>
+        </a:p>
+      </dgm:t>
+    </dgm:pt>
+    <dgm:pt modelId="{8BFA1F4F-7C62-4EBC-B8E0-DF92245E4A15}" type="parTrans" cxnId="{E6D37593-9603-404F-BF28-9573603B655E}">
+      <dgm:prSet/>
+      <dgm:spPr/>
+      <dgm:t>
+        <a:bodyPr/>
+        <a:lstStyle/>
+        <a:p>
+          <a:endParaRPr lang="en-US"/>
+        </a:p>
+      </dgm:t>
+    </dgm:pt>
+    <dgm:pt modelId="{4F2DFACE-72B5-4DFB-876D-598D45996602}" type="sibTrans" cxnId="{E6D37593-9603-404F-BF28-9573603B655E}">
+      <dgm:prSet/>
+      <dgm:spPr/>
+      <dgm:t>
+        <a:bodyPr/>
+        <a:lstStyle/>
+        <a:p>
+          <a:endParaRPr lang="en-US"/>
+        </a:p>
+      </dgm:t>
+    </dgm:pt>
+    <dgm:pt modelId="{FF075FEF-CE24-4A65-B275-68F079D305CB}">
+      <dgm:prSet/>
+      <dgm:spPr/>
+      <dgm:t>
+        <a:bodyPr/>
+        <a:lstStyle/>
+        <a:p>
+          <a:r>
+            <a:rPr lang="en-AU"/>
+            <a:t>Conduct Visualisation to assist answering questions</a:t>
+          </a:r>
+          <a:endParaRPr lang="en-US"/>
+        </a:p>
+      </dgm:t>
+    </dgm:pt>
+    <dgm:pt modelId="{3672A2A2-19B6-481B-84AF-7B130F12CB68}" type="parTrans" cxnId="{8E3333BC-4184-40C6-9184-0862B28089AF}">
+      <dgm:prSet/>
+      <dgm:spPr/>
+      <dgm:t>
+        <a:bodyPr/>
+        <a:lstStyle/>
+        <a:p>
+          <a:endParaRPr lang="en-US"/>
+        </a:p>
+      </dgm:t>
+    </dgm:pt>
+    <dgm:pt modelId="{CAE5148A-BBD8-4834-A529-20CFDCC53BB1}" type="sibTrans" cxnId="{8E3333BC-4184-40C6-9184-0862B28089AF}">
+      <dgm:prSet/>
+      <dgm:spPr/>
+      <dgm:t>
+        <a:bodyPr/>
+        <a:lstStyle/>
+        <a:p>
+          <a:endParaRPr lang="en-US"/>
+        </a:p>
+      </dgm:t>
+    </dgm:pt>
+    <dgm:pt modelId="{4B036168-6F1E-4A6F-9C43-6EEDDCCDF850}" type="pres">
+      <dgm:prSet presAssocID="{C6D1154F-F39B-4D56-A4CF-CCB283BBEA05}" presName="CompostProcess" presStyleCnt="0">
+        <dgm:presLayoutVars>
+          <dgm:dir/>
+          <dgm:resizeHandles val="exact"/>
+        </dgm:presLayoutVars>
+      </dgm:prSet>
+      <dgm:spPr/>
+    </dgm:pt>
+    <dgm:pt modelId="{F3CB9C03-BF84-494C-A5E2-C1B625EFA3B3}" type="pres">
+      <dgm:prSet presAssocID="{C6D1154F-F39B-4D56-A4CF-CCB283BBEA05}" presName="arrow" presStyleLbl="bgShp" presStyleIdx="0" presStyleCnt="1"/>
+      <dgm:spPr/>
+    </dgm:pt>
+    <dgm:pt modelId="{5A6A4A0A-2122-46CC-9C70-04150168AD4A}" type="pres">
+      <dgm:prSet presAssocID="{C6D1154F-F39B-4D56-A4CF-CCB283BBEA05}" presName="linearProcess" presStyleCnt="0"/>
+      <dgm:spPr/>
+    </dgm:pt>
+    <dgm:pt modelId="{10C187EB-5796-4763-94C1-937BCAB73593}" type="pres">
+      <dgm:prSet presAssocID="{657755CE-CDCC-467F-9D68-5F25C2F2C152}" presName="textNode" presStyleLbl="node1" presStyleIdx="0" presStyleCnt="3">
+        <dgm:presLayoutVars>
+          <dgm:bulletEnabled val="1"/>
+        </dgm:presLayoutVars>
+      </dgm:prSet>
+      <dgm:spPr/>
+    </dgm:pt>
+    <dgm:pt modelId="{6EA599A8-85FA-4882-ADF3-B4D0B1F13BE0}" type="pres">
+      <dgm:prSet presAssocID="{D12911D4-D70E-47A7-A1DF-0C0F91F002D2}" presName="sibTrans" presStyleCnt="0"/>
+      <dgm:spPr/>
+    </dgm:pt>
+    <dgm:pt modelId="{7CE98D4D-8572-4E98-880A-0E62C58D32D9}" type="pres">
+      <dgm:prSet presAssocID="{4AD320EB-2E61-405E-9287-1077003F0231}" presName="textNode" presStyleLbl="node1" presStyleIdx="1" presStyleCnt="3">
+        <dgm:presLayoutVars>
+          <dgm:bulletEnabled val="1"/>
+        </dgm:presLayoutVars>
+      </dgm:prSet>
+      <dgm:spPr/>
+    </dgm:pt>
+    <dgm:pt modelId="{CDFFD62F-2376-42DB-AE34-663E8CF99A4D}" type="pres">
+      <dgm:prSet presAssocID="{6B405484-81AD-4110-8E2C-7B3111E8FE42}" presName="sibTrans" presStyleCnt="0"/>
+      <dgm:spPr/>
+    </dgm:pt>
+    <dgm:pt modelId="{93E224F0-2161-4030-9598-873D5CE03C7C}" type="pres">
+      <dgm:prSet presAssocID="{558EF236-A9DA-42CA-964B-44F8DB3730BC}" presName="textNode" presStyleLbl="node1" presStyleIdx="2" presStyleCnt="3">
+        <dgm:presLayoutVars>
+          <dgm:bulletEnabled val="1"/>
+        </dgm:presLayoutVars>
+      </dgm:prSet>
+      <dgm:spPr/>
+    </dgm:pt>
+  </dgm:ptLst>
+  <dgm:cxnLst>
+    <dgm:cxn modelId="{44E4C30A-A723-459B-97C0-752FFC75E8A7}" type="presOf" srcId="{657755CE-CDCC-467F-9D68-5F25C2F2C152}" destId="{10C187EB-5796-4763-94C1-937BCAB73593}" srcOrd="0" destOrd="0" presId="urn:microsoft.com/office/officeart/2005/8/layout/hProcess9"/>
+    <dgm:cxn modelId="{6CB60A2E-9E2B-49E7-A460-6EDBFF13A898}" type="presOf" srcId="{DC943734-BBFB-440F-B919-3D7734C1D139}" destId="{10C187EB-5796-4763-94C1-937BCAB73593}" srcOrd="0" destOrd="2" presId="urn:microsoft.com/office/officeart/2005/8/layout/hProcess9"/>
+    <dgm:cxn modelId="{DFB88A2F-D2A8-4203-B687-5C81E1EDE0E3}" srcId="{C6D1154F-F39B-4D56-A4CF-CCB283BBEA05}" destId="{657755CE-CDCC-467F-9D68-5F25C2F2C152}" srcOrd="0" destOrd="0" parTransId="{27C41D8A-5BF8-4255-B615-F911DA56B889}" sibTransId="{D12911D4-D70E-47A7-A1DF-0C0F91F002D2}"/>
+    <dgm:cxn modelId="{AE786734-5B7A-4F06-925B-17F5C87D10FE}" type="presOf" srcId="{C6D1154F-F39B-4D56-A4CF-CCB283BBEA05}" destId="{4B036168-6F1E-4A6F-9C43-6EEDDCCDF850}" srcOrd="0" destOrd="0" presId="urn:microsoft.com/office/officeart/2005/8/layout/hProcess9"/>
+    <dgm:cxn modelId="{AD375338-B78B-451B-AF1C-1182BFC22745}" type="presOf" srcId="{07F55B0F-CBAA-47F0-A687-E72C891ECFF6}" destId="{10C187EB-5796-4763-94C1-937BCAB73593}" srcOrd="0" destOrd="1" presId="urn:microsoft.com/office/officeart/2005/8/layout/hProcess9"/>
+    <dgm:cxn modelId="{9B2CC33B-E87A-4E14-9BEF-E16CF5496690}" type="presOf" srcId="{4AD320EB-2E61-405E-9287-1077003F0231}" destId="{7CE98D4D-8572-4E98-880A-0E62C58D32D9}" srcOrd="0" destOrd="0" presId="urn:microsoft.com/office/officeart/2005/8/layout/hProcess9"/>
+    <dgm:cxn modelId="{0C7A975C-7785-4F94-ACC9-858C2C541681}" srcId="{C6D1154F-F39B-4D56-A4CF-CCB283BBEA05}" destId="{4AD320EB-2E61-405E-9287-1077003F0231}" srcOrd="1" destOrd="0" parTransId="{430E73E7-FD7D-45B0-89B6-5C544A6F8238}" sibTransId="{6B405484-81AD-4110-8E2C-7B3111E8FE42}"/>
+    <dgm:cxn modelId="{FB70E142-2BDB-4FD2-A6C9-7C56CA114524}" type="presOf" srcId="{558EF236-A9DA-42CA-964B-44F8DB3730BC}" destId="{93E224F0-2161-4030-9598-873D5CE03C7C}" srcOrd="0" destOrd="0" presId="urn:microsoft.com/office/officeart/2005/8/layout/hProcess9"/>
+    <dgm:cxn modelId="{D8054274-8B50-4876-A890-32C480AAEA5F}" type="presOf" srcId="{FF075FEF-CE24-4A65-B275-68F079D305CB}" destId="{93E224F0-2161-4030-9598-873D5CE03C7C}" srcOrd="0" destOrd="1" presId="urn:microsoft.com/office/officeart/2005/8/layout/hProcess9"/>
+    <dgm:cxn modelId="{A2C3B659-DB95-40DA-A37C-847711D75C78}" type="presOf" srcId="{9B31BF0A-7F2B-4B78-83A3-434AC55E13E9}" destId="{7CE98D4D-8572-4E98-880A-0E62C58D32D9}" srcOrd="0" destOrd="1" presId="urn:microsoft.com/office/officeart/2005/8/layout/hProcess9"/>
+    <dgm:cxn modelId="{0FA63F5A-4E8B-4DAD-823A-F589B069AA0A}" srcId="{4AD320EB-2E61-405E-9287-1077003F0231}" destId="{9B31BF0A-7F2B-4B78-83A3-434AC55E13E9}" srcOrd="0" destOrd="0" parTransId="{674D1F50-59DC-49EC-B336-D928EDF84EC9}" sibTransId="{F9121E25-B78F-4A72-BA05-BF5D4BAF7396}"/>
+    <dgm:cxn modelId="{E6D37593-9603-404F-BF28-9573603B655E}" srcId="{C6D1154F-F39B-4D56-A4CF-CCB283BBEA05}" destId="{558EF236-A9DA-42CA-964B-44F8DB3730BC}" srcOrd="2" destOrd="0" parTransId="{8BFA1F4F-7C62-4EBC-B8E0-DF92245E4A15}" sibTransId="{4F2DFACE-72B5-4DFB-876D-598D45996602}"/>
+    <dgm:cxn modelId="{E82AF29E-1D36-4737-861D-69C8523EDB3D}" type="presOf" srcId="{07654E51-294D-4564-98E3-E3CCD639BA38}" destId="{10C187EB-5796-4763-94C1-937BCAB73593}" srcOrd="0" destOrd="3" presId="urn:microsoft.com/office/officeart/2005/8/layout/hProcess9"/>
+    <dgm:cxn modelId="{306547A1-B581-4C4B-9F5B-D52B32B8C0F7}" srcId="{657755CE-CDCC-467F-9D68-5F25C2F2C152}" destId="{DC943734-BBFB-440F-B919-3D7734C1D139}" srcOrd="1" destOrd="0" parTransId="{26752615-3571-4404-809A-F92F8CD32F42}" sibTransId="{484E98CE-DAB7-4716-B49D-4BA009D60B79}"/>
+    <dgm:cxn modelId="{8E3333BC-4184-40C6-9184-0862B28089AF}" srcId="{558EF236-A9DA-42CA-964B-44F8DB3730BC}" destId="{FF075FEF-CE24-4A65-B275-68F079D305CB}" srcOrd="0" destOrd="0" parTransId="{3672A2A2-19B6-481B-84AF-7B130F12CB68}" sibTransId="{CAE5148A-BBD8-4834-A529-20CFDCC53BB1}"/>
+    <dgm:cxn modelId="{9881D1CE-0BDE-4FBF-8DCE-B7F6B3FF213D}" srcId="{4AD320EB-2E61-405E-9287-1077003F0231}" destId="{B8172264-0038-4A35-BDB6-2B2FDA66FACF}" srcOrd="1" destOrd="0" parTransId="{71176918-B013-46CF-9BB2-CC879C7BCEED}" sibTransId="{29C04B0A-F47E-46C6-BFE7-E56C8FB073D3}"/>
+    <dgm:cxn modelId="{E7F7ADDA-3798-48C7-82F0-B7336E81EC7D}" srcId="{657755CE-CDCC-467F-9D68-5F25C2F2C152}" destId="{07F55B0F-CBAA-47F0-A687-E72C891ECFF6}" srcOrd="0" destOrd="0" parTransId="{C60795E5-EA76-4192-8AF0-B264B34D41FC}" sibTransId="{03674CAD-7A3A-474A-82C6-6C7009B4B2EE}"/>
+    <dgm:cxn modelId="{C9218EE2-7528-4B1F-A9F3-04CA160D623F}" type="presOf" srcId="{B8172264-0038-4A35-BDB6-2B2FDA66FACF}" destId="{7CE98D4D-8572-4E98-880A-0E62C58D32D9}" srcOrd="0" destOrd="2" presId="urn:microsoft.com/office/officeart/2005/8/layout/hProcess9"/>
+    <dgm:cxn modelId="{9ADEF5F1-3553-4F68-8BB8-6722DD9C193D}" srcId="{657755CE-CDCC-467F-9D68-5F25C2F2C152}" destId="{07654E51-294D-4564-98E3-E3CCD639BA38}" srcOrd="2" destOrd="0" parTransId="{AD6ED1A4-ADEB-45E9-B971-05C7CBD57879}" sibTransId="{610D5529-7740-4493-AEDD-A80BC452DE09}"/>
+    <dgm:cxn modelId="{D8ED9004-9BC7-4131-AB5C-BB8FC17054BF}" type="presParOf" srcId="{4B036168-6F1E-4A6F-9C43-6EEDDCCDF850}" destId="{F3CB9C03-BF84-494C-A5E2-C1B625EFA3B3}" srcOrd="0" destOrd="0" presId="urn:microsoft.com/office/officeart/2005/8/layout/hProcess9"/>
+    <dgm:cxn modelId="{9B81CCE4-123A-4775-ABEE-201C7021E160}" type="presParOf" srcId="{4B036168-6F1E-4A6F-9C43-6EEDDCCDF850}" destId="{5A6A4A0A-2122-46CC-9C70-04150168AD4A}" srcOrd="1" destOrd="0" presId="urn:microsoft.com/office/officeart/2005/8/layout/hProcess9"/>
+    <dgm:cxn modelId="{F0479A17-1D69-4A2E-A651-1714A72BBCCA}" type="presParOf" srcId="{5A6A4A0A-2122-46CC-9C70-04150168AD4A}" destId="{10C187EB-5796-4763-94C1-937BCAB73593}" srcOrd="0" destOrd="0" presId="urn:microsoft.com/office/officeart/2005/8/layout/hProcess9"/>
+    <dgm:cxn modelId="{746A36B8-8ACD-4BC4-8AFE-CB1CAD7A7F28}" type="presParOf" srcId="{5A6A4A0A-2122-46CC-9C70-04150168AD4A}" destId="{6EA599A8-85FA-4882-ADF3-B4D0B1F13BE0}" srcOrd="1" destOrd="0" presId="urn:microsoft.com/office/officeart/2005/8/layout/hProcess9"/>
+    <dgm:cxn modelId="{2CFA2FF9-6D00-4013-A7D2-6A27C50DF31A}" type="presParOf" srcId="{5A6A4A0A-2122-46CC-9C70-04150168AD4A}" destId="{7CE98D4D-8572-4E98-880A-0E62C58D32D9}" srcOrd="2" destOrd="0" presId="urn:microsoft.com/office/officeart/2005/8/layout/hProcess9"/>
+    <dgm:cxn modelId="{DA95C9DD-3F95-4B1C-BAC8-B6FDA0C6404C}" type="presParOf" srcId="{5A6A4A0A-2122-46CC-9C70-04150168AD4A}" destId="{CDFFD62F-2376-42DB-AE34-663E8CF99A4D}" srcOrd="3" destOrd="0" presId="urn:microsoft.com/office/officeart/2005/8/layout/hProcess9"/>
+    <dgm:cxn modelId="{41C4A940-458C-45D2-A63E-ACC7958D61ED}" type="presParOf" srcId="{5A6A4A0A-2122-46CC-9C70-04150168AD4A}" destId="{93E224F0-2161-4030-9598-873D5CE03C7C}" srcOrd="4" destOrd="0" presId="urn:microsoft.com/office/officeart/2005/8/layout/hProcess9"/>
+  </dgm:cxnLst>
+  <dgm:bg/>
+  <dgm:whole/>
+  <dgm:extLst>
+    <a:ext uri="http://schemas.microsoft.com/office/drawing/2008/diagram">
+      <dsp:dataModelExt xmlns:dsp="http://schemas.microsoft.com/office/drawing/2008/diagram" relId="rId6" minVer="http://schemas.openxmlformats.org/drawingml/2006/diagram"/>
+    </a:ext>
+  </dgm:extLst>
+</dgm:dataModel>
+</file>
+
+<file path=ppt/diagrams/drawing1.xml><?xml version="1.0" encoding="utf-8"?>
+<dsp:drawing xmlns:dgm="http://schemas.openxmlformats.org/drawingml/2006/diagram" xmlns:dsp="http://schemas.microsoft.com/office/drawing/2008/diagram" xmlns:a="http://schemas.openxmlformats.org/drawingml/2006/main">
+  <dsp:spTree>
+    <dsp:nvGrpSpPr>
+      <dsp:cNvPr id="0" name=""/>
+      <dsp:cNvGrpSpPr/>
+    </dsp:nvGrpSpPr>
+    <dsp:grpSpPr/>
+    <dsp:sp modelId="{F3CB9C03-BF84-494C-A5E2-C1B625EFA3B3}">
+      <dsp:nvSpPr>
+        <dsp:cNvPr id="0" name=""/>
+        <dsp:cNvSpPr/>
+      </dsp:nvSpPr>
+      <dsp:spPr>
+        <a:xfrm>
+          <a:off x="776532" y="0"/>
+          <a:ext cx="8800697" cy="3714749"/>
+        </a:xfrm>
+        <a:prstGeom prst="rightArrow">
+          <a:avLst/>
+        </a:prstGeom>
+        <a:solidFill>
+          <a:schemeClr val="accent1">
+            <a:tint val="40000"/>
+            <a:hueOff val="0"/>
+            <a:satOff val="0"/>
+            <a:lumOff val="0"/>
+            <a:alphaOff val="0"/>
+          </a:schemeClr>
+        </a:solidFill>
+        <a:ln>
+          <a:noFill/>
+        </a:ln>
+        <a:effectLst/>
+      </dsp:spPr>
+      <dsp:style>
+        <a:lnRef idx="0">
+          <a:scrgbClr r="0" g="0" b="0"/>
+        </a:lnRef>
+        <a:fillRef idx="1">
+          <a:scrgbClr r="0" g="0" b="0"/>
+        </a:fillRef>
+        <a:effectRef idx="0">
+          <a:scrgbClr r="0" g="0" b="0"/>
+        </a:effectRef>
+        <a:fontRef idx="minor"/>
+      </dsp:style>
+    </dsp:sp>
+    <dsp:sp modelId="{10C187EB-5796-4763-94C1-937BCAB73593}">
+      <dsp:nvSpPr>
+        <dsp:cNvPr id="0" name=""/>
+        <dsp:cNvSpPr/>
+      </dsp:nvSpPr>
+      <dsp:spPr>
+        <a:xfrm>
+          <a:off x="11122" y="1114424"/>
+          <a:ext cx="3332617" cy="1485899"/>
+        </a:xfrm>
+        <a:prstGeom prst="roundRect">
+          <a:avLst/>
+        </a:prstGeom>
+        <a:solidFill>
+          <a:schemeClr val="accent1">
+            <a:hueOff val="0"/>
+            <a:satOff val="0"/>
+            <a:lumOff val="0"/>
+            <a:alphaOff val="0"/>
+          </a:schemeClr>
+        </a:solidFill>
+        <a:ln w="15875" cap="rnd" cmpd="sng" algn="ctr">
+          <a:solidFill>
+            <a:schemeClr val="lt1">
+              <a:hueOff val="0"/>
+              <a:satOff val="0"/>
+              <a:lumOff val="0"/>
+              <a:alphaOff val="0"/>
+            </a:schemeClr>
+          </a:solidFill>
+          <a:prstDash val="solid"/>
+        </a:ln>
+        <a:effectLst/>
+      </dsp:spPr>
+      <dsp:style>
+        <a:lnRef idx="2">
+          <a:scrgbClr r="0" g="0" b="0"/>
+        </a:lnRef>
+        <a:fillRef idx="1">
+          <a:scrgbClr r="0" g="0" b="0"/>
+        </a:fillRef>
+        <a:effectRef idx="0">
+          <a:scrgbClr r="0" g="0" b="0"/>
+        </a:effectRef>
+        <a:fontRef idx="minor">
+          <a:schemeClr val="lt1"/>
+        </a:fontRef>
+      </dsp:style>
+      <dsp:txBody>
+        <a:bodyPr spcFirstLastPara="0" vert="horz" wrap="square" lIns="72390" tIns="72390" rIns="72390" bIns="72390" numCol="1" spcCol="1270" anchor="t" anchorCtr="0">
+          <a:noAutofit/>
+        </a:bodyPr>
+        <a:lstStyle/>
+        <a:p>
+          <a:pPr marL="0" lvl="0" indent="0" algn="l" defTabSz="844550">
+            <a:lnSpc>
+              <a:spcPct val="90000"/>
+            </a:lnSpc>
+            <a:spcBef>
+              <a:spcPct val="0"/>
+            </a:spcBef>
+            <a:spcAft>
+              <a:spcPct val="35000"/>
+            </a:spcAft>
+            <a:buNone/>
+          </a:pPr>
+          <a:r>
+            <a:rPr lang="en-AU" sz="1900" kern="1200"/>
+            <a:t>Data Cleaning</a:t>
+          </a:r>
+          <a:endParaRPr lang="en-US" sz="1900" kern="1200"/>
+        </a:p>
+        <a:p>
+          <a:pPr marL="114300" lvl="1" indent="-114300" algn="l" defTabSz="666750">
+            <a:lnSpc>
+              <a:spcPct val="90000"/>
+            </a:lnSpc>
+            <a:spcBef>
+              <a:spcPct val="0"/>
+            </a:spcBef>
+            <a:spcAft>
+              <a:spcPct val="15000"/>
+            </a:spcAft>
+            <a:buChar char="•"/>
+          </a:pPr>
+          <a:r>
+            <a:rPr lang="en-AU" sz="1500" kern="1200"/>
+            <a:t>Remove Columns</a:t>
+          </a:r>
+          <a:endParaRPr lang="en-US" sz="1500" kern="1200"/>
+        </a:p>
+        <a:p>
+          <a:pPr marL="114300" lvl="1" indent="-114300" algn="l" defTabSz="666750">
+            <a:lnSpc>
+              <a:spcPct val="90000"/>
+            </a:lnSpc>
+            <a:spcBef>
+              <a:spcPct val="0"/>
+            </a:spcBef>
+            <a:spcAft>
+              <a:spcPct val="15000"/>
+            </a:spcAft>
+            <a:buChar char="•"/>
+          </a:pPr>
+          <a:r>
+            <a:rPr lang="en-AU" sz="1500" kern="1200"/>
+            <a:t>Create Age Bins</a:t>
+          </a:r>
+          <a:endParaRPr lang="en-US" sz="1500" kern="1200"/>
+        </a:p>
+        <a:p>
+          <a:pPr marL="114300" lvl="1" indent="-114300" algn="l" defTabSz="666750">
+            <a:lnSpc>
+              <a:spcPct val="90000"/>
+            </a:lnSpc>
+            <a:spcBef>
+              <a:spcPct val="0"/>
+            </a:spcBef>
+            <a:spcAft>
+              <a:spcPct val="15000"/>
+            </a:spcAft>
+            <a:buChar char="•"/>
+          </a:pPr>
+          <a:r>
+            <a:rPr lang="en-AU" sz="1500" kern="1200"/>
+            <a:t>Ignore records with no Age reported</a:t>
+          </a:r>
+          <a:endParaRPr lang="en-US" sz="1500" kern="1200"/>
+        </a:p>
+      </dsp:txBody>
+      <dsp:txXfrm>
+        <a:off x="83658" y="1186960"/>
+        <a:ext cx="3187545" cy="1340827"/>
+      </dsp:txXfrm>
+    </dsp:sp>
+    <dsp:sp modelId="{7CE98D4D-8572-4E98-880A-0E62C58D32D9}">
+      <dsp:nvSpPr>
+        <dsp:cNvPr id="0" name=""/>
+        <dsp:cNvSpPr/>
+      </dsp:nvSpPr>
+      <dsp:spPr>
+        <a:xfrm>
+          <a:off x="3510572" y="1114424"/>
+          <a:ext cx="3332617" cy="1485899"/>
+        </a:xfrm>
+        <a:prstGeom prst="roundRect">
+          <a:avLst/>
+        </a:prstGeom>
+        <a:solidFill>
+          <a:schemeClr val="accent1">
+            <a:hueOff val="0"/>
+            <a:satOff val="0"/>
+            <a:lumOff val="0"/>
+            <a:alphaOff val="0"/>
+          </a:schemeClr>
+        </a:solidFill>
+        <a:ln w="15875" cap="rnd" cmpd="sng" algn="ctr">
+          <a:solidFill>
+            <a:schemeClr val="lt1">
+              <a:hueOff val="0"/>
+              <a:satOff val="0"/>
+              <a:lumOff val="0"/>
+              <a:alphaOff val="0"/>
+            </a:schemeClr>
+          </a:solidFill>
+          <a:prstDash val="solid"/>
+        </a:ln>
+        <a:effectLst/>
+      </dsp:spPr>
+      <dsp:style>
+        <a:lnRef idx="2">
+          <a:scrgbClr r="0" g="0" b="0"/>
+        </a:lnRef>
+        <a:fillRef idx="1">
+          <a:scrgbClr r="0" g="0" b="0"/>
+        </a:fillRef>
+        <a:effectRef idx="0">
+          <a:scrgbClr r="0" g="0" b="0"/>
+        </a:effectRef>
+        <a:fontRef idx="minor">
+          <a:schemeClr val="lt1"/>
+        </a:fontRef>
+      </dsp:style>
+      <dsp:txBody>
+        <a:bodyPr spcFirstLastPara="0" vert="horz" wrap="square" lIns="72390" tIns="72390" rIns="72390" bIns="72390" numCol="1" spcCol="1270" anchor="t" anchorCtr="0">
+          <a:noAutofit/>
+        </a:bodyPr>
+        <a:lstStyle/>
+        <a:p>
+          <a:pPr marL="0" lvl="0" indent="0" algn="l" defTabSz="844550">
+            <a:lnSpc>
+              <a:spcPct val="90000"/>
+            </a:lnSpc>
+            <a:spcBef>
+              <a:spcPct val="0"/>
+            </a:spcBef>
+            <a:spcAft>
+              <a:spcPct val="35000"/>
+            </a:spcAft>
+            <a:buNone/>
+          </a:pPr>
+          <a:r>
+            <a:rPr lang="en-AU" sz="1900" kern="1200"/>
+            <a:t>Exploration</a:t>
+          </a:r>
+          <a:endParaRPr lang="en-US" sz="1900" kern="1200"/>
+        </a:p>
+        <a:p>
+          <a:pPr marL="114300" lvl="1" indent="-114300" algn="l" defTabSz="666750">
+            <a:lnSpc>
+              <a:spcPct val="90000"/>
+            </a:lnSpc>
+            <a:spcBef>
+              <a:spcPct val="0"/>
+            </a:spcBef>
+            <a:spcAft>
+              <a:spcPct val="15000"/>
+            </a:spcAft>
+            <a:buChar char="•"/>
+          </a:pPr>
+          <a:r>
+            <a:rPr lang="en-AU" sz="1500" kern="1200"/>
+            <a:t>Understand Numerical Columns</a:t>
+          </a:r>
+          <a:endParaRPr lang="en-US" sz="1500" kern="1200"/>
+        </a:p>
+        <a:p>
+          <a:pPr marL="114300" lvl="1" indent="-114300" algn="l" defTabSz="666750">
+            <a:lnSpc>
+              <a:spcPct val="90000"/>
+            </a:lnSpc>
+            <a:spcBef>
+              <a:spcPct val="0"/>
+            </a:spcBef>
+            <a:spcAft>
+              <a:spcPct val="15000"/>
+            </a:spcAft>
+            <a:buChar char="•"/>
+          </a:pPr>
+          <a:r>
+            <a:rPr lang="en-AU" sz="1500" kern="1200"/>
+            <a:t>Develop Focus Questions</a:t>
+          </a:r>
+          <a:endParaRPr lang="en-US" sz="1500" kern="1200"/>
+        </a:p>
+      </dsp:txBody>
+      <dsp:txXfrm>
+        <a:off x="3583108" y="1186960"/>
+        <a:ext cx="3187545" cy="1340827"/>
+      </dsp:txXfrm>
+    </dsp:sp>
+    <dsp:sp modelId="{93E224F0-2161-4030-9598-873D5CE03C7C}">
+      <dsp:nvSpPr>
+        <dsp:cNvPr id="0" name=""/>
+        <dsp:cNvSpPr/>
+      </dsp:nvSpPr>
+      <dsp:spPr>
+        <a:xfrm>
+          <a:off x="7010022" y="1114424"/>
+          <a:ext cx="3332617" cy="1485899"/>
+        </a:xfrm>
+        <a:prstGeom prst="roundRect">
+          <a:avLst/>
+        </a:prstGeom>
+        <a:solidFill>
+          <a:schemeClr val="accent1">
+            <a:hueOff val="0"/>
+            <a:satOff val="0"/>
+            <a:lumOff val="0"/>
+            <a:alphaOff val="0"/>
+          </a:schemeClr>
+        </a:solidFill>
+        <a:ln w="15875" cap="rnd" cmpd="sng" algn="ctr">
+          <a:solidFill>
+            <a:schemeClr val="lt1">
+              <a:hueOff val="0"/>
+              <a:satOff val="0"/>
+              <a:lumOff val="0"/>
+              <a:alphaOff val="0"/>
+            </a:schemeClr>
+          </a:solidFill>
+          <a:prstDash val="solid"/>
+        </a:ln>
+        <a:effectLst/>
+      </dsp:spPr>
+      <dsp:style>
+        <a:lnRef idx="2">
+          <a:scrgbClr r="0" g="0" b="0"/>
+        </a:lnRef>
+        <a:fillRef idx="1">
+          <a:scrgbClr r="0" g="0" b="0"/>
+        </a:fillRef>
+        <a:effectRef idx="0">
+          <a:scrgbClr r="0" g="0" b="0"/>
+        </a:effectRef>
+        <a:fontRef idx="minor">
+          <a:schemeClr val="lt1"/>
+        </a:fontRef>
+      </dsp:style>
+      <dsp:txBody>
+        <a:bodyPr spcFirstLastPara="0" vert="horz" wrap="square" lIns="72390" tIns="72390" rIns="72390" bIns="72390" numCol="1" spcCol="1270" anchor="t" anchorCtr="0">
+          <a:noAutofit/>
+        </a:bodyPr>
+        <a:lstStyle/>
+        <a:p>
+          <a:pPr marL="0" lvl="0" indent="0" algn="l" defTabSz="844550">
+            <a:lnSpc>
+              <a:spcPct val="90000"/>
+            </a:lnSpc>
+            <a:spcBef>
+              <a:spcPct val="0"/>
+            </a:spcBef>
+            <a:spcAft>
+              <a:spcPct val="35000"/>
+            </a:spcAft>
+            <a:buNone/>
+          </a:pPr>
+          <a:r>
+            <a:rPr lang="en-AU" sz="1900" kern="1200"/>
+            <a:t>Visualisation and Analysis</a:t>
+          </a:r>
+          <a:endParaRPr lang="en-US" sz="1900" kern="1200"/>
+        </a:p>
+        <a:p>
+          <a:pPr marL="114300" lvl="1" indent="-114300" algn="l" defTabSz="666750">
+            <a:lnSpc>
+              <a:spcPct val="90000"/>
+            </a:lnSpc>
+            <a:spcBef>
+              <a:spcPct val="0"/>
+            </a:spcBef>
+            <a:spcAft>
+              <a:spcPct val="15000"/>
+            </a:spcAft>
+            <a:buChar char="•"/>
+          </a:pPr>
+          <a:r>
+            <a:rPr lang="en-AU" sz="1500" kern="1200"/>
+            <a:t>Conduct Visualisation to assist answering questions</a:t>
+          </a:r>
+          <a:endParaRPr lang="en-US" sz="1500" kern="1200"/>
+        </a:p>
+      </dsp:txBody>
+      <dsp:txXfrm>
+        <a:off x="7082558" y="1186960"/>
+        <a:ext cx="3187545" cy="1340827"/>
+      </dsp:txXfrm>
+    </dsp:sp>
+  </dsp:spTree>
+</dsp:drawing>
+</file>
+
+<file path=ppt/diagrams/layout1.xml><?xml version="1.0" encoding="utf-8"?>
+<dgm:layoutDef xmlns:dgm="http://schemas.openxmlformats.org/drawingml/2006/diagram" xmlns:a="http://schemas.openxmlformats.org/drawingml/2006/main" uniqueId="urn:microsoft.com/office/officeart/2005/8/layout/hProcess9">
+  <dgm:title val=""/>
+  <dgm:desc val=""/>
+  <dgm:catLst>
+    <dgm:cat type="process" pri="5000"/>
+    <dgm:cat type="convert" pri="13000"/>
+  </dgm:catLst>
+  <dgm:sampData useDef="1">
+    <dgm:dataModel>
+      <dgm:ptLst/>
+      <dgm:bg/>
+      <dgm:whole/>
+    </dgm:dataModel>
+  </dgm:sampData>
+  <dgm:styleData>
+    <dgm:dataModel>
+      <dgm:ptLst>
+        <dgm:pt modelId="0" type="doc"/>
+        <dgm:pt modelId="1"/>
+        <dgm:pt modelId="2"/>
+      </dgm:ptLst>
+      <dgm:cxnLst>
+        <dgm:cxn modelId="3" srcId="0" destId="1" srcOrd="0" destOrd="0"/>
+        <dgm:cxn modelId="4" srcId="0" destId="2" srcOrd="1" destOrd="0"/>
+      </dgm:cxnLst>
+      <dgm:bg/>
+      <dgm:whole/>
+    </dgm:dataModel>
+  </dgm:styleData>
+  <dgm:clrData>
+    <dgm:dataModel>
+      <dgm:ptLst>
+        <dgm:pt modelId="0" type="doc"/>
+        <dgm:pt modelId="1"/>
+        <dgm:pt modelId="2"/>
+        <dgm:pt modelId="3"/>
+        <dgm:pt modelId="4"/>
+      </dgm:ptLst>
+      <dgm:cxnLst>
+        <dgm:cxn modelId="5" srcId="0" destId="1" srcOrd="0" destOrd="0"/>
+        <dgm:cxn modelId="6" srcId="0" destId="2" srcOrd="1" destOrd="0"/>
+        <dgm:cxn modelId="7" srcId="0" destId="3" srcOrd="2" destOrd="0"/>
+        <dgm:cxn modelId="8" srcId="0" destId="4" srcOrd="3" destOrd="0"/>
+      </dgm:cxnLst>
+      <dgm:bg/>
+      <dgm:whole/>
+    </dgm:dataModel>
+  </dgm:clrData>
+  <dgm:layoutNode name="CompostProcess">
+    <dgm:varLst>
+      <dgm:dir/>
+      <dgm:resizeHandles val="exact"/>
+    </dgm:varLst>
+    <dgm:alg type="composite">
+      <dgm:param type="horzAlign" val="ctr"/>
+      <dgm:param type="vertAlign" val="mid"/>
+    </dgm:alg>
+    <dgm:shape xmlns:r="http://schemas.openxmlformats.org/officeDocument/2006/relationships" r:blip="">
+      <dgm:adjLst/>
+    </dgm:shape>
+    <dgm:presOf/>
+    <dgm:constrLst>
+      <dgm:constr type="w" for="ch" forName="arrow" refType="w" fact="0.85"/>
+      <dgm:constr type="h" for="ch" forName="arrow" refType="h"/>
+      <dgm:constr type="ctrX" for="ch" forName="arrow" refType="w" fact="0.5"/>
+      <dgm:constr type="ctrY" for="ch" forName="arrow" refType="h" fact="0.5"/>
+      <dgm:constr type="w" for="ch" forName="linearProcess" refType="w"/>
+      <dgm:constr type="h" for="ch" forName="linearProcess" refType="h" fact="0.4"/>
+      <dgm:constr type="ctrX" for="ch" forName="linearProcess" refType="w" fact="0.5"/>
+      <dgm:constr type="ctrY" for="ch" forName="linearProcess" refType="h" fact="0.5"/>
+    </dgm:constrLst>
+    <dgm:ruleLst/>
+    <dgm:layoutNode name="arrow" styleLbl="bgShp">
+      <dgm:alg type="sp"/>
+      <dgm:choose name="Name0">
+        <dgm:if name="Name1" func="var" arg="dir" op="equ" val="norm">
+          <dgm:shape xmlns:r="http://schemas.openxmlformats.org/officeDocument/2006/relationships" type="rightArrow" r:blip="">
+            <dgm:adjLst/>
+          </dgm:shape>
+        </dgm:if>
+        <dgm:else name="Name2">
+          <dgm:shape xmlns:r="http://schemas.openxmlformats.org/officeDocument/2006/relationships" type="leftArrow" r:blip="">
+            <dgm:adjLst/>
+          </dgm:shape>
+        </dgm:else>
+      </dgm:choose>
+      <dgm:presOf/>
+      <dgm:constrLst/>
+      <dgm:ruleLst/>
+    </dgm:layoutNode>
+    <dgm:layoutNode name="linearProcess">
+      <dgm:choose name="Name3">
+        <dgm:if name="Name4" func="var" arg="dir" op="equ" val="norm">
+          <dgm:alg type="lin"/>
+        </dgm:if>
+        <dgm:else name="Name5">
+          <dgm:alg type="lin">
+            <dgm:param type="linDir" val="fromR"/>
+          </dgm:alg>
+        </dgm:else>
+      </dgm:choose>
+      <dgm:shape xmlns:r="http://schemas.openxmlformats.org/officeDocument/2006/relationships" r:blip="">
+        <dgm:adjLst/>
+      </dgm:shape>
+      <dgm:presOf/>
+      <dgm:constrLst>
+        <dgm:constr type="userA" for="ch" ptType="node" refType="w"/>
+        <dgm:constr type="h" for="ch" ptType="node" refType="h"/>
+        <dgm:constr type="w" for="ch" ptType="node" op="equ"/>
+        <dgm:constr type="w" for="ch" forName="sibTrans" refType="w" fact="0.05"/>
+        <dgm:constr type="primFontSz" for="ch" ptType="node" op="equ" val="65"/>
+      </dgm:constrLst>
+      <dgm:ruleLst/>
+      <dgm:forEach name="Name6" axis="ch" ptType="node">
+        <dgm:layoutNode name="textNode" styleLbl="node1">
+          <dgm:varLst>
+            <dgm:bulletEnabled val="1"/>
+          </dgm:varLst>
+          <dgm:alg type="tx"/>
+          <dgm:shape xmlns:r="http://schemas.openxmlformats.org/officeDocument/2006/relationships" type="roundRect" r:blip="">
+            <dgm:adjLst/>
+          </dgm:shape>
+          <dgm:presOf axis="desOrSelf" ptType="node"/>
+          <dgm:constrLst>
+            <dgm:constr type="userA"/>
+            <dgm:constr type="w" refType="userA" fact="0.3"/>
+            <dgm:constr type="tMarg" refType="primFontSz" fact="0.3"/>
+            <dgm:constr type="bMarg" refType="primFontSz" fact="0.3"/>
+            <dgm:constr type="lMarg" refType="primFontSz" fact="0.3"/>
+            <dgm:constr type="rMarg" refType="primFontSz" fact="0.3"/>
+          </dgm:constrLst>
+          <dgm:ruleLst>
+            <dgm:rule type="w" val="NaN" fact="1" max="NaN"/>
+            <dgm:rule type="primFontSz" val="5" fact="NaN" max="NaN"/>
+          </dgm:ruleLst>
+        </dgm:layoutNode>
+        <dgm:forEach name="Name7" axis="followSib" ptType="sibTrans" cnt="1">
+          <dgm:layoutNode name="sibTrans">
+            <dgm:alg type="sp"/>
+            <dgm:shape xmlns:r="http://schemas.openxmlformats.org/officeDocument/2006/relationships" r:blip="">
+              <dgm:adjLst/>
+            </dgm:shape>
+            <dgm:presOf/>
+            <dgm:constrLst/>
+            <dgm:ruleLst/>
+          </dgm:layoutNode>
+        </dgm:forEach>
+      </dgm:forEach>
+    </dgm:layoutNode>
+  </dgm:layoutNode>
+</dgm:layoutDef>
+</file>
+
+<file path=ppt/diagrams/quickStyle1.xml><?xml version="1.0" encoding="utf-8"?>
+<dgm:styleDef xmlns:dgm="http://schemas.openxmlformats.org/drawingml/2006/diagram" xmlns:a="http://schemas.openxmlformats.org/drawingml/2006/main" uniqueId="urn:microsoft.com/office/officeart/2005/8/quickstyle/simple1">
+  <dgm:title val=""/>
+  <dgm:desc val=""/>
+  <dgm:catLst>
+    <dgm:cat type="simple" pri="10100"/>
+  </dgm:catLst>
+  <dgm:scene3d>
+    <a:camera prst="orthographicFront"/>
+    <a:lightRig rig="threePt" dir="t"/>
+  </dgm:scene3d>
+  <dgm:styleLbl name="node0">
+    <dgm:scene3d>
+      <a:camera prst="orthographicFront"/>
+      <a:lightRig rig="threePt" dir="t"/>
+    </dgm:scene3d>
+    <dgm:sp3d/>
+    <dgm:txPr/>
+    <dgm:style>
+      <a:lnRef idx="2">
+        <a:scrgbClr r="0" g="0" b="0"/>
+      </a:lnRef>
+      <a:fillRef idx="1">
+        <a:scrgbClr r="0" g="0" b="0"/>
+      </a:fillRef>
+      <a:effectRef idx="0">
+        <a:scrgbClr r="0" g="0" b="0"/>
+      </a:effectRef>
+      <a:fontRef idx="minor">
+        <a:schemeClr val="lt1"/>
+      </a:fontRef>
+    </dgm:style>
+  </dgm:styleLbl>
+  <dgm:styleLbl name="lnNode1">
+    <dgm:scene3d>
+      <a:camera prst="orthographicFront"/>
+      <a:lightRig rig="threePt" dir="t"/>
+    </dgm:scene3d>
+    <dgm:sp3d/>
+    <dgm:txPr/>
+    <dgm:style>
+      <a:lnRef idx="2">
+        <a:scrgbClr r="0" g="0" b="0"/>
+      </a:lnRef>
+      <a:fillRef idx="1">
+        <a:scrgbClr r="0" g="0" b="0"/>
+      </a:fillRef>
+      <a:effectRef idx="0">
+        <a:scrgbClr r="0" g="0" b="0"/>
+      </a:effectRef>
+      <a:fontRef idx="minor">
+        <a:schemeClr val="lt1"/>
+      </a:fontRef>
+    </dgm:style>
+  </dgm:styleLbl>
+  <dgm:styleLbl name="vennNode1">
+    <dgm:scene3d>
+      <a:camera prst="orthographicFront"/>
+      <a:lightRig rig="threePt" dir="t"/>
+    </dgm:scene3d>
+    <dgm:sp3d/>
+    <dgm:txPr/>
+    <dgm:style>
+      <a:lnRef idx="2">
+        <a:scrgbClr r="0" g="0" b="0"/>
+      </a:lnRef>
+      <a:fillRef idx="1">
+        <a:scrgbClr r="0" g="0" b="0"/>
+      </a:fillRef>
+      <a:effectRef idx="0">
+        <a:scrgbClr r="0" g="0" b="0"/>
+      </a:effectRef>
+      <a:fontRef idx="minor">
+        <a:schemeClr val="tx1"/>
+      </a:fontRef>
+    </dgm:style>
+  </dgm:styleLbl>
+  <dgm:styleLbl name="alignNode1">
+    <dgm:scene3d>
+      <a:camera prst="orthographicFront"/>
+      <a:lightRig rig="threePt" dir="t"/>
+    </dgm:scene3d>
+    <dgm:sp3d/>
+    <dgm:txPr/>
+    <dgm:style>
+      <a:lnRef idx="2">
+        <a:scrgbClr r="0" g="0" b="0"/>
+      </a:lnRef>
+      <a:fillRef idx="1">
+        <a:scrgbClr r="0" g="0" b="0"/>
+      </a:fillRef>
+      <a:effectRef idx="0">
+        <a:scrgbClr r="0" g="0" b="0"/>
+      </a:effectRef>
+      <a:fontRef idx="minor">
+        <a:schemeClr val="lt1"/>
+      </a:fontRef>
+    </dgm:style>
+  </dgm:styleLbl>
+  <dgm:styleLbl name="node1">
+    <dgm:scene3d>
+      <a:camera prst="orthographicFront"/>
+      <a:lightRig rig="threePt" dir="t"/>
+    </dgm:scene3d>
+    <dgm:sp3d/>
+    <dgm:txPr/>
+    <dgm:style>
+      <a:lnRef idx="2">
+        <a:scrgbClr r="0" g="0" b="0"/>
+      </a:lnRef>
+      <a:fillRef idx="1">
+        <a:scrgbClr r="0" g="0" b="0"/>
+      </a:fillRef>
+      <a:effectRef idx="0">
+        <a:scrgbClr r="0" g="0" b="0"/>
+      </a:effectRef>
+      <a:fontRef idx="minor">
+        <a:schemeClr val="lt1"/>
+      </a:fontRef>
+    </dgm:style>
+  </dgm:styleLbl>
+  <dgm:styleLbl name="node2">
+    <dgm:scene3d>
+      <a:camera prst="orthographicFront"/>
+      <a:lightRig rig="threePt" dir="t"/>
+    </dgm:scene3d>
+    <dgm:sp3d/>
+    <dgm:txPr/>
+    <dgm:style>
+      <a:lnRef idx="2">
+        <a:scrgbClr r="0" g="0" b="0"/>
+      </a:lnRef>
+      <a:fillRef idx="1">
+        <a:scrgbClr r="0" g="0" b="0"/>
+      </a:fillRef>
+      <a:effectRef idx="0">
+        <a:scrgbClr r="0" g="0" b="0"/>
+      </a:effectRef>
+      <a:fontRef idx="minor">
+        <a:schemeClr val="lt1"/>
+      </a:fontRef>
+    </dgm:style>
+  </dgm:styleLbl>
+  <dgm:styleLbl name="node3">
+    <dgm:scene3d>
+      <a:camera prst="orthographicFront"/>
+      <a:lightRig rig="threePt" dir="t"/>
+    </dgm:scene3d>
+    <dgm:sp3d/>
+    <dgm:txPr/>
+    <dgm:style>
+      <a:lnRef idx="2">
+        <a:scrgbClr r="0" g="0" b="0"/>
+      </a:lnRef>
+      <a:fillRef idx="1">
+        <a:scrgbClr r="0" g="0" b="0"/>
+      </a:fillRef>
+      <a:effectRef idx="0">
+        <a:scrgbClr r="0" g="0" b="0"/>
+      </a:effectRef>
+      <a:fontRef idx="minor">
+        <a:schemeClr val="lt1"/>
+      </a:fontRef>
+    </dgm:style>
+  </dgm:styleLbl>
+  <dgm:styleLbl name="node4">
+    <dgm:scene3d>
+      <a:camera prst="orthographicFront"/>
+      <a:lightRig rig="threePt" dir="t"/>
+    </dgm:scene3d>
+    <dgm:sp3d/>
+    <dgm:txPr/>
+    <dgm:style>
+      <a:lnRef idx="2">
+        <a:scrgbClr r="0" g="0" b="0"/>
+      </a:lnRef>
+      <a:fillRef idx="1">
+        <a:scrgbClr r="0" g="0" b="0"/>
+      </a:fillRef>
+      <a:effectRef idx="0">
+        <a:scrgbClr r="0" g="0" b="0"/>
+      </a:effectRef>
+      <a:fontRef idx="minor">
+        <a:schemeClr val="lt1"/>
+      </a:fontRef>
+    </dgm:style>
+  </dgm:styleLbl>
+  <dgm:styleLbl name="fgImgPlace1">
+    <dgm:scene3d>
+      <a:camera prst="orthographicFront"/>
+      <a:lightRig rig="threePt" dir="t"/>
+    </dgm:scene3d>
+    <dgm:sp3d/>
+    <dgm:txPr/>
+    <dgm:style>
+      <a:lnRef idx="2">
+        <a:scrgbClr r="0" g="0" b="0"/>
+      </a:lnRef>
+      <a:fillRef idx="1">
+        <a:scrgbClr r="0" g="0" b="0"/>
+      </a:fillRef>
+      <a:effectRef idx="0">
+        <a:scrgbClr r="0" g="0" b="0"/>
+      </a:effectRef>
+      <a:fontRef idx="minor"/>
+    </dgm:style>
+  </dgm:styleLbl>
+  <dgm:styleLbl name="alignImgPlace1">
+    <dgm:scene3d>
+      <a:camera prst="orthographicFront"/>
+      <a:lightRig rig="threePt" dir="t"/>
+    </dgm:scene3d>
+    <dgm:sp3d/>
+    <dgm:txPr/>
+    <dgm:style>
+      <a:lnRef idx="2">
+        <a:scrgbClr r="0" g="0" b="0"/>
+      </a:lnRef>
+      <a:fillRef idx="1">
+        <a:scrgbClr r="0" g="0" b="0"/>
+      </a:fillRef>
+      <a:effectRef idx="0">
+        <a:scrgbClr r="0" g="0" b="0"/>
+      </a:effectRef>
+      <a:fontRef idx="minor"/>
+    </dgm:style>
+  </dgm:styleLbl>
+  <dgm:styleLbl name="bgImgPlace1">
+    <dgm:scene3d>
+      <a:camera prst="orthographicFront"/>
+      <a:lightRig rig="threePt" dir="t"/>
+    </dgm:scene3d>
+    <dgm:sp3d/>
+    <dgm:txPr/>
+    <dgm:style>
+      <a:lnRef idx="2">
+        <a:scrgbClr r="0" g="0" b="0"/>
+      </a:lnRef>
+      <a:fillRef idx="1">
+        <a:scrgbClr r="0" g="0" b="0"/>
+      </a:fillRef>
+      <a:effectRef idx="0">
+        <a:scrgbClr r="0" g="0" b="0"/>
+      </a:effectRef>
+      <a:fontRef idx="minor"/>
+    </dgm:style>
+  </dgm:styleLbl>
+  <dgm:styleLbl name="sibTrans2D1">
+    <dgm:scene3d>
+      <a:camera prst="orthographicFront"/>
+      <a:lightRig rig="threePt" dir="t"/>
+    </dgm:scene3d>
+    <dgm:sp3d/>
+    <dgm:txPr/>
+    <dgm:style>
+      <a:lnRef idx="0">
+        <a:scrgbClr r="0" g="0" b="0"/>
+      </a:lnRef>
+      <a:fillRef idx="1">
+        <a:scrgbClr r="0" g="0" b="0"/>
+      </a:fillRef>
+      <a:effectRef idx="0">
+        <a:scrgbClr r="0" g="0" b="0"/>
+      </a:effectRef>
+      <a:fontRef idx="minor">
+        <a:schemeClr val="lt1"/>
+      </a:fontRef>
+    </dgm:style>
+  </dgm:styleLbl>
+  <dgm:styleLbl name="fgSibTrans2D1">
+    <dgm:scene3d>
+      <a:camera prst="orthographicFront"/>
+      <a:lightRig rig="threePt" dir="t"/>
+    </dgm:scene3d>
+    <dgm:sp3d/>
+    <dgm:txPr/>
+    <dgm:style>
+      <a:lnRef idx="0">
+        <a:scrgbClr r="0" g="0" b="0"/>
+      </a:lnRef>
+      <a:fillRef idx="1">
+        <a:scrgbClr r="0" g="0" b="0"/>
+      </a:fillRef>
+      <a:effectRef idx="0">
+        <a:scrgbClr r="0" g="0" b="0"/>
+      </a:effectRef>
+      <a:fontRef idx="minor">
+        <a:schemeClr val="lt1"/>
+      </a:fontRef>
+    </dgm:style>
+  </dgm:styleLbl>
+  <dgm:styleLbl name="bgSibTrans2D1">
+    <dgm:scene3d>
+      <a:camera prst="orthographicFront"/>
+      <a:lightRig rig="threePt" dir="t"/>
+    </dgm:scene3d>
+    <dgm:sp3d/>
+    <dgm:txPr/>
+    <dgm:style>
+      <a:lnRef idx="0">
+        <a:scrgbClr r="0" g="0" b="0"/>
+      </a:lnRef>
+      <a:fillRef idx="1">
+        <a:scrgbClr r="0" g="0" b="0"/>
+      </a:fillRef>
+      <a:effectRef idx="0">
+        <a:scrgbClr r="0" g="0" b="0"/>
+      </a:effectRef>
+      <a:fontRef idx="minor">
+        <a:schemeClr val="lt1"/>
+      </a:fontRef>
+    </dgm:style>
+  </dgm:styleLbl>
+  <dgm:styleLbl name="sibTrans1D1">
+    <dgm:scene3d>
+      <a:camera prst="orthographicFront"/>
+      <a:lightRig rig="threePt" dir="t"/>
+    </dgm:scene3d>
+    <dgm:sp3d/>
+    <dgm:txPr/>
+    <dgm:style>
+      <a:lnRef idx="1">
+        <a:scrgbClr r="0" g="0" b="0"/>
+      </a:lnRef>
+      <a:fillRef idx="0">
+        <a:scrgbClr r="0" g="0" b="0"/>
+      </a:fillRef>
+      <a:effectRef idx="0">
+        <a:scrgbClr r="0" g="0" b="0"/>
+      </a:effectRef>
+      <a:fontRef idx="minor"/>
+    </dgm:style>
+  </dgm:styleLbl>
+  <dgm:styleLbl name="callout">
+    <dgm:scene3d>
+      <a:camera prst="orthographicFront"/>
+      <a:lightRig rig="threePt" dir="t"/>
+    </dgm:scene3d>
+    <dgm:sp3d/>
+    <dgm:txPr/>
+    <dgm:style>
+      <a:lnRef idx="2">
+        <a:scrgbClr r="0" g="0" b="0"/>
+      </a:lnRef>
+      <a:fillRef idx="1">
+        <a:scrgbClr r="0" g="0" b="0"/>
+      </a:fillRef>
+      <a:effectRef idx="0">
+        <a:scrgbClr r="0" g="0" b="0"/>
+      </a:effectRef>
+      <a:fontRef idx="minor"/>
+    </dgm:style>
+  </dgm:styleLbl>
+  <dgm:styleLbl name="asst0">
+    <dgm:scene3d>
+      <a:camera prst="orthographicFront"/>
+      <a:lightRig rig="threePt" dir="t"/>
+    </dgm:scene3d>
+    <dgm:sp3d/>
+    <dgm:txPr/>
+    <dgm:style>
+      <a:lnRef idx="2">
+        <a:scrgbClr r="0" g="0" b="0"/>
+      </a:lnRef>
+      <a:fillRef idx="1">
+        <a:scrgbClr r="0" g="0" b="0"/>
+      </a:fillRef>
+      <a:effectRef idx="0">
+        <a:scrgbClr r="0" g="0" b="0"/>
+      </a:effectRef>
+      <a:fontRef idx="minor">
+        <a:schemeClr val="lt1"/>
+      </a:fontRef>
+    </dgm:style>
+  </dgm:styleLbl>
+  <dgm:styleLbl name="asst1">
+    <dgm:scene3d>
+      <a:camera prst="orthographicFront"/>
+      <a:lightRig rig="threePt" dir="t"/>
+    </dgm:scene3d>
+    <dgm:sp3d/>
+    <dgm:txPr/>
+    <dgm:style>
+      <a:lnRef idx="2">
+        <a:scrgbClr r="0" g="0" b="0"/>
+      </a:lnRef>
+      <a:fillRef idx="1">
+        <a:scrgbClr r="0" g="0" b="0"/>
+      </a:fillRef>
+      <a:effectRef idx="0">
+        <a:scrgbClr r="0" g="0" b="0"/>
+      </a:effectRef>
+      <a:fontRef idx="minor">
+        <a:schemeClr val="lt1"/>
+      </a:fontRef>
+    </dgm:style>
+  </dgm:styleLbl>
+  <dgm:styleLbl name="asst2">
+    <dgm:scene3d>
+      <a:camera prst="orthographicFront"/>
+      <a:lightRig rig="threePt" dir="t"/>
+    </dgm:scene3d>
+    <dgm:sp3d/>
+    <dgm:txPr/>
+    <dgm:style>
+      <a:lnRef idx="2">
+        <a:scrgbClr r="0" g="0" b="0"/>
+      </a:lnRef>
+      <a:fillRef idx="1">
+        <a:scrgbClr r="0" g="0" b="0"/>
+      </a:fillRef>
+      <a:effectRef idx="0">
+        <a:scrgbClr r="0" g="0" b="0"/>
+      </a:effectRef>
+      <a:fontRef idx="minor">
+        <a:schemeClr val="lt1"/>
+      </a:fontRef>
+    </dgm:style>
+  </dgm:styleLbl>
+  <dgm:styleLbl name="asst3">
+    <dgm:scene3d>
+      <a:camera prst="orthographicFront"/>
+      <a:lightRig rig="threePt" dir="t"/>
+    </dgm:scene3d>
+    <dgm:sp3d/>
+    <dgm:txPr/>
+    <dgm:style>
+      <a:lnRef idx="2">
+        <a:scrgbClr r="0" g="0" b="0"/>
+      </a:lnRef>
+      <a:fillRef idx="1">
+        <a:scrgbClr r="0" g="0" b="0"/>
+      </a:fillRef>
+      <a:effectRef idx="0">
+        <a:scrgbClr r="0" g="0" b="0"/>
+      </a:effectRef>
+      <a:fontRef idx="minor">
+        <a:schemeClr val="lt1"/>
+      </a:fontRef>
+    </dgm:style>
+  </dgm:styleLbl>
+  <dgm:styleLbl name="asst4">
+    <dgm:scene3d>
+      <a:camera prst="orthographicFront"/>
+      <a:lightRig rig="threePt" dir="t"/>
+    </dgm:scene3d>
+    <dgm:sp3d/>
+    <dgm:txPr/>
+    <dgm:style>
+      <a:lnRef idx="2">
+        <a:scrgbClr r="0" g="0" b="0"/>
+      </a:lnRef>
+      <a:fillRef idx="1">
+        <a:scrgbClr r="0" g="0" b="0"/>
+      </a:fillRef>
+      <a:effectRef idx="0">
+        <a:scrgbClr r="0" g="0" b="0"/>
+      </a:effectRef>
+      <a:fontRef idx="minor">
+        <a:schemeClr val="lt1"/>
+      </a:fontRef>
+    </dgm:style>
+  </dgm:styleLbl>
+  <dgm:styleLbl name="parChTrans2D1">
+    <dgm:scene3d>
+      <a:camera prst="orthographicFront"/>
+      <a:lightRig rig="threePt" dir="t"/>
+    </dgm:scene3d>
+    <dgm:sp3d/>
+    <dgm:txPr/>
+    <dgm:style>
+      <a:lnRef idx="2">
+        <a:scrgbClr r="0" g="0" b="0"/>
+      </a:lnRef>
+      <a:fillRef idx="1">
+        <a:scrgbClr r="0" g="0" b="0"/>
+      </a:fillRef>
+      <a:effectRef idx="0">
+        <a:scrgbClr r="0" g="0" b="0"/>
+      </a:effectRef>
+      <a:fontRef idx="minor">
+        <a:schemeClr val="lt1"/>
+      </a:fontRef>
+    </dgm:style>
+  </dgm:styleLbl>
+  <dgm:styleLbl name="parChTrans2D2">
+    <dgm:scene3d>
+      <a:camera prst="orthographicFront"/>
+      <a:lightRig rig="threePt" dir="t"/>
+    </dgm:scene3d>
+    <dgm:sp3d/>
+    <dgm:txPr/>
+    <dgm:style>
+      <a:lnRef idx="2">
+        <a:scrgbClr r="0" g="0" b="0"/>
+      </a:lnRef>
+      <a:fillRef idx="1">
+        <a:scrgbClr r="0" g="0" b="0"/>
+      </a:fillRef>
+      <a:effectRef idx="0">
+        <a:scrgbClr r="0" g="0" b="0"/>
+      </a:effectRef>
+      <a:fontRef idx="minor">
+        <a:schemeClr val="lt1"/>
+      </a:fontRef>
+    </dgm:style>
+  </dgm:styleLbl>
+  <dgm:styleLbl name="parChTrans2D3">
+    <dgm:scene3d>
+      <a:camera prst="orthographicFront"/>
+      <a:lightRig rig="threePt" dir="t"/>
+    </dgm:scene3d>
+    <dgm:sp3d/>
+    <dgm:txPr/>
+    <dgm:style>
+      <a:lnRef idx="2">
+        <a:scrgbClr r="0" g="0" b="0"/>
+      </a:lnRef>
+      <a:fillRef idx="1">
+        <a:scrgbClr r="0" g="0" b="0"/>
+      </a:fillRef>
+      <a:effectRef idx="0">
+        <a:scrgbClr r="0" g="0" b="0"/>
+      </a:effectRef>
+      <a:fontRef idx="minor">
+        <a:schemeClr val="lt1"/>
+      </a:fontRef>
+    </dgm:style>
+  </dgm:styleLbl>
+  <dgm:styleLbl name="parChTrans2D4">
+    <dgm:scene3d>
+      <a:camera prst="orthographicFront"/>
+      <a:lightRig rig="threePt" dir="t"/>
+    </dgm:scene3d>
+    <dgm:sp3d/>
+    <dgm:txPr/>
+    <dgm:style>
+      <a:lnRef idx="2">
+        <a:scrgbClr r="0" g="0" b="0"/>
+      </a:lnRef>
+      <a:fillRef idx="1">
+        <a:scrgbClr r="0" g="0" b="0"/>
+      </a:fillRef>
+      <a:effectRef idx="0">
+        <a:scrgbClr r="0" g="0" b="0"/>
+      </a:effectRef>
+      <a:fontRef idx="minor">
+        <a:schemeClr val="lt1"/>
+      </a:fontRef>
+    </dgm:style>
+  </dgm:styleLbl>
+  <dgm:styleLbl name="parChTrans1D1">
+    <dgm:scene3d>
+      <a:camera prst="orthographicFront"/>
+      <a:lightRig rig="threePt" dir="t"/>
+    </dgm:scene3d>
+    <dgm:sp3d/>
+    <dgm:txPr/>
+    <dgm:style>
+      <a:lnRef idx="2">
+        <a:scrgbClr r="0" g="0" b="0"/>
+      </a:lnRef>
+      <a:fillRef idx="0">
+        <a:scrgbClr r="0" g="0" b="0"/>
+      </a:fillRef>
+      <a:effectRef idx="0">
+        <a:scrgbClr r="0" g="0" b="0"/>
+      </a:effectRef>
+      <a:fontRef idx="minor"/>
+    </dgm:style>
+  </dgm:styleLbl>
+  <dgm:styleLbl name="parChTrans1D2">
+    <dgm:scene3d>
+      <a:camera prst="orthographicFront"/>
+      <a:lightRig rig="threePt" dir="t"/>
+    </dgm:scene3d>
+    <dgm:sp3d/>
+    <dgm:txPr/>
+    <dgm:style>
+      <a:lnRef idx="2">
+        <a:scrgbClr r="0" g="0" b="0"/>
+      </a:lnRef>
+      <a:fillRef idx="0">
+        <a:scrgbClr r="0" g="0" b="0"/>
+      </a:fillRef>
+      <a:effectRef idx="0">
+        <a:scrgbClr r="0" g="0" b="0"/>
+      </a:effectRef>
+      <a:fontRef idx="minor"/>
+    </dgm:style>
+  </dgm:styleLbl>
+  <dgm:styleLbl name="parChTrans1D3">
+    <dgm:scene3d>
+      <a:camera prst="orthographicFront"/>
+      <a:lightRig rig="threePt" dir="t"/>
+    </dgm:scene3d>
+    <dgm:sp3d/>
+    <dgm:txPr/>
+    <dgm:style>
+      <a:lnRef idx="2">
+        <a:scrgbClr r="0" g="0" b="0"/>
+      </a:lnRef>
+      <a:fillRef idx="0">
+        <a:scrgbClr r="0" g="0" b="0"/>
+      </a:fillRef>
+      <a:effectRef idx="0">
+        <a:scrgbClr r="0" g="0" b="0"/>
+      </a:effectRef>
+      <a:fontRef idx="minor"/>
+    </dgm:style>
+  </dgm:styleLbl>
+  <dgm:styleLbl name="parChTrans1D4">
+    <dgm:scene3d>
+      <a:camera prst="orthographicFront"/>
+      <a:lightRig rig="threePt" dir="t"/>
+    </dgm:scene3d>
+    <dgm:sp3d/>
+    <dgm:txPr/>
+    <dgm:style>
+      <a:lnRef idx="2">
+        <a:scrgbClr r="0" g="0" b="0"/>
+      </a:lnRef>
+      <a:fillRef idx="0">
+        <a:scrgbClr r="0" g="0" b="0"/>
+      </a:fillRef>
+      <a:effectRef idx="0">
+        <a:scrgbClr r="0" g="0" b="0"/>
+      </a:effectRef>
+      <a:fontRef idx="minor"/>
+    </dgm:style>
+  </dgm:styleLbl>
+  <dgm:styleLbl name="fgAcc1">
+    <dgm:scene3d>
+      <a:camera prst="orthographicFront"/>
+      <a:lightRig rig="threePt" dir="t"/>
+    </dgm:scene3d>
+    <dgm:sp3d/>
+    <dgm:txPr/>
+    <dgm:style>
+      <a:lnRef idx="2">
+        <a:scrgbClr r="0" g="0" b="0"/>
+      </a:lnRef>
+      <a:fillRef idx="1">
+        <a:scrgbClr r="0" g="0" b="0"/>
+      </a:fillRef>
+      <a:effectRef idx="0">
+        <a:scrgbClr r="0" g="0" b="0"/>
+      </a:effectRef>
+      <a:fontRef idx="minor"/>
+    </dgm:style>
+  </dgm:styleLbl>
+  <dgm:styleLbl name="conFgAcc1">
+    <dgm:scene3d>
+      <a:camera prst="orthographicFront"/>
+      <a:lightRig rig="threePt" dir="t"/>
+    </dgm:scene3d>
+    <dgm:sp3d/>
+    <dgm:txPr/>
+    <dgm:style>
+      <a:lnRef idx="2">
+        <a:scrgbClr r="0" g="0" b="0"/>
+      </a:lnRef>
+      <a:fillRef idx="1">
+        <a:scrgbClr r="0" g="0" b="0"/>
+      </a:fillRef>
+      <a:effectRef idx="0">
+        <a:scrgbClr r="0" g="0" b="0"/>
+      </a:effectRef>
+      <a:fontRef idx="minor"/>
+    </dgm:style>
+  </dgm:styleLbl>
+  <dgm:styleLbl name="alignAcc1">
+    <dgm:scene3d>
+      <a:camera prst="orthographicFront"/>
+      <a:lightRig rig="threePt" dir="t"/>
+    </dgm:scene3d>
+    <dgm:sp3d/>
+    <dgm:txPr/>
+    <dgm:style>
+      <a:lnRef idx="2">
+        <a:scrgbClr r="0" g="0" b="0"/>
+      </a:lnRef>
+      <a:fillRef idx="1">
+        <a:scrgbClr r="0" g="0" b="0"/>
+      </a:fillRef>
+      <a:effectRef idx="0">
+        <a:scrgbClr r="0" g="0" b="0"/>
+      </a:effectRef>
+      <a:fontRef idx="minor"/>
+    </dgm:style>
+  </dgm:styleLbl>
+  <dgm:styleLbl name="trAlignAcc1">
+    <dgm:scene3d>
+      <a:camera prst="orthographicFront"/>
+      <a:lightRig rig="threePt" dir="t"/>
+    </dgm:scene3d>
+    <dgm:sp3d/>
+    <dgm:txPr/>
+    <dgm:style>
+      <a:lnRef idx="1">
+        <a:scrgbClr r="0" g="0" b="0"/>
+      </a:lnRef>
+      <a:fillRef idx="1">
+        <a:scrgbClr r="0" g="0" b="0"/>
+      </a:fillRef>
+      <a:effectRef idx="0">
+        <a:scrgbClr r="0" g="0" b="0"/>
+      </a:effectRef>
+      <a:fontRef idx="minor"/>
+    </dgm:style>
+  </dgm:styleLbl>
+  <dgm:styleLbl name="bgAcc1">
+    <dgm:scene3d>
+      <a:camera prst="orthographicFront"/>
+      <a:lightRig rig="threePt" dir="t"/>
+    </dgm:scene3d>
+    <dgm:sp3d/>
+    <dgm:txPr/>
+    <dgm:style>
+      <a:lnRef idx="2">
+        <a:scrgbClr r="0" g="0" b="0"/>
+      </a:lnRef>
+      <a:fillRef idx="1">
+        <a:scrgbClr r="0" g="0" b="0"/>
+      </a:fillRef>
+      <a:effectRef idx="0">
+        <a:scrgbClr r="0" g="0" b="0"/>
+      </a:effectRef>
+      <a:fontRef idx="minor"/>
+    </dgm:style>
+  </dgm:styleLbl>
+  <dgm:styleLbl name="solidFgAcc1">
+    <dgm:scene3d>
+      <a:camera prst="orthographicFront"/>
+      <a:lightRig rig="threePt" dir="t"/>
+    </dgm:scene3d>
+    <dgm:sp3d/>
+    <dgm:txPr/>
+    <dgm:style>
+      <a:lnRef idx="2">
+        <a:scrgbClr r="0" g="0" b="0"/>
+      </a:lnRef>
+      <a:fillRef idx="1">
+        <a:scrgbClr r="0" g="0" b="0"/>
+      </a:fillRef>
+      <a:effectRef idx="0">
+        <a:scrgbClr r="0" g="0" b="0"/>
+      </a:effectRef>
+      <a:fontRef idx="minor"/>
+    </dgm:style>
+  </dgm:styleLbl>
+  <dgm:styleLbl name="solidAlignAcc1">
+    <dgm:scene3d>
+      <a:camera prst="orthographicFront"/>
+      <a:lightRig rig="threePt" dir="t"/>
+    </dgm:scene3d>
+    <dgm:sp3d/>
+    <dgm:txPr/>
+    <dgm:style>
+      <a:lnRef idx="2">
+        <a:scrgbClr r="0" g="0" b="0"/>
+      </a:lnRef>
+      <a:fillRef idx="1">
+        <a:scrgbClr r="0" g="0" b="0"/>
+      </a:fillRef>
+      <a:effectRef idx="0">
+        <a:scrgbClr r="0" g="0" b="0"/>
+      </a:effectRef>
+      <a:fontRef idx="minor"/>
+    </dgm:style>
+  </dgm:styleLbl>
+  <dgm:styleLbl name="solidBgAcc1">
+    <dgm:scene3d>
+      <a:camera prst="orthographicFront"/>
+      <a:lightRig rig="threePt" dir="t"/>
+    </dgm:scene3d>
+    <dgm:sp3d/>
+    <dgm:txPr/>
+    <dgm:style>
+      <a:lnRef idx="2">
+        <a:scrgbClr r="0" g="0" b="0"/>
+      </a:lnRef>
+      <a:fillRef idx="1">
+        <a:scrgbClr r="0" g="0" b="0"/>
+      </a:fillRef>
+      <a:effectRef idx="0">
+        <a:scrgbClr r="0" g="0" b="0"/>
+      </a:effectRef>
+      <a:fontRef idx="minor"/>
+    </dgm:style>
+  </dgm:styleLbl>
+  <dgm:styleLbl name="fgAccFollowNode1">
+    <dgm:scene3d>
+      <a:camera prst="orthographicFront"/>
+      <a:lightRig rig="threePt" dir="t"/>
+    </dgm:scene3d>
+    <dgm:sp3d/>
+    <dgm:txPr/>
+    <dgm:style>
+      <a:lnRef idx="2">
+        <a:scrgbClr r="0" g="0" b="0"/>
+      </a:lnRef>
+      <a:fillRef idx="1">
+        <a:scrgbClr r="0" g="0" b="0"/>
+      </a:fillRef>
+      <a:effectRef idx="0">
+        <a:scrgbClr r="0" g="0" b="0"/>
+      </a:effectRef>
+      <a:fontRef idx="minor"/>
+    </dgm:style>
+  </dgm:styleLbl>
+  <dgm:styleLbl name="alignAccFollowNode1">
+    <dgm:scene3d>
+      <a:camera prst="orthographicFront"/>
+      <a:lightRig rig="threePt" dir="t"/>
+    </dgm:scene3d>
+    <dgm:sp3d/>
+    <dgm:txPr/>
+    <dgm:style>
+      <a:lnRef idx="2">
+        <a:scrgbClr r="0" g="0" b="0"/>
+      </a:lnRef>
+      <a:fillRef idx="1">
+        <a:scrgbClr r="0" g="0" b="0"/>
+      </a:fillRef>
+      <a:effectRef idx="0">
+        <a:scrgbClr r="0" g="0" b="0"/>
+      </a:effectRef>
+      <a:fontRef idx="minor"/>
+    </dgm:style>
+  </dgm:styleLbl>
+  <dgm:styleLbl name="bgAccFollowNode1">
+    <dgm:scene3d>
+      <a:camera prst="orthographicFront"/>
+      <a:lightRig rig="threePt" dir="t"/>
+    </dgm:scene3d>
+    <dgm:sp3d/>
+    <dgm:txPr/>
+    <dgm:style>
+      <a:lnRef idx="2">
+        <a:scrgbClr r="0" g="0" b="0"/>
+      </a:lnRef>
+      <a:fillRef idx="1">
+        <a:scrgbClr r="0" g="0" b="0"/>
+      </a:fillRef>
+      <a:effectRef idx="0">
+        <a:scrgbClr r="0" g="0" b="0"/>
+      </a:effectRef>
+      <a:fontRef idx="minor"/>
+    </dgm:style>
+  </dgm:styleLbl>
+  <dgm:styleLbl name="fgAcc0">
+    <dgm:scene3d>
+      <a:camera prst="orthographicFront"/>
+      <a:lightRig rig="threePt" dir="t"/>
+    </dgm:scene3d>
+    <dgm:sp3d/>
+    <dgm:txPr/>
+    <dgm:style>
+      <a:lnRef idx="2">
+        <a:scrgbClr r="0" g="0" b="0"/>
+      </a:lnRef>
+      <a:fillRef idx="1">
+        <a:scrgbClr r="0" g="0" b="0"/>
+      </a:fillRef>
+      <a:effectRef idx="0">
+        <a:scrgbClr r="0" g="0" b="0"/>
+      </a:effectRef>
+      <a:fontRef idx="minor"/>
+    </dgm:style>
+  </dgm:styleLbl>
+  <dgm:styleLbl name="fgAcc2">
+    <dgm:scene3d>
+      <a:camera prst="orthographicFront"/>
+      <a:lightRig rig="threePt" dir="t"/>
+    </dgm:scene3d>
+    <dgm:sp3d/>
+    <dgm:txPr/>
+    <dgm:style>
+      <a:lnRef idx="2">
+        <a:scrgbClr r="0" g="0" b="0"/>
+      </a:lnRef>
+      <a:fillRef idx="1">
+        <a:scrgbClr r="0" g="0" b="0"/>
+      </a:fillRef>
+      <a:effectRef idx="0">
+        <a:scrgbClr r="0" g="0" b="0"/>
+      </a:effectRef>
+      <a:fontRef idx="minor"/>
+    </dgm:style>
+  </dgm:styleLbl>
+  <dgm:styleLbl name="fgAcc3">
+    <dgm:scene3d>
+      <a:camera prst="orthographicFront"/>
+      <a:lightRig rig="threePt" dir="t"/>
+    </dgm:scene3d>
+    <dgm:sp3d/>
+    <dgm:txPr/>
+    <dgm:style>
+      <a:lnRef idx="2">
+        <a:scrgbClr r="0" g="0" b="0"/>
+      </a:lnRef>
+      <a:fillRef idx="1">
+        <a:scrgbClr r="0" g="0" b="0"/>
+      </a:fillRef>
+      <a:effectRef idx="0">
+        <a:scrgbClr r="0" g="0" b="0"/>
+      </a:effectRef>
+      <a:fontRef idx="minor"/>
+    </dgm:style>
+  </dgm:styleLbl>
+  <dgm:styleLbl name="fgAcc4">
+    <dgm:scene3d>
+      <a:camera prst="orthographicFront"/>
+      <a:lightRig rig="threePt" dir="t"/>
+    </dgm:scene3d>
+    <dgm:sp3d/>
+    <dgm:txPr/>
+    <dgm:style>
+      <a:lnRef idx="2">
+        <a:scrgbClr r="0" g="0" b="0"/>
+      </a:lnRef>
+      <a:fillRef idx="1">
+        <a:scrgbClr r="0" g="0" b="0"/>
+      </a:fillRef>
+      <a:effectRef idx="0">
+        <a:scrgbClr r="0" g="0" b="0"/>
+      </a:effectRef>
+      <a:fontRef idx="minor"/>
+    </dgm:style>
+  </dgm:styleLbl>
+  <dgm:styleLbl name="bgShp">
+    <dgm:scene3d>
+      <a:camera prst="orthographicFront"/>
+      <a:lightRig rig="threePt" dir="t"/>
+    </dgm:scene3d>
+    <dgm:sp3d/>
+    <dgm:txPr/>
+    <dgm:style>
+      <a:lnRef idx="0">
+        <a:scrgbClr r="0" g="0" b="0"/>
+      </a:lnRef>
+      <a:fillRef idx="1">
+        <a:scrgbClr r="0" g="0" b="0"/>
+      </a:fillRef>
+      <a:effectRef idx="0">
+        <a:scrgbClr r="0" g="0" b="0"/>
+      </a:effectRef>
+      <a:fontRef idx="minor"/>
+    </dgm:style>
+  </dgm:styleLbl>
+  <dgm:styleLbl name="dkBgShp">
+    <dgm:scene3d>
+      <a:camera prst="orthographicFront"/>
+      <a:lightRig rig="threePt" dir="t"/>
+    </dgm:scene3d>
+    <dgm:sp3d/>
+    <dgm:txPr/>
+    <dgm:style>
+      <a:lnRef idx="0">
+        <a:scrgbClr r="0" g="0" b="0"/>
+      </a:lnRef>
+      <a:fillRef idx="1">
+        <a:scrgbClr r="0" g="0" b="0"/>
+      </a:fillRef>
+      <a:effectRef idx="0">
+        <a:scrgbClr r="0" g="0" b="0"/>
+      </a:effectRef>
+      <a:fontRef idx="minor"/>
+    </dgm:style>
+  </dgm:styleLbl>
+  <dgm:styleLbl name="trBgShp">
+    <dgm:scene3d>
+      <a:camera prst="orthographicFront"/>
+      <a:lightRig rig="threePt" dir="t"/>
+    </dgm:scene3d>
+    <dgm:sp3d/>
+    <dgm:txPr/>
+    <dgm:style>
+      <a:lnRef idx="0">
+        <a:scrgbClr r="0" g="0" b="0"/>
+      </a:lnRef>
+      <a:fillRef idx="1">
+        <a:scrgbClr r="0" g="0" b="0"/>
+      </a:fillRef>
+      <a:effectRef idx="0">
+        <a:scrgbClr r="0" g="0" b="0"/>
+      </a:effectRef>
+      <a:fontRef idx="minor"/>
+    </dgm:style>
+  </dgm:styleLbl>
+  <dgm:styleLbl name="fgShp">
+    <dgm:scene3d>
+      <a:camera prst="orthographicFront"/>
+      <a:lightRig rig="threePt" dir="t"/>
+    </dgm:scene3d>
+    <dgm:sp3d/>
+    <dgm:txPr/>
+    <dgm:style>
+      <a:lnRef idx="2">
+        <a:scrgbClr r="0" g="0" b="0"/>
+      </a:lnRef>
+      <a:fillRef idx="1">
+        <a:scrgbClr r="0" g="0" b="0"/>
+      </a:fillRef>
+      <a:effectRef idx="0">
+        <a:scrgbClr r="0" g="0" b="0"/>
+      </a:effectRef>
+      <a:fontRef idx="minor"/>
+    </dgm:style>
+  </dgm:styleLbl>
+  <dgm:styleLbl name="revTx">
+    <dgm:scene3d>
+      <a:camera prst="orthographicFront"/>
+      <a:lightRig rig="threePt" dir="t"/>
+    </dgm:scene3d>
+    <dgm:sp3d/>
+    <dgm:txPr/>
+    <dgm:style>
+      <a:lnRef idx="0">
+        <a:scrgbClr r="0" g="0" b="0"/>
+      </a:lnRef>
+      <a:fillRef idx="0">
+        <a:scrgbClr r="0" g="0" b="0"/>
+      </a:fillRef>
+      <a:effectRef idx="0">
+        <a:scrgbClr r="0" g="0" b="0"/>
+      </a:effectRef>
+      <a:fontRef idx="minor"/>
+    </dgm:style>
+  </dgm:styleLbl>
+</dgm:styleDef>
 </file>
 
 <file path=ppt/notesMasters/notesMaster1.xml><?xml version="1.0" encoding="utf-8"?>
@@ -1120,7 +4649,7 @@
           <a:p>
             <a:fld id="{AFD01546-198A-4195-BCF8-F0FF54C90E5E}" type="datetimeFigureOut">
               <a:rPr lang="en-US" smtClean="0"/>
-              <a:t>5/11/2022</a:t>
+              <a:t>5/21/2022</a:t>
             </a:fld>
             <a:endParaRPr lang="en-US" dirty="0"/>
           </a:p>
@@ -1499,7 +5028,7 @@
                 <a:tabLst/>
                 <a:defRPr/>
               </a:pPr>
-              <a:t>2</a:t>
+              <a:t>4</a:t>
             </a:fld>
             <a:endParaRPr kumimoji="0" lang="en-US" sz="1200" b="0" i="0" u="none" strike="noStrike" kern="1200" cap="none" spc="0" normalizeH="0" baseline="0" noProof="0" dirty="0">
               <a:ln>
@@ -1643,7 +5172,7 @@
                 <a:tabLst/>
                 <a:defRPr/>
               </a:pPr>
-              <a:t>3</a:t>
+              <a:t>5</a:t>
             </a:fld>
             <a:endParaRPr kumimoji="0" lang="en-US" sz="1200" b="0" i="0" u="none" strike="noStrike" kern="1200" cap="none" spc="0" normalizeH="0" baseline="0" noProof="0" dirty="0">
               <a:ln>
@@ -1787,7 +5316,7 @@
                 <a:tabLst/>
                 <a:defRPr/>
               </a:pPr>
-              <a:t>4</a:t>
+              <a:t>8</a:t>
             </a:fld>
             <a:endParaRPr kumimoji="0" lang="en-US" sz="1200" b="0" i="0" u="none" strike="noStrike" kern="1200" cap="none" spc="0" normalizeH="0" baseline="0" noProof="0" dirty="0">
               <a:ln>
@@ -1931,7 +5460,7 @@
                 <a:tabLst/>
                 <a:defRPr/>
               </a:pPr>
-              <a:t>19</a:t>
+              <a:t>24</a:t>
             </a:fld>
             <a:endParaRPr kumimoji="0" lang="en-US" sz="1200" b="0" i="0" u="none" strike="noStrike" kern="1200" cap="none" spc="0" normalizeH="0" baseline="0" noProof="0" dirty="0">
               <a:ln>
@@ -2148,7 +5677,7 @@
           <a:p>
             <a:fld id="{88D38747-4367-4BD2-8D51-C97E202738E2}" type="datetime1">
               <a:rPr lang="en-US" smtClean="0"/>
-              <a:t>5/11/2022</a:t>
+              <a:t>5/21/2022</a:t>
             </a:fld>
             <a:endParaRPr lang="en-US" dirty="0"/>
           </a:p>
@@ -2453,7 +5982,7 @@
           <a:p>
             <a:fld id="{11F1B079-7EF0-44EE-B798-BCC497C9F3B2}" type="datetime1">
               <a:rPr lang="en-US" smtClean="0"/>
-              <a:t>5/11/2022</a:t>
+              <a:t>5/21/2022</a:t>
             </a:fld>
             <a:endParaRPr lang="en-US" dirty="0"/>
           </a:p>
@@ -2647,7 +6176,7 @@
           <a:p>
             <a:fld id="{28FF70A8-1D13-4657-95F0-A9EA54967B8D}" type="datetime1">
               <a:rPr lang="en-US" smtClean="0"/>
-              <a:t>5/11/2022</a:t>
+              <a:t>5/21/2022</a:t>
             </a:fld>
             <a:endParaRPr lang="en-US" dirty="0"/>
           </a:p>
@@ -2910,7 +6439,7 @@
           <a:p>
             <a:fld id="{21EB90AC-71BD-4C7F-8ACA-7B3F18292E63}" type="datetime1">
               <a:rPr lang="en-US" smtClean="0"/>
-              <a:t>5/11/2022</a:t>
+              <a:t>5/21/2022</a:t>
             </a:fld>
             <a:endParaRPr lang="en-US" dirty="0"/>
           </a:p>
@@ -3346,7 +6875,7 @@
           <a:p>
             <a:fld id="{4E6EFC2C-8905-46F0-B443-CE905B76BA01}" type="datetime1">
               <a:rPr lang="en-US" smtClean="0"/>
-              <a:t>5/11/2022</a:t>
+              <a:t>5/21/2022</a:t>
             </a:fld>
             <a:endParaRPr lang="en-US" dirty="0"/>
           </a:p>
@@ -3883,7 +7412,7 @@
           <a:p>
             <a:fld id="{D9079DC3-C9B5-499E-9140-0DC28B7074E2}" type="datetime1">
               <a:rPr lang="en-US" smtClean="0"/>
-              <a:t>5/11/2022</a:t>
+              <a:t>5/21/2022</a:t>
             </a:fld>
             <a:endParaRPr lang="en-US" dirty="0"/>
           </a:p>
@@ -4765,7 +8294,7 @@
           <a:p>
             <a:fld id="{30BB33EA-E472-4D22-9C03-A9C14AA21CED}" type="datetime1">
               <a:rPr lang="en-US" smtClean="0"/>
-              <a:t>5/11/2022</a:t>
+              <a:t>5/21/2022</a:t>
             </a:fld>
             <a:endParaRPr lang="en-US" dirty="0"/>
           </a:p>
@@ -4935,7 +8464,7 @@
           <a:p>
             <a:fld id="{73C55A3C-5767-4844-A0A3-83778C2E5409}" type="datetime1">
               <a:rPr lang="en-US" smtClean="0"/>
-              <a:t>5/11/2022</a:t>
+              <a:t>5/21/2022</a:t>
             </a:fld>
             <a:endParaRPr lang="en-US" dirty="0"/>
           </a:p>
@@ -5179,7 +8708,7 @@
           <a:p>
             <a:fld id="{CAE507A8-A5CF-4D38-AB86-7EDDA87A85D4}" type="datetime1">
               <a:rPr lang="en-US" smtClean="0"/>
-              <a:t>5/11/2022</a:t>
+              <a:t>5/21/2022</a:t>
             </a:fld>
             <a:endParaRPr lang="en-US" dirty="0"/>
           </a:p>
@@ -5421,7 +8950,7 @@
           <a:p>
             <a:fld id="{BDFCD27C-8599-43EF-BA1D-14DDC1946E06}" type="datetime1">
               <a:rPr lang="en-US" smtClean="0"/>
-              <a:t>5/11/2022</a:t>
+              <a:t>5/21/2022</a:t>
             </a:fld>
             <a:endParaRPr lang="en-US" dirty="0"/>
           </a:p>
@@ -5904,7 +9433,7 @@
           <a:p>
             <a:fld id="{49343D99-809A-49C0-96E5-4250D0B498EE}" type="datetime1">
               <a:rPr lang="en-US" smtClean="0"/>
-              <a:t>5/11/2022</a:t>
+              <a:t>5/21/2022</a:t>
             </a:fld>
             <a:endParaRPr lang="en-US" dirty="0"/>
           </a:p>
@@ -6022,7 +9551,7 @@
           <a:p>
             <a:fld id="{A143DE9B-B678-4EFB-BB7D-A4370204A0B0}" type="datetime1">
               <a:rPr lang="en-US" smtClean="0"/>
-              <a:t>5/11/2022</a:t>
+              <a:t>5/21/2022</a:t>
             </a:fld>
             <a:endParaRPr lang="en-US" dirty="0"/>
           </a:p>
@@ -6117,7 +9646,7 @@
           <a:p>
             <a:fld id="{E68812DA-F765-4142-A6A3-A8ED7235E082}" type="datetime1">
               <a:rPr lang="en-US" smtClean="0"/>
-              <a:t>5/11/2022</a:t>
+              <a:t>5/21/2022</a:t>
             </a:fld>
             <a:endParaRPr lang="en-US" dirty="0"/>
           </a:p>
@@ -6372,7 +9901,7 @@
           <a:p>
             <a:fld id="{3E0277FD-7DE6-41D4-930D-AC99F5AFE54E}" type="datetime1">
               <a:rPr lang="en-US" smtClean="0"/>
-              <a:t>5/11/2022</a:t>
+              <a:t>5/21/2022</a:t>
             </a:fld>
             <a:endParaRPr lang="en-US" dirty="0"/>
           </a:p>
@@ -6679,7 +10208,7 @@
           <a:p>
             <a:fld id="{9EA15526-7079-4B7B-987C-1B5FAE11A0FF}" type="datetime1">
               <a:rPr lang="en-US" smtClean="0"/>
-              <a:t>5/11/2022</a:t>
+              <a:t>5/21/2022</a:t>
             </a:fld>
             <a:endParaRPr lang="en-US" dirty="0"/>
           </a:p>
@@ -6914,7 +10443,7 @@
           <a:p>
             <a:fld id="{073ED0CC-082F-4160-86E5-0D6041F12778}" type="datetime1">
               <a:rPr lang="en-US" smtClean="0"/>
-              <a:t>5/11/2022</a:t>
+              <a:t>5/21/2022</a:t>
             </a:fld>
             <a:endParaRPr lang="en-US" dirty="0"/>
           </a:p>
@@ -7696,7 +11225,7 @@
           </a:effectLst>
           <a:extLst>
             <a:ext uri="{91240B29-F687-4f45-9708-019B960494DF}">
-              <a14:hiddenLine xmlns="" xmlns:a14="http://schemas.microsoft.com/office/drawing/2010/main" xmlns:p14="http://schemas.microsoft.com/office/powerpoint/2010/main" xmlns:a16="http://schemas.microsoft.com/office/drawing/2014/main" w="9525">
+              <a14:hiddenLine xmlns:a16="http://schemas.microsoft.com/office/drawing/2014/main" xmlns:p14="http://schemas.microsoft.com/office/powerpoint/2010/main" xmlns:a14="http://schemas.microsoft.com/office/drawing/2010/main" xmlns="" w="9525">
                 <a:solidFill>
                   <a:srgbClr val="000000"/>
                 </a:solidFill>
@@ -7845,6 +11374,969 @@
           <p:cNvPr id="10" name="Rectangle 9">
             <a:extLst>
               <a:ext uri="{FF2B5EF4-FFF2-40B4-BE49-F238E27FC236}">
+                <a16:creationId xmlns:a16="http://schemas.microsoft.com/office/drawing/2014/main" id="{1E70A317-DCED-4E80-AA2D-467D8702E5CB}"/>
+              </a:ext>
+              <a:ext uri="{C183D7F6-B498-43B3-948B-1728B52AA6E4}">
+                <adec:decorative xmlns:adec="http://schemas.microsoft.com/office/drawing/2017/decorative" val="1"/>
+              </a:ext>
+            </a:extLst>
+          </p:cNvPr>
+          <p:cNvSpPr>
+            <a:spLocks noGrp="1" noRot="1" noChangeAspect="1" noMove="1" noResize="1" noEditPoints="1" noAdjustHandles="1" noChangeArrowheads="1" noChangeShapeType="1" noTextEdit="1"/>
+          </p:cNvSpPr>
+          <p:nvPr>
+            <p:extLst>
+              <p:ext uri="{386F3935-93C4-4BCD-93E2-E3B085C9AB24}">
+                <p16:designElem xmlns:p16="http://schemas.microsoft.com/office/powerpoint/2015/main" val="1"/>
+              </p:ext>
+            </p:extLst>
+          </p:nvPr>
+        </p:nvSpPr>
+        <p:spPr>
+          <a:xfrm>
+            <a:off x="0" y="0"/>
+            <a:ext cx="12192000" cy="6858000"/>
+          </a:xfrm>
+          <a:prstGeom prst="rect">
+            <a:avLst/>
+          </a:prstGeom>
+          <a:ln>
+            <a:noFill/>
+          </a:ln>
+        </p:spPr>
+        <p:style>
+          <a:lnRef idx="2">
+            <a:schemeClr val="accent1">
+              <a:shade val="50000"/>
+            </a:schemeClr>
+          </a:lnRef>
+          <a:fillRef idx="1">
+            <a:schemeClr val="accent1"/>
+          </a:fillRef>
+          <a:effectRef idx="0">
+            <a:schemeClr val="accent1"/>
+          </a:effectRef>
+          <a:fontRef idx="minor">
+            <a:schemeClr val="lt1"/>
+          </a:fontRef>
+        </p:style>
+        <p:txBody>
+          <a:bodyPr rtlCol="0" anchor="ctr"/>
+          <a:lstStyle/>
+          <a:p>
+            <a:pPr algn="ctr"/>
+            <a:endParaRPr lang="en-US"/>
+          </a:p>
+        </p:txBody>
+      </p:sp>
+      <p:sp>
+        <p:nvSpPr>
+          <p:cNvPr id="2" name="Title 1">
+            <a:extLst>
+              <a:ext uri="{FF2B5EF4-FFF2-40B4-BE49-F238E27FC236}">
+                <a16:creationId xmlns:a16="http://schemas.microsoft.com/office/drawing/2014/main" id="{EDB3D9CC-C033-41A7-8773-EF4EF2C215E3}"/>
+              </a:ext>
+            </a:extLst>
+          </p:cNvPr>
+          <p:cNvSpPr>
+            <a:spLocks noGrp="1"/>
+          </p:cNvSpPr>
+          <p:nvPr>
+            <p:ph type="title"/>
+          </p:nvPr>
+        </p:nvSpPr>
+        <p:spPr>
+          <a:xfrm>
+            <a:off x="336969" y="1440000"/>
+            <a:ext cx="4268294" cy="2846070"/>
+          </a:xfrm>
+        </p:spPr>
+        <p:txBody>
+          <a:bodyPr vert="horz" lIns="91440" tIns="45720" rIns="91440" bIns="45720" rtlCol="0" anchor="b">
+            <a:normAutofit/>
+          </a:bodyPr>
+          <a:lstStyle/>
+          <a:p>
+            <a:pPr algn="l"/>
+            <a:r>
+              <a:rPr lang="en-US" sz="3900" dirty="0"/>
+              <a:t>Cannabis, Assault &amp; Stealing from Cars are the most common sub offences</a:t>
+            </a:r>
+          </a:p>
+        </p:txBody>
+      </p:sp>
+      <p:sp>
+        <p:nvSpPr>
+          <p:cNvPr id="12" name="Rectangle 11">
+            <a:extLst>
+              <a:ext uri="{FF2B5EF4-FFF2-40B4-BE49-F238E27FC236}">
+                <a16:creationId xmlns:a16="http://schemas.microsoft.com/office/drawing/2014/main" id="{A6D87845-294F-40CB-BC48-46455460D292}"/>
+              </a:ext>
+              <a:ext uri="{C183D7F6-B498-43B3-948B-1728B52AA6E4}">
+                <adec:decorative xmlns:adec="http://schemas.microsoft.com/office/drawing/2017/decorative" val="1"/>
+              </a:ext>
+            </a:extLst>
+          </p:cNvPr>
+          <p:cNvSpPr>
+            <a:spLocks noGrp="1" noRot="1" noChangeAspect="1" noMove="1" noResize="1" noEditPoints="1" noAdjustHandles="1" noChangeArrowheads="1" noChangeShapeType="1" noTextEdit="1"/>
+          </p:cNvSpPr>
+          <p:nvPr>
+            <p:extLst>
+              <p:ext uri="{386F3935-93C4-4BCD-93E2-E3B085C9AB24}">
+                <p16:designElem xmlns:p16="http://schemas.microsoft.com/office/powerpoint/2015/main" val="1"/>
+              </p:ext>
+            </p:extLst>
+          </p:nvPr>
+        </p:nvSpPr>
+        <p:spPr>
+          <a:xfrm>
+            <a:off x="4655671" y="0"/>
+            <a:ext cx="7536329" cy="6858000"/>
+          </a:xfrm>
+          <a:prstGeom prst="rect">
+            <a:avLst/>
+          </a:prstGeom>
+          <a:solidFill>
+            <a:schemeClr val="tx1"/>
+          </a:solidFill>
+          <a:ln>
+            <a:noFill/>
+          </a:ln>
+        </p:spPr>
+        <p:style>
+          <a:lnRef idx="2">
+            <a:schemeClr val="accent1">
+              <a:shade val="50000"/>
+            </a:schemeClr>
+          </a:lnRef>
+          <a:fillRef idx="1">
+            <a:schemeClr val="accent1"/>
+          </a:fillRef>
+          <a:effectRef idx="0">
+            <a:schemeClr val="accent1"/>
+          </a:effectRef>
+          <a:fontRef idx="minor">
+            <a:schemeClr val="lt1"/>
+          </a:fontRef>
+        </p:style>
+        <p:txBody>
+          <a:bodyPr rtlCol="0" anchor="ctr"/>
+          <a:lstStyle/>
+          <a:p>
+            <a:pPr algn="ctr"/>
+            <a:endParaRPr lang="en-US"/>
+          </a:p>
+        </p:txBody>
+      </p:sp>
+      <p:pic>
+        <p:nvPicPr>
+          <p:cNvPr id="5" name="Picture 4" descr="Chart, bar chart&#10;&#10;Description automatically generated">
+            <a:extLst>
+              <a:ext uri="{FF2B5EF4-FFF2-40B4-BE49-F238E27FC236}">
+                <a16:creationId xmlns:a16="http://schemas.microsoft.com/office/drawing/2014/main" id="{9AF92CEE-5DDA-4131-BD6F-D4AA6715A34F}"/>
+              </a:ext>
+            </a:extLst>
+          </p:cNvPr>
+          <p:cNvPicPr>
+            <a:picLocks noChangeAspect="1"/>
+          </p:cNvPicPr>
+          <p:nvPr/>
+        </p:nvPicPr>
+        <p:blipFill>
+          <a:blip r:embed="rId3"/>
+          <a:stretch>
+            <a:fillRect/>
+          </a:stretch>
+        </p:blipFill>
+        <p:spPr>
+          <a:xfrm>
+            <a:off x="4706077" y="1440000"/>
+            <a:ext cx="7435515" cy="3978000"/>
+          </a:xfrm>
+          <a:prstGeom prst="rect">
+            <a:avLst/>
+          </a:prstGeom>
+        </p:spPr>
+      </p:pic>
+    </p:spTree>
+    <p:extLst>
+      <p:ext uri="{BB962C8B-B14F-4D97-AF65-F5344CB8AC3E}">
+        <p14:creationId xmlns:p14="http://schemas.microsoft.com/office/powerpoint/2010/main" val="2695184264"/>
+      </p:ext>
+    </p:extLst>
+  </p:cSld>
+  <p:clrMapOvr>
+    <a:masterClrMapping/>
+  </p:clrMapOvr>
+</p:sld>
+</file>
+
+<file path=ppt/slides/slide11.xml><?xml version="1.0" encoding="utf-8"?>
+<p:sld xmlns:a="http://schemas.openxmlformats.org/drawingml/2006/main" xmlns:r="http://schemas.openxmlformats.org/officeDocument/2006/relationships" xmlns:p="http://schemas.openxmlformats.org/presentationml/2006/main">
+  <p:cSld>
+    <p:bg>
+      <p:bgPr>
+        <a:blipFill rotWithShape="1">
+          <a:blip r:embed="rId2">
+            <a:duotone>
+              <a:schemeClr val="bg1">
+                <a:shade val="80000"/>
+                <a:lumMod val="80000"/>
+              </a:schemeClr>
+              <a:schemeClr val="bg1">
+                <a:tint val="98000"/>
+              </a:schemeClr>
+            </a:duotone>
+          </a:blip>
+          <a:stretch/>
+        </a:blipFill>
+        <a:effectLst/>
+      </p:bgPr>
+    </p:bg>
+    <p:spTree>
+      <p:nvGrpSpPr>
+        <p:cNvPr id="1" name=""/>
+        <p:cNvGrpSpPr/>
+        <p:nvPr/>
+      </p:nvGrpSpPr>
+      <p:grpSpPr>
+        <a:xfrm>
+          <a:off x="0" y="0"/>
+          <a:ext cx="0" cy="0"/>
+          <a:chOff x="0" y="0"/>
+          <a:chExt cx="0" cy="0"/>
+        </a:xfrm>
+      </p:grpSpPr>
+      <p:sp useBgFill="1">
+        <p:nvSpPr>
+          <p:cNvPr id="10" name="Rectangle 9">
+            <a:extLst>
+              <a:ext uri="{FF2B5EF4-FFF2-40B4-BE49-F238E27FC236}">
+                <a16:creationId xmlns:a16="http://schemas.microsoft.com/office/drawing/2014/main" id="{6540ED7E-4309-4CF9-9C8D-82E304E02832}"/>
+              </a:ext>
+              <a:ext uri="{C183D7F6-B498-43B3-948B-1728B52AA6E4}">
+                <adec:decorative xmlns:adec="http://schemas.microsoft.com/office/drawing/2017/decorative" val="1"/>
+              </a:ext>
+            </a:extLst>
+          </p:cNvPr>
+          <p:cNvSpPr>
+            <a:spLocks noGrp="1" noRot="1" noChangeAspect="1" noMove="1" noResize="1" noEditPoints="1" noAdjustHandles="1" noChangeArrowheads="1" noChangeShapeType="1" noTextEdit="1"/>
+          </p:cNvSpPr>
+          <p:nvPr>
+            <p:extLst>
+              <p:ext uri="{386F3935-93C4-4BCD-93E2-E3B085C9AB24}">
+                <p16:designElem xmlns:p16="http://schemas.microsoft.com/office/powerpoint/2015/main" val="1"/>
+              </p:ext>
+            </p:extLst>
+          </p:nvPr>
+        </p:nvSpPr>
+        <p:spPr>
+          <a:xfrm>
+            <a:off x="0" y="0"/>
+            <a:ext cx="12192000" cy="6858000"/>
+          </a:xfrm>
+          <a:prstGeom prst="rect">
+            <a:avLst/>
+          </a:prstGeom>
+          <a:ln>
+            <a:noFill/>
+          </a:ln>
+        </p:spPr>
+        <p:style>
+          <a:lnRef idx="2">
+            <a:schemeClr val="accent1">
+              <a:shade val="50000"/>
+            </a:schemeClr>
+          </a:lnRef>
+          <a:fillRef idx="1003">
+            <a:schemeClr val="dk2"/>
+          </a:fillRef>
+          <a:effectRef idx="0">
+            <a:schemeClr val="accent1"/>
+          </a:effectRef>
+          <a:fontRef idx="minor">
+            <a:schemeClr val="lt1"/>
+          </a:fontRef>
+        </p:style>
+        <p:txBody>
+          <a:bodyPr rtlCol="0" anchor="ctr"/>
+          <a:lstStyle/>
+          <a:p>
+            <a:pPr algn="ctr"/>
+            <a:endParaRPr lang="en-US"/>
+          </a:p>
+        </p:txBody>
+      </p:sp>
+      <p:sp>
+        <p:nvSpPr>
+          <p:cNvPr id="2" name="Title 1">
+            <a:extLst>
+              <a:ext uri="{FF2B5EF4-FFF2-40B4-BE49-F238E27FC236}">
+                <a16:creationId xmlns:a16="http://schemas.microsoft.com/office/drawing/2014/main" id="{20CF5BCF-EDBC-4B1F-8E5C-56D1DC6BD256}"/>
+              </a:ext>
+            </a:extLst>
+          </p:cNvPr>
+          <p:cNvSpPr>
+            <a:spLocks noGrp="1"/>
+          </p:cNvSpPr>
+          <p:nvPr>
+            <p:ph type="title"/>
+          </p:nvPr>
+        </p:nvSpPr>
+        <p:spPr>
+          <a:xfrm>
+            <a:off x="6621928" y="965196"/>
+            <a:ext cx="4703484" cy="2633145"/>
+          </a:xfrm>
+        </p:spPr>
+        <p:txBody>
+          <a:bodyPr vert="horz" lIns="91440" tIns="45720" rIns="91440" bIns="45720" rtlCol="0" anchor="b">
+            <a:normAutofit/>
+          </a:bodyPr>
+          <a:lstStyle/>
+          <a:p>
+            <a:r>
+              <a:rPr lang="en-US" sz="5400" dirty="0"/>
+              <a:t>Drug Offences spike on Saturdays</a:t>
+            </a:r>
+          </a:p>
+        </p:txBody>
+      </p:sp>
+      <p:sp>
+        <p:nvSpPr>
+          <p:cNvPr id="12" name="Rectangle 11">
+            <a:extLst>
+              <a:ext uri="{FF2B5EF4-FFF2-40B4-BE49-F238E27FC236}">
+                <a16:creationId xmlns:a16="http://schemas.microsoft.com/office/drawing/2014/main" id="{CA8ACC6B-EC7C-4E3C-8D08-C0A3AA40779C}"/>
+              </a:ext>
+              <a:ext uri="{C183D7F6-B498-43B3-948B-1728B52AA6E4}">
+                <adec:decorative xmlns:adec="http://schemas.microsoft.com/office/drawing/2017/decorative" val="1"/>
+              </a:ext>
+            </a:extLst>
+          </p:cNvPr>
+          <p:cNvSpPr>
+            <a:spLocks noGrp="1" noRot="1" noChangeAspect="1" noMove="1" noResize="1" noEditPoints="1" noAdjustHandles="1" noChangeArrowheads="1" noChangeShapeType="1" noTextEdit="1"/>
+          </p:cNvSpPr>
+          <p:nvPr>
+            <p:extLst>
+              <p:ext uri="{386F3935-93C4-4BCD-93E2-E3B085C9AB24}">
+                <p16:designElem xmlns:p16="http://schemas.microsoft.com/office/powerpoint/2015/main" val="1"/>
+              </p:ext>
+            </p:extLst>
+          </p:nvPr>
+        </p:nvSpPr>
+        <p:spPr>
+          <a:xfrm>
+            <a:off x="950614" y="965196"/>
+            <a:ext cx="5042779" cy="4781641"/>
+          </a:xfrm>
+          <a:prstGeom prst="rect">
+            <a:avLst/>
+          </a:prstGeom>
+          <a:solidFill>
+            <a:schemeClr val="tx1"/>
+          </a:solidFill>
+          <a:ln w="190500">
+            <a:solidFill>
+              <a:srgbClr val="F2F2F2">
+                <a:alpha val="7000"/>
+              </a:srgbClr>
+            </a:solidFill>
+          </a:ln>
+        </p:spPr>
+        <p:style>
+          <a:lnRef idx="2">
+            <a:schemeClr val="accent1">
+              <a:shade val="50000"/>
+            </a:schemeClr>
+          </a:lnRef>
+          <a:fillRef idx="1">
+            <a:schemeClr val="accent1"/>
+          </a:fillRef>
+          <a:effectRef idx="0">
+            <a:schemeClr val="accent1"/>
+          </a:effectRef>
+          <a:fontRef idx="minor">
+            <a:schemeClr val="lt1"/>
+          </a:fontRef>
+        </p:style>
+        <p:txBody>
+          <a:bodyPr rtlCol="0" anchor="ctr"/>
+          <a:lstStyle/>
+          <a:p>
+            <a:pPr algn="ctr"/>
+            <a:endParaRPr lang="en-US"/>
+          </a:p>
+        </p:txBody>
+      </p:sp>
+      <p:pic>
+        <p:nvPicPr>
+          <p:cNvPr id="5" name="Picture 4" descr="Chart, bar chart&#10;&#10;Description automatically generated">
+            <a:extLst>
+              <a:ext uri="{FF2B5EF4-FFF2-40B4-BE49-F238E27FC236}">
+                <a16:creationId xmlns:a16="http://schemas.microsoft.com/office/drawing/2014/main" id="{E1525CC6-A872-4D89-BE80-216A0ED3DF6A}"/>
+              </a:ext>
+            </a:extLst>
+          </p:cNvPr>
+          <p:cNvPicPr>
+            <a:picLocks noChangeAspect="1"/>
+          </p:cNvPicPr>
+          <p:nvPr/>
+        </p:nvPicPr>
+        <p:blipFill>
+          <a:blip r:embed="rId3"/>
+          <a:stretch>
+            <a:fillRect/>
+          </a:stretch>
+        </p:blipFill>
+        <p:spPr>
+          <a:xfrm>
+            <a:off x="993971" y="2103253"/>
+            <a:ext cx="4956064" cy="2651494"/>
+          </a:xfrm>
+          <a:prstGeom prst="rect">
+            <a:avLst/>
+          </a:prstGeom>
+        </p:spPr>
+      </p:pic>
+    </p:spTree>
+    <p:extLst>
+      <p:ext uri="{BB962C8B-B14F-4D97-AF65-F5344CB8AC3E}">
+        <p14:creationId xmlns:p14="http://schemas.microsoft.com/office/powerpoint/2010/main" val="1433402431"/>
+      </p:ext>
+    </p:extLst>
+  </p:cSld>
+  <p:clrMapOvr>
+    <a:masterClrMapping/>
+  </p:clrMapOvr>
+</p:sld>
+</file>
+
+<file path=ppt/slides/slide12.xml><?xml version="1.0" encoding="utf-8"?>
+<p:sld xmlns:a="http://schemas.openxmlformats.org/drawingml/2006/main" xmlns:r="http://schemas.openxmlformats.org/officeDocument/2006/relationships" xmlns:p="http://schemas.openxmlformats.org/presentationml/2006/main">
+  <p:cSld>
+    <p:bg>
+      <p:bgPr>
+        <a:blipFill rotWithShape="1">
+          <a:blip r:embed="rId2">
+            <a:duotone>
+              <a:schemeClr val="bg1">
+                <a:shade val="80000"/>
+                <a:lumMod val="80000"/>
+              </a:schemeClr>
+              <a:schemeClr val="bg1">
+                <a:tint val="98000"/>
+              </a:schemeClr>
+            </a:duotone>
+          </a:blip>
+          <a:stretch/>
+        </a:blipFill>
+        <a:effectLst/>
+      </p:bgPr>
+    </p:bg>
+    <p:spTree>
+      <p:nvGrpSpPr>
+        <p:cNvPr id="1" name=""/>
+        <p:cNvGrpSpPr/>
+        <p:nvPr/>
+      </p:nvGrpSpPr>
+      <p:grpSpPr>
+        <a:xfrm>
+          <a:off x="0" y="0"/>
+          <a:ext cx="0" cy="0"/>
+          <a:chOff x="0" y="0"/>
+          <a:chExt cx="0" cy="0"/>
+        </a:xfrm>
+      </p:grpSpPr>
+      <p:sp useBgFill="1">
+        <p:nvSpPr>
+          <p:cNvPr id="13" name="Rectangle 9">
+            <a:extLst>
+              <a:ext uri="{FF2B5EF4-FFF2-40B4-BE49-F238E27FC236}">
+                <a16:creationId xmlns:a16="http://schemas.microsoft.com/office/drawing/2014/main" id="{8E482A67-6CD8-49D7-9F85-52ECF99152D0}"/>
+              </a:ext>
+              <a:ext uri="{C183D7F6-B498-43B3-948B-1728B52AA6E4}">
+                <adec:decorative xmlns:adec="http://schemas.microsoft.com/office/drawing/2017/decorative" val="1"/>
+              </a:ext>
+            </a:extLst>
+          </p:cNvPr>
+          <p:cNvSpPr>
+            <a:spLocks noGrp="1" noRot="1" noChangeAspect="1" noMove="1" noResize="1" noEditPoints="1" noAdjustHandles="1" noChangeArrowheads="1" noChangeShapeType="1" noTextEdit="1"/>
+          </p:cNvSpPr>
+          <p:nvPr>
+            <p:extLst>
+              <p:ext uri="{386F3935-93C4-4BCD-93E2-E3B085C9AB24}">
+                <p16:designElem xmlns:p16="http://schemas.microsoft.com/office/powerpoint/2015/main" val="1"/>
+              </p:ext>
+            </p:extLst>
+          </p:nvPr>
+        </p:nvSpPr>
+        <p:spPr>
+          <a:xfrm>
+            <a:off x="0" y="0"/>
+            <a:ext cx="12192000" cy="6858000"/>
+          </a:xfrm>
+          <a:prstGeom prst="rect">
+            <a:avLst/>
+          </a:prstGeom>
+          <a:ln>
+            <a:noFill/>
+          </a:ln>
+        </p:spPr>
+        <p:style>
+          <a:lnRef idx="2">
+            <a:schemeClr val="accent1">
+              <a:shade val="50000"/>
+            </a:schemeClr>
+          </a:lnRef>
+          <a:fillRef idx="1003">
+            <a:schemeClr val="dk2"/>
+          </a:fillRef>
+          <a:effectRef idx="0">
+            <a:schemeClr val="accent1"/>
+          </a:effectRef>
+          <a:fontRef idx="minor">
+            <a:schemeClr val="lt1"/>
+          </a:fontRef>
+        </p:style>
+        <p:txBody>
+          <a:bodyPr rtlCol="0" anchor="ctr"/>
+          <a:lstStyle/>
+          <a:p>
+            <a:pPr algn="ctr"/>
+            <a:endParaRPr lang="en-US"/>
+          </a:p>
+        </p:txBody>
+      </p:sp>
+      <p:sp>
+        <p:nvSpPr>
+          <p:cNvPr id="2" name="Title 1">
+            <a:extLst>
+              <a:ext uri="{FF2B5EF4-FFF2-40B4-BE49-F238E27FC236}">
+                <a16:creationId xmlns:a16="http://schemas.microsoft.com/office/drawing/2014/main" id="{2E31F0C3-B571-446B-B508-58FFB62023DF}"/>
+              </a:ext>
+            </a:extLst>
+          </p:cNvPr>
+          <p:cNvSpPr>
+            <a:spLocks noGrp="1"/>
+          </p:cNvSpPr>
+          <p:nvPr>
+            <p:ph type="title"/>
+          </p:nvPr>
+        </p:nvSpPr>
+        <p:spPr>
+          <a:xfrm>
+            <a:off x="8050305" y="965196"/>
+            <a:ext cx="3131671" cy="2633146"/>
+          </a:xfrm>
+        </p:spPr>
+        <p:txBody>
+          <a:bodyPr vert="horz" lIns="91440" tIns="45720" rIns="91440" bIns="45720" rtlCol="0" anchor="b">
+            <a:normAutofit/>
+          </a:bodyPr>
+          <a:lstStyle/>
+          <a:p>
+            <a:pPr algn="l"/>
+            <a:r>
+              <a:rPr lang="en-US" sz="3700"/>
+              <a:t>25 to 34 years are the most likely to commit an offence</a:t>
+            </a:r>
+          </a:p>
+        </p:txBody>
+      </p:sp>
+      <p:sp>
+        <p:nvSpPr>
+          <p:cNvPr id="12" name="Rectangle 11">
+            <a:extLst>
+              <a:ext uri="{FF2B5EF4-FFF2-40B4-BE49-F238E27FC236}">
+                <a16:creationId xmlns:a16="http://schemas.microsoft.com/office/drawing/2014/main" id="{418F941B-B7E9-44F2-9A2C-5D35ACF9A678}"/>
+              </a:ext>
+              <a:ext uri="{C183D7F6-B498-43B3-948B-1728B52AA6E4}">
+                <adec:decorative xmlns:adec="http://schemas.microsoft.com/office/drawing/2017/decorative" val="1"/>
+              </a:ext>
+            </a:extLst>
+          </p:cNvPr>
+          <p:cNvSpPr>
+            <a:spLocks noGrp="1" noRot="1" noChangeAspect="1" noMove="1" noResize="1" noEditPoints="1" noAdjustHandles="1" noChangeArrowheads="1" noChangeShapeType="1" noTextEdit="1"/>
+          </p:cNvSpPr>
+          <p:nvPr>
+            <p:extLst>
+              <p:ext uri="{386F3935-93C4-4BCD-93E2-E3B085C9AB24}">
+                <p16:designElem xmlns:p16="http://schemas.microsoft.com/office/powerpoint/2015/main" val="1"/>
+              </p:ext>
+            </p:extLst>
+          </p:nvPr>
+        </p:nvSpPr>
+        <p:spPr>
+          <a:xfrm>
+            <a:off x="950614" y="965196"/>
+            <a:ext cx="6476539" cy="4781641"/>
+          </a:xfrm>
+          <a:prstGeom prst="rect">
+            <a:avLst/>
+          </a:prstGeom>
+          <a:solidFill>
+            <a:schemeClr val="tx1"/>
+          </a:solidFill>
+          <a:ln w="190500">
+            <a:solidFill>
+              <a:srgbClr val="FFFFFF">
+                <a:alpha val="7000"/>
+              </a:srgbClr>
+            </a:solidFill>
+          </a:ln>
+        </p:spPr>
+        <p:style>
+          <a:lnRef idx="2">
+            <a:schemeClr val="accent1">
+              <a:shade val="50000"/>
+            </a:schemeClr>
+          </a:lnRef>
+          <a:fillRef idx="1">
+            <a:schemeClr val="accent1"/>
+          </a:fillRef>
+          <a:effectRef idx="0">
+            <a:schemeClr val="accent1"/>
+          </a:effectRef>
+          <a:fontRef idx="minor">
+            <a:schemeClr val="lt1"/>
+          </a:fontRef>
+        </p:style>
+        <p:txBody>
+          <a:bodyPr rtlCol="0" anchor="ctr"/>
+          <a:lstStyle/>
+          <a:p>
+            <a:pPr algn="ctr"/>
+            <a:endParaRPr lang="en-US"/>
+          </a:p>
+        </p:txBody>
+      </p:sp>
+      <p:pic>
+        <p:nvPicPr>
+          <p:cNvPr id="5" name="Picture 4" descr="Chart&#10;&#10;Description automatically generated">
+            <a:extLst>
+              <a:ext uri="{FF2B5EF4-FFF2-40B4-BE49-F238E27FC236}">
+                <a16:creationId xmlns:a16="http://schemas.microsoft.com/office/drawing/2014/main" id="{AA91A933-E47B-4F28-913A-0DD9651C28BD}"/>
+              </a:ext>
+            </a:extLst>
+          </p:cNvPr>
+          <p:cNvPicPr>
+            <a:picLocks noChangeAspect="1"/>
+          </p:cNvPicPr>
+          <p:nvPr/>
+        </p:nvPicPr>
+        <p:blipFill>
+          <a:blip r:embed="rId3"/>
+          <a:stretch>
+            <a:fillRect/>
+          </a:stretch>
+        </p:blipFill>
+        <p:spPr>
+          <a:xfrm>
+            <a:off x="1010024" y="1655484"/>
+            <a:ext cx="6357129" cy="3401064"/>
+          </a:xfrm>
+          <a:prstGeom prst="rect">
+            <a:avLst/>
+          </a:prstGeom>
+        </p:spPr>
+      </p:pic>
+    </p:spTree>
+    <p:extLst>
+      <p:ext uri="{BB962C8B-B14F-4D97-AF65-F5344CB8AC3E}">
+        <p14:creationId xmlns:p14="http://schemas.microsoft.com/office/powerpoint/2010/main" val="3204108685"/>
+      </p:ext>
+    </p:extLst>
+  </p:cSld>
+  <p:clrMapOvr>
+    <a:masterClrMapping/>
+  </p:clrMapOvr>
+</p:sld>
+</file>
+
+<file path=ppt/slides/slide13.xml><?xml version="1.0" encoding="utf-8"?>
+<p:sld xmlns:a="http://schemas.openxmlformats.org/drawingml/2006/main" xmlns:r="http://schemas.openxmlformats.org/officeDocument/2006/relationships" xmlns:p="http://schemas.openxmlformats.org/presentationml/2006/main">
+  <p:cSld>
+    <p:bg>
+      <p:bgPr>
+        <a:blipFill rotWithShape="1">
+          <a:blip r:embed="rId2">
+            <a:duotone>
+              <a:schemeClr val="bg1">
+                <a:shade val="80000"/>
+                <a:lumMod val="80000"/>
+              </a:schemeClr>
+              <a:schemeClr val="bg1">
+                <a:tint val="98000"/>
+              </a:schemeClr>
+            </a:duotone>
+          </a:blip>
+          <a:stretch/>
+        </a:blipFill>
+        <a:effectLst/>
+      </p:bgPr>
+    </p:bg>
+    <p:spTree>
+      <p:nvGrpSpPr>
+        <p:cNvPr id="1" name=""/>
+        <p:cNvGrpSpPr/>
+        <p:nvPr/>
+      </p:nvGrpSpPr>
+      <p:grpSpPr>
+        <a:xfrm>
+          <a:off x="0" y="0"/>
+          <a:ext cx="0" cy="0"/>
+          <a:chOff x="0" y="0"/>
+          <a:chExt cx="0" cy="0"/>
+        </a:xfrm>
+      </p:grpSpPr>
+      <p:sp useBgFill="1">
+        <p:nvSpPr>
+          <p:cNvPr id="10" name="Rectangle 9">
+            <a:extLst>
+              <a:ext uri="{FF2B5EF4-FFF2-40B4-BE49-F238E27FC236}">
+                <a16:creationId xmlns:a16="http://schemas.microsoft.com/office/drawing/2014/main" id="{8E482A67-6CD8-49D7-9F85-52ECF99152D0}"/>
+              </a:ext>
+              <a:ext uri="{C183D7F6-B498-43B3-948B-1728B52AA6E4}">
+                <adec:decorative xmlns:adec="http://schemas.microsoft.com/office/drawing/2017/decorative" val="1"/>
+              </a:ext>
+            </a:extLst>
+          </p:cNvPr>
+          <p:cNvSpPr>
+            <a:spLocks noGrp="1" noRot="1" noChangeAspect="1" noMove="1" noResize="1" noEditPoints="1" noAdjustHandles="1" noChangeArrowheads="1" noChangeShapeType="1" noTextEdit="1"/>
+          </p:cNvSpPr>
+          <p:nvPr>
+            <p:extLst>
+              <p:ext uri="{386F3935-93C4-4BCD-93E2-E3B085C9AB24}">
+                <p16:designElem xmlns:p16="http://schemas.microsoft.com/office/powerpoint/2015/main" val="1"/>
+              </p:ext>
+            </p:extLst>
+          </p:nvPr>
+        </p:nvSpPr>
+        <p:spPr>
+          <a:xfrm>
+            <a:off x="0" y="0"/>
+            <a:ext cx="12192000" cy="6858000"/>
+          </a:xfrm>
+          <a:prstGeom prst="rect">
+            <a:avLst/>
+          </a:prstGeom>
+          <a:ln>
+            <a:noFill/>
+          </a:ln>
+        </p:spPr>
+        <p:style>
+          <a:lnRef idx="2">
+            <a:schemeClr val="accent1">
+              <a:shade val="50000"/>
+            </a:schemeClr>
+          </a:lnRef>
+          <a:fillRef idx="1003">
+            <a:schemeClr val="dk2"/>
+          </a:fillRef>
+          <a:effectRef idx="0">
+            <a:schemeClr val="accent1"/>
+          </a:effectRef>
+          <a:fontRef idx="minor">
+            <a:schemeClr val="lt1"/>
+          </a:fontRef>
+        </p:style>
+        <p:txBody>
+          <a:bodyPr rtlCol="0" anchor="ctr"/>
+          <a:lstStyle/>
+          <a:p>
+            <a:pPr algn="ctr"/>
+            <a:endParaRPr lang="en-US"/>
+          </a:p>
+        </p:txBody>
+      </p:sp>
+      <p:sp>
+        <p:nvSpPr>
+          <p:cNvPr id="2" name="Title 1">
+            <a:extLst>
+              <a:ext uri="{FF2B5EF4-FFF2-40B4-BE49-F238E27FC236}">
+                <a16:creationId xmlns:a16="http://schemas.microsoft.com/office/drawing/2014/main" id="{2C73A8D3-60E6-4926-9642-E034BAD19E95}"/>
+              </a:ext>
+            </a:extLst>
+          </p:cNvPr>
+          <p:cNvSpPr>
+            <a:spLocks noGrp="1"/>
+          </p:cNvSpPr>
+          <p:nvPr>
+            <p:ph type="title"/>
+          </p:nvPr>
+        </p:nvSpPr>
+        <p:spPr>
+          <a:xfrm>
+            <a:off x="8050305" y="965196"/>
+            <a:ext cx="3131671" cy="2633146"/>
+          </a:xfrm>
+        </p:spPr>
+        <p:txBody>
+          <a:bodyPr vert="horz" lIns="91440" tIns="45720" rIns="91440" bIns="45720" rtlCol="0" anchor="b">
+            <a:normAutofit/>
+          </a:bodyPr>
+          <a:lstStyle/>
+          <a:p>
+            <a:pPr algn="l"/>
+            <a:r>
+              <a:rPr lang="en-US" sz="3700"/>
+              <a:t>Males commit on average 5-6x more offences than Females</a:t>
+            </a:r>
+          </a:p>
+        </p:txBody>
+      </p:sp>
+      <p:sp>
+        <p:nvSpPr>
+          <p:cNvPr id="12" name="Rectangle 11">
+            <a:extLst>
+              <a:ext uri="{FF2B5EF4-FFF2-40B4-BE49-F238E27FC236}">
+                <a16:creationId xmlns:a16="http://schemas.microsoft.com/office/drawing/2014/main" id="{418F941B-B7E9-44F2-9A2C-5D35ACF9A678}"/>
+              </a:ext>
+              <a:ext uri="{C183D7F6-B498-43B3-948B-1728B52AA6E4}">
+                <adec:decorative xmlns:adec="http://schemas.microsoft.com/office/drawing/2017/decorative" val="1"/>
+              </a:ext>
+            </a:extLst>
+          </p:cNvPr>
+          <p:cNvSpPr>
+            <a:spLocks noGrp="1" noRot="1" noChangeAspect="1" noMove="1" noResize="1" noEditPoints="1" noAdjustHandles="1" noChangeArrowheads="1" noChangeShapeType="1" noTextEdit="1"/>
+          </p:cNvSpPr>
+          <p:nvPr>
+            <p:extLst>
+              <p:ext uri="{386F3935-93C4-4BCD-93E2-E3B085C9AB24}">
+                <p16:designElem xmlns:p16="http://schemas.microsoft.com/office/powerpoint/2015/main" val="1"/>
+              </p:ext>
+            </p:extLst>
+          </p:nvPr>
+        </p:nvSpPr>
+        <p:spPr>
+          <a:xfrm>
+            <a:off x="950614" y="965196"/>
+            <a:ext cx="6476539" cy="4781641"/>
+          </a:xfrm>
+          <a:prstGeom prst="rect">
+            <a:avLst/>
+          </a:prstGeom>
+          <a:solidFill>
+            <a:schemeClr val="tx1"/>
+          </a:solidFill>
+          <a:ln w="190500">
+            <a:solidFill>
+              <a:srgbClr val="FFFFFF">
+                <a:alpha val="7000"/>
+              </a:srgbClr>
+            </a:solidFill>
+          </a:ln>
+        </p:spPr>
+        <p:style>
+          <a:lnRef idx="2">
+            <a:schemeClr val="accent1">
+              <a:shade val="50000"/>
+            </a:schemeClr>
+          </a:lnRef>
+          <a:fillRef idx="1">
+            <a:schemeClr val="accent1"/>
+          </a:fillRef>
+          <a:effectRef idx="0">
+            <a:schemeClr val="accent1"/>
+          </a:effectRef>
+          <a:fontRef idx="minor">
+            <a:schemeClr val="lt1"/>
+          </a:fontRef>
+        </p:style>
+        <p:txBody>
+          <a:bodyPr rtlCol="0" anchor="ctr"/>
+          <a:lstStyle/>
+          <a:p>
+            <a:pPr algn="ctr"/>
+            <a:endParaRPr lang="en-US"/>
+          </a:p>
+        </p:txBody>
+      </p:sp>
+      <p:pic>
+        <p:nvPicPr>
+          <p:cNvPr id="5" name="Picture 4" descr="Chart, bar chart&#10;&#10;Description automatically generated">
+            <a:extLst>
+              <a:ext uri="{FF2B5EF4-FFF2-40B4-BE49-F238E27FC236}">
+                <a16:creationId xmlns:a16="http://schemas.microsoft.com/office/drawing/2014/main" id="{E9E92BA3-46F3-4F38-A235-EBD69259377E}"/>
+              </a:ext>
+            </a:extLst>
+          </p:cNvPr>
+          <p:cNvPicPr>
+            <a:picLocks noChangeAspect="1"/>
+          </p:cNvPicPr>
+          <p:nvPr/>
+        </p:nvPicPr>
+        <p:blipFill>
+          <a:blip r:embed="rId3"/>
+          <a:stretch>
+            <a:fillRect/>
+          </a:stretch>
+        </p:blipFill>
+        <p:spPr>
+          <a:xfrm>
+            <a:off x="1009443" y="1728000"/>
+            <a:ext cx="6358879" cy="3402000"/>
+          </a:xfrm>
+          <a:prstGeom prst="rect">
+            <a:avLst/>
+          </a:prstGeom>
+        </p:spPr>
+      </p:pic>
+    </p:spTree>
+    <p:extLst>
+      <p:ext uri="{BB962C8B-B14F-4D97-AF65-F5344CB8AC3E}">
+        <p14:creationId xmlns:p14="http://schemas.microsoft.com/office/powerpoint/2010/main" val="1182196338"/>
+      </p:ext>
+    </p:extLst>
+  </p:cSld>
+  <p:clrMapOvr>
+    <a:masterClrMapping/>
+  </p:clrMapOvr>
+</p:sld>
+</file>
+
+<file path=ppt/slides/slide14.xml><?xml version="1.0" encoding="utf-8"?>
+<p:sld xmlns:a="http://schemas.openxmlformats.org/drawingml/2006/main" xmlns:r="http://schemas.openxmlformats.org/officeDocument/2006/relationships" xmlns:p="http://schemas.openxmlformats.org/presentationml/2006/main">
+  <p:cSld>
+    <p:bg>
+      <p:bgPr>
+        <a:blipFill rotWithShape="1">
+          <a:blip r:embed="rId2">
+            <a:duotone>
+              <a:schemeClr val="bg1">
+                <a:shade val="80000"/>
+                <a:lumMod val="80000"/>
+              </a:schemeClr>
+              <a:schemeClr val="bg1">
+                <a:tint val="98000"/>
+              </a:schemeClr>
+            </a:duotone>
+          </a:blip>
+          <a:stretch/>
+        </a:blipFill>
+        <a:effectLst/>
+      </p:bgPr>
+    </p:bg>
+    <p:spTree>
+      <p:nvGrpSpPr>
+        <p:cNvPr id="1" name=""/>
+        <p:cNvGrpSpPr/>
+        <p:nvPr/>
+      </p:nvGrpSpPr>
+      <p:grpSpPr>
+        <a:xfrm>
+          <a:off x="0" y="0"/>
+          <a:ext cx="0" cy="0"/>
+          <a:chOff x="0" y="0"/>
+          <a:chExt cx="0" cy="0"/>
+        </a:xfrm>
+      </p:grpSpPr>
+      <p:sp useBgFill="1">
+        <p:nvSpPr>
+          <p:cNvPr id="10" name="Rectangle 9">
+            <a:extLst>
+              <a:ext uri="{FF2B5EF4-FFF2-40B4-BE49-F238E27FC236}">
                 <a16:creationId xmlns:a16="http://schemas.microsoft.com/office/drawing/2014/main" id="{886D4A05-AFD9-4D13-98E7-B23E4C9D785A}"/>
               </a:ext>
               <a:ext uri="{C183D7F6-B498-43B3-948B-1728B52AA6E4}">
@@ -7978,7 +12470,7 @@
 </p:sld>
 </file>
 
-<file path=ppt/slides/slide11.xml><?xml version="1.0" encoding="utf-8"?>
+<file path=ppt/slides/slide15.xml><?xml version="1.0" encoding="utf-8"?>
 <p:sld xmlns:a="http://schemas.openxmlformats.org/drawingml/2006/main" xmlns:r="http://schemas.openxmlformats.org/officeDocument/2006/relationships" xmlns:p="http://schemas.openxmlformats.org/presentationml/2006/main">
   <p:cSld>
     <p:bg>
@@ -8152,7 +12644,7 @@
 </p:sld>
 </file>
 
-<file path=ppt/slides/slide12.xml><?xml version="1.0" encoding="utf-8"?>
+<file path=ppt/slides/slide16.xml><?xml version="1.0" encoding="utf-8"?>
 <p:sld xmlns:a="http://schemas.openxmlformats.org/drawingml/2006/main" xmlns:r="http://schemas.openxmlformats.org/officeDocument/2006/relationships" xmlns:p="http://schemas.openxmlformats.org/presentationml/2006/main">
   <p:cSld>
     <p:bg>
@@ -8326,7 +12818,7 @@
 </p:sld>
 </file>
 
-<file path=ppt/slides/slide13.xml><?xml version="1.0" encoding="utf-8"?>
+<file path=ppt/slides/slide17.xml><?xml version="1.0" encoding="utf-8"?>
 <p:sld xmlns:a="http://schemas.openxmlformats.org/drawingml/2006/main" xmlns:r="http://schemas.openxmlformats.org/officeDocument/2006/relationships" xmlns:p="http://schemas.openxmlformats.org/presentationml/2006/main">
   <p:cSld>
     <p:bg>
@@ -8500,7 +12992,7 @@
 </p:sld>
 </file>
 
-<file path=ppt/slides/slide14.xml><?xml version="1.0" encoding="utf-8"?>
+<file path=ppt/slides/slide18.xml><?xml version="1.0" encoding="utf-8"?>
 <p:sld xmlns:a="http://schemas.openxmlformats.org/drawingml/2006/main" xmlns:r="http://schemas.openxmlformats.org/officeDocument/2006/relationships" xmlns:p="http://schemas.openxmlformats.org/presentationml/2006/main">
   <p:cSld>
     <p:bg>
@@ -9071,7 +13563,7 @@
 </p:sld>
 </file>
 
-<file path=ppt/slides/slide15.xml><?xml version="1.0" encoding="utf-8"?>
+<file path=ppt/slides/slide19.xml><?xml version="1.0" encoding="utf-8"?>
 <p:sld xmlns:a="http://schemas.openxmlformats.org/drawingml/2006/main" xmlns:r="http://schemas.openxmlformats.org/officeDocument/2006/relationships" xmlns:p="http://schemas.openxmlformats.org/presentationml/2006/main">
   <p:cSld>
     <p:bg>
@@ -9245,7 +13737,382 @@
 </p:sld>
 </file>
 
-<file path=ppt/slides/slide16.xml><?xml version="1.0" encoding="utf-8"?>
+<file path=ppt/slides/slide2.xml><?xml version="1.0" encoding="utf-8"?>
+<p:sld xmlns:a="http://schemas.openxmlformats.org/drawingml/2006/main" xmlns:r="http://schemas.openxmlformats.org/officeDocument/2006/relationships" xmlns:p="http://schemas.openxmlformats.org/presentationml/2006/main">
+  <p:cSld>
+    <p:bg>
+      <p:bgPr>
+        <a:blipFill rotWithShape="1">
+          <a:blip r:embed="rId2">
+            <a:duotone>
+              <a:schemeClr val="bg1">
+                <a:shade val="80000"/>
+                <a:lumMod val="80000"/>
+              </a:schemeClr>
+              <a:schemeClr val="bg1">
+                <a:tint val="98000"/>
+              </a:schemeClr>
+            </a:duotone>
+          </a:blip>
+          <a:stretch/>
+        </a:blipFill>
+        <a:effectLst/>
+      </p:bgPr>
+    </p:bg>
+    <p:spTree>
+      <p:nvGrpSpPr>
+        <p:cNvPr id="1" name=""/>
+        <p:cNvGrpSpPr/>
+        <p:nvPr/>
+      </p:nvGrpSpPr>
+      <p:grpSpPr>
+        <a:xfrm>
+          <a:off x="0" y="0"/>
+          <a:ext cx="0" cy="0"/>
+          <a:chOff x="0" y="0"/>
+          <a:chExt cx="0" cy="0"/>
+        </a:xfrm>
+      </p:grpSpPr>
+      <p:sp useBgFill="1">
+        <p:nvSpPr>
+          <p:cNvPr id="96" name="Rectangle 95">
+            <a:extLst>
+              <a:ext uri="{FF2B5EF4-FFF2-40B4-BE49-F238E27FC236}">
+                <a16:creationId xmlns:a16="http://schemas.microsoft.com/office/drawing/2014/main" id="{69652D62-ECFB-408E-ABE6-155A644F433D}"/>
+              </a:ext>
+              <a:ext uri="{C183D7F6-B498-43B3-948B-1728B52AA6E4}">
+                <adec:decorative xmlns:adec="http://schemas.microsoft.com/office/drawing/2017/decorative" val="1"/>
+              </a:ext>
+            </a:extLst>
+          </p:cNvPr>
+          <p:cNvSpPr>
+            <a:spLocks noGrp="1" noRot="1" noChangeAspect="1" noMove="1" noResize="1" noEditPoints="1" noAdjustHandles="1" noChangeArrowheads="1" noChangeShapeType="1" noTextEdit="1"/>
+          </p:cNvSpPr>
+          <p:nvPr>
+            <p:extLst>
+              <p:ext uri="{386F3935-93C4-4BCD-93E2-E3B085C9AB24}">
+                <p16:designElem xmlns:p16="http://schemas.microsoft.com/office/powerpoint/2015/main" val="1"/>
+              </p:ext>
+            </p:extLst>
+          </p:nvPr>
+        </p:nvSpPr>
+        <p:spPr>
+          <a:xfrm>
+            <a:off x="0" y="0"/>
+            <a:ext cx="12192000" cy="6858000"/>
+          </a:xfrm>
+          <a:prstGeom prst="rect">
+            <a:avLst/>
+          </a:prstGeom>
+          <a:ln>
+            <a:noFill/>
+          </a:ln>
+        </p:spPr>
+        <p:style>
+          <a:lnRef idx="2">
+            <a:schemeClr val="accent1">
+              <a:shade val="50000"/>
+            </a:schemeClr>
+          </a:lnRef>
+          <a:fillRef idx="1">
+            <a:schemeClr val="accent1"/>
+          </a:fillRef>
+          <a:effectRef idx="0">
+            <a:schemeClr val="accent1"/>
+          </a:effectRef>
+          <a:fontRef idx="minor">
+            <a:schemeClr val="lt1"/>
+          </a:fontRef>
+        </p:style>
+        <p:txBody>
+          <a:bodyPr rtlCol="0" anchor="ctr"/>
+          <a:lstStyle/>
+          <a:p>
+            <a:pPr algn="ctr"/>
+            <a:endParaRPr lang="en-US"/>
+          </a:p>
+        </p:txBody>
+      </p:sp>
+      <p:sp>
+        <p:nvSpPr>
+          <p:cNvPr id="98" name="Rectangle 97">
+            <a:extLst>
+              <a:ext uri="{FF2B5EF4-FFF2-40B4-BE49-F238E27FC236}">
+                <a16:creationId xmlns:a16="http://schemas.microsoft.com/office/drawing/2014/main" id="{C1FEA985-924B-4044-8778-32D1E7164C01}"/>
+              </a:ext>
+              <a:ext uri="{C183D7F6-B498-43B3-948B-1728B52AA6E4}">
+                <adec:decorative xmlns:adec="http://schemas.microsoft.com/office/drawing/2017/decorative" val="1"/>
+              </a:ext>
+            </a:extLst>
+          </p:cNvPr>
+          <p:cNvSpPr>
+            <a:spLocks noGrp="1" noRot="1" noChangeAspect="1" noMove="1" noResize="1" noEditPoints="1" noAdjustHandles="1" noChangeArrowheads="1" noChangeShapeType="1" noTextEdit="1"/>
+          </p:cNvSpPr>
+          <p:nvPr>
+            <p:extLst>
+              <p:ext uri="{386F3935-93C4-4BCD-93E2-E3B085C9AB24}">
+                <p16:designElem xmlns:p16="http://schemas.microsoft.com/office/powerpoint/2015/main" val="1"/>
+              </p:ext>
+            </p:extLst>
+          </p:nvPr>
+        </p:nvSpPr>
+        <p:spPr bwMode="ltGray">
+          <a:xfrm>
+            <a:off x="321564" y="320040"/>
+            <a:ext cx="11548872" cy="6217920"/>
+          </a:xfrm>
+          <a:prstGeom prst="rect">
+            <a:avLst/>
+          </a:prstGeom>
+          <a:solidFill>
+            <a:schemeClr val="bg1">
+              <a:lumMod val="75000"/>
+              <a:lumOff val="25000"/>
+              <a:alpha val="80000"/>
+            </a:schemeClr>
+          </a:solidFill>
+          <a:ln>
+            <a:noFill/>
+          </a:ln>
+          <a:effectLst>
+            <a:innerShdw blurRad="63500" dist="50800" dir="16200000">
+              <a:prstClr val="black">
+                <a:alpha val="50000"/>
+              </a:prstClr>
+            </a:innerShdw>
+          </a:effectLst>
+        </p:spPr>
+        <p:style>
+          <a:lnRef idx="2">
+            <a:schemeClr val="accent1">
+              <a:shade val="50000"/>
+            </a:schemeClr>
+          </a:lnRef>
+          <a:fillRef idx="1">
+            <a:schemeClr val="accent1"/>
+          </a:fillRef>
+          <a:effectRef idx="0">
+            <a:schemeClr val="accent1"/>
+          </a:effectRef>
+          <a:fontRef idx="minor">
+            <a:schemeClr val="lt1"/>
+          </a:fontRef>
+        </p:style>
+        <p:txBody>
+          <a:bodyPr rtlCol="0" anchor="ctr"/>
+          <a:lstStyle/>
+          <a:p>
+            <a:pPr algn="ctr"/>
+            <a:endParaRPr lang="en-US"/>
+          </a:p>
+        </p:txBody>
+      </p:sp>
+      <p:sp>
+        <p:nvSpPr>
+          <p:cNvPr id="2" name="Title 1">
+            <a:extLst>
+              <a:ext uri="{FF2B5EF4-FFF2-40B4-BE49-F238E27FC236}">
+                <a16:creationId xmlns:a16="http://schemas.microsoft.com/office/drawing/2014/main" id="{5A4EE556-647D-7E8D-80E0-1F0A54D2852D}"/>
+              </a:ext>
+            </a:extLst>
+          </p:cNvPr>
+          <p:cNvSpPr>
+            <a:spLocks noGrp="1"/>
+          </p:cNvSpPr>
+          <p:nvPr>
+            <p:ph type="title"/>
+          </p:nvPr>
+        </p:nvSpPr>
+        <p:spPr>
+          <a:xfrm>
+            <a:off x="913795" y="963506"/>
+            <a:ext cx="3740815" cy="4827693"/>
+          </a:xfrm>
+        </p:spPr>
+        <p:txBody>
+          <a:bodyPr>
+            <a:normAutofit/>
+          </a:bodyPr>
+          <a:lstStyle/>
+          <a:p>
+            <a:pPr algn="r"/>
+            <a:r>
+              <a:rPr lang="en-AU"/>
+              <a:t>Agenda</a:t>
+            </a:r>
+          </a:p>
+        </p:txBody>
+      </p:sp>
+      <p:cxnSp>
+        <p:nvCxnSpPr>
+          <p:cNvPr id="100" name="Straight Connector 99">
+            <a:extLst>
+              <a:ext uri="{FF2B5EF4-FFF2-40B4-BE49-F238E27FC236}">
+                <a16:creationId xmlns:a16="http://schemas.microsoft.com/office/drawing/2014/main" id="{96C7F9CB-BCC3-4648-8DEF-07B0887D87D6}"/>
+              </a:ext>
+              <a:ext uri="{C183D7F6-B498-43B3-948B-1728B52AA6E4}">
+                <adec:decorative xmlns:adec="http://schemas.microsoft.com/office/drawing/2017/decorative" val="1"/>
+              </a:ext>
+            </a:extLst>
+          </p:cNvPr>
+          <p:cNvCxnSpPr>
+            <a:cxnSpLocks noGrp="1" noRot="1" noChangeAspect="1" noMove="1" noResize="1" noEditPoints="1" noAdjustHandles="1" noChangeArrowheads="1" noChangeShapeType="1"/>
+          </p:cNvCxnSpPr>
+          <p:nvPr>
+            <p:extLst>
+              <p:ext uri="{386F3935-93C4-4BCD-93E2-E3B085C9AB24}">
+                <p16:designElem xmlns:p16="http://schemas.microsoft.com/office/powerpoint/2015/main" val="1"/>
+              </p:ext>
+            </p:extLst>
+          </p:nvPr>
+        </p:nvCxnSpPr>
+        <p:spPr>
+          <a:xfrm>
+            <a:off x="4981187" y="2057399"/>
+            <a:ext cx="0" cy="2743200"/>
+          </a:xfrm>
+          <a:prstGeom prst="line">
+            <a:avLst/>
+          </a:prstGeom>
+          <a:ln w="19050">
+            <a:solidFill>
+              <a:schemeClr val="accent1"/>
+            </a:solidFill>
+          </a:ln>
+        </p:spPr>
+        <p:style>
+          <a:lnRef idx="1">
+            <a:schemeClr val="accent1"/>
+          </a:lnRef>
+          <a:fillRef idx="0">
+            <a:schemeClr val="accent1"/>
+          </a:fillRef>
+          <a:effectRef idx="0">
+            <a:schemeClr val="accent1"/>
+          </a:effectRef>
+          <a:fontRef idx="minor">
+            <a:schemeClr val="tx1"/>
+          </a:fontRef>
+        </p:style>
+      </p:cxnSp>
+      <p:sp>
+        <p:nvSpPr>
+          <p:cNvPr id="91" name="Content Placeholder 2">
+            <a:extLst>
+              <a:ext uri="{FF2B5EF4-FFF2-40B4-BE49-F238E27FC236}">
+                <a16:creationId xmlns:a16="http://schemas.microsoft.com/office/drawing/2014/main" id="{01196658-0E78-9CE1-7F60-8BFA1322C29C}"/>
+              </a:ext>
+            </a:extLst>
+          </p:cNvPr>
+          <p:cNvSpPr>
+            <a:spLocks noGrp="1"/>
+          </p:cNvSpPr>
+          <p:nvPr>
+            <p:ph idx="1"/>
+          </p:nvPr>
+        </p:nvSpPr>
+        <p:spPr>
+          <a:xfrm>
+            <a:off x="5307765" y="963507"/>
+            <a:ext cx="5959791" cy="4827694"/>
+          </a:xfrm>
+          <a:effectLst/>
+        </p:spPr>
+        <p:txBody>
+          <a:bodyPr anchor="ctr">
+            <a:normAutofit/>
+          </a:bodyPr>
+          <a:lstStyle/>
+          <a:p>
+            <a:r>
+              <a:rPr lang="en-AU" dirty="0">
+                <a:solidFill>
+                  <a:schemeClr val="tx1"/>
+                </a:solidFill>
+              </a:rPr>
+              <a:t>Data Overview</a:t>
+            </a:r>
+          </a:p>
+          <a:p>
+            <a:pPr lvl="1"/>
+            <a:r>
+              <a:rPr lang="en-AU" dirty="0">
+                <a:solidFill>
+                  <a:schemeClr val="tx1"/>
+                </a:solidFill>
+              </a:rPr>
+              <a:t>Objective</a:t>
+            </a:r>
+          </a:p>
+          <a:p>
+            <a:pPr lvl="1"/>
+            <a:r>
+              <a:rPr lang="en-AU" dirty="0">
+                <a:solidFill>
+                  <a:schemeClr val="tx1"/>
+                </a:solidFill>
+              </a:rPr>
+              <a:t>Dataset</a:t>
+            </a:r>
+          </a:p>
+          <a:p>
+            <a:pPr lvl="1"/>
+            <a:r>
+              <a:rPr lang="en-AU" dirty="0">
+                <a:solidFill>
+                  <a:schemeClr val="tx1"/>
+                </a:solidFill>
+              </a:rPr>
+              <a:t>Pipeline</a:t>
+            </a:r>
+          </a:p>
+          <a:p>
+            <a:r>
+              <a:rPr lang="en-AU" dirty="0">
+                <a:solidFill>
+                  <a:schemeClr val="tx1"/>
+                </a:solidFill>
+              </a:rPr>
+              <a:t>Data Story</a:t>
+            </a:r>
+          </a:p>
+          <a:p>
+            <a:pPr lvl="1"/>
+            <a:r>
+              <a:rPr lang="en-AU" dirty="0">
+                <a:solidFill>
+                  <a:schemeClr val="tx1"/>
+                </a:solidFill>
+              </a:rPr>
+              <a:t>Analysis Focus</a:t>
+            </a:r>
+          </a:p>
+          <a:p>
+            <a:r>
+              <a:rPr lang="en-AU" dirty="0">
+                <a:solidFill>
+                  <a:schemeClr val="tx1"/>
+                </a:solidFill>
+              </a:rPr>
+              <a:t>Conclusion</a:t>
+            </a:r>
+          </a:p>
+        </p:txBody>
+      </p:sp>
+    </p:spTree>
+    <p:extLst>
+      <p:ext uri="{BB962C8B-B14F-4D97-AF65-F5344CB8AC3E}">
+        <p14:creationId xmlns:p14="http://schemas.microsoft.com/office/powerpoint/2010/main" val="892095289"/>
+      </p:ext>
+    </p:extLst>
+  </p:cSld>
+  <p:clrMapOvr>
+    <a:masterClrMapping/>
+  </p:clrMapOvr>
+</p:sld>
+</file>
+
+<file path=ppt/slides/slide20.xml><?xml version="1.0" encoding="utf-8"?>
 <p:sld xmlns:a="http://schemas.openxmlformats.org/drawingml/2006/main" xmlns:r="http://schemas.openxmlformats.org/officeDocument/2006/relationships" xmlns:p="http://schemas.openxmlformats.org/presentationml/2006/main">
   <p:cSld>
     <p:spTree>
@@ -9753,7 +14620,7 @@
 </p:sld>
 </file>
 
-<file path=ppt/slides/slide17.xml><?xml version="1.0" encoding="utf-8"?>
+<file path=ppt/slides/slide21.xml><?xml version="1.0" encoding="utf-8"?>
 <p:sld xmlns:a="http://schemas.openxmlformats.org/drawingml/2006/main" xmlns:r="http://schemas.openxmlformats.org/officeDocument/2006/relationships" xmlns:p="http://schemas.openxmlformats.org/presentationml/2006/main">
   <p:cSld>
     <p:bg>
@@ -9991,7 +14858,7 @@
 </p:sld>
 </file>
 
-<file path=ppt/slides/slide18.xml><?xml version="1.0" encoding="utf-8"?>
+<file path=ppt/slides/slide22.xml><?xml version="1.0" encoding="utf-8"?>
 <p:sld xmlns:a="http://schemas.openxmlformats.org/drawingml/2006/main" xmlns:r="http://schemas.openxmlformats.org/officeDocument/2006/relationships" xmlns:p="http://schemas.openxmlformats.org/presentationml/2006/main">
   <p:cSld>
     <p:bg>
@@ -10229,7 +15096,277 @@
 </p:sld>
 </file>
 
-<file path=ppt/slides/slide19.xml><?xml version="1.0" encoding="utf-8"?>
+<file path=ppt/slides/slide23.xml><?xml version="1.0" encoding="utf-8"?>
+<p:sld xmlns:a="http://schemas.openxmlformats.org/drawingml/2006/main" xmlns:r="http://schemas.openxmlformats.org/officeDocument/2006/relationships" xmlns:p="http://schemas.openxmlformats.org/presentationml/2006/main">
+  <p:cSld>
+    <p:bg>
+      <p:bgPr>
+        <a:blipFill rotWithShape="1">
+          <a:blip r:embed="rId2">
+            <a:duotone>
+              <a:schemeClr val="bg1">
+                <a:shade val="80000"/>
+                <a:lumMod val="80000"/>
+              </a:schemeClr>
+              <a:schemeClr val="bg1">
+                <a:tint val="98000"/>
+              </a:schemeClr>
+            </a:duotone>
+          </a:blip>
+          <a:stretch/>
+        </a:blipFill>
+        <a:effectLst/>
+      </p:bgPr>
+    </p:bg>
+    <p:spTree>
+      <p:nvGrpSpPr>
+        <p:cNvPr id="1" name=""/>
+        <p:cNvGrpSpPr/>
+        <p:nvPr/>
+      </p:nvGrpSpPr>
+      <p:grpSpPr>
+        <a:xfrm>
+          <a:off x="0" y="0"/>
+          <a:ext cx="0" cy="0"/>
+          <a:chOff x="0" y="0"/>
+          <a:chExt cx="0" cy="0"/>
+        </a:xfrm>
+      </p:grpSpPr>
+      <p:sp>
+        <p:nvSpPr>
+          <p:cNvPr id="8" name="Rectangle 7">
+            <a:extLst>
+              <a:ext uri="{FF2B5EF4-FFF2-40B4-BE49-F238E27FC236}">
+                <a16:creationId xmlns:a16="http://schemas.microsoft.com/office/drawing/2014/main" id="{5A338357-1A6A-4C1E-A6D6-1DCDE6DF4208}"/>
+              </a:ext>
+              <a:ext uri="{C183D7F6-B498-43B3-948B-1728B52AA6E4}">
+                <adec:decorative xmlns:adec="http://schemas.microsoft.com/office/drawing/2017/decorative" val="1"/>
+              </a:ext>
+            </a:extLst>
+          </p:cNvPr>
+          <p:cNvSpPr>
+            <a:spLocks noGrp="1" noRot="1" noChangeAspect="1" noMove="1" noResize="1" noEditPoints="1" noAdjustHandles="1" noChangeArrowheads="1" noChangeShapeType="1" noTextEdit="1"/>
+          </p:cNvSpPr>
+          <p:nvPr>
+            <p:extLst>
+              <p:ext uri="{386F3935-93C4-4BCD-93E2-E3B085C9AB24}">
+                <p16:designElem xmlns:p16="http://schemas.microsoft.com/office/powerpoint/2015/main" val="1"/>
+              </p:ext>
+            </p:extLst>
+          </p:nvPr>
+        </p:nvSpPr>
+        <p:spPr>
+          <a:xfrm>
+            <a:off x="0" y="0"/>
+            <a:ext cx="12192000" cy="6858000"/>
+          </a:xfrm>
+          <a:prstGeom prst="rect">
+            <a:avLst/>
+          </a:prstGeom>
+          <a:solidFill>
+            <a:schemeClr val="accent1"/>
+          </a:solidFill>
+          <a:ln>
+            <a:noFill/>
+          </a:ln>
+        </p:spPr>
+        <p:style>
+          <a:lnRef idx="2">
+            <a:schemeClr val="accent1">
+              <a:shade val="50000"/>
+            </a:schemeClr>
+          </a:lnRef>
+          <a:fillRef idx="1003">
+            <a:schemeClr val="dk2"/>
+          </a:fillRef>
+          <a:effectRef idx="0">
+            <a:schemeClr val="accent1"/>
+          </a:effectRef>
+          <a:fontRef idx="minor">
+            <a:schemeClr val="lt1"/>
+          </a:fontRef>
+        </p:style>
+        <p:txBody>
+          <a:bodyPr rtlCol="0" anchor="ctr"/>
+          <a:lstStyle/>
+          <a:p>
+            <a:pPr algn="ctr"/>
+            <a:endParaRPr lang="en-US"/>
+          </a:p>
+        </p:txBody>
+      </p:sp>
+      <p:sp useBgFill="1">
+        <p:nvSpPr>
+          <p:cNvPr id="10" name="Rectangle 9">
+            <a:extLst>
+              <a:ext uri="{FF2B5EF4-FFF2-40B4-BE49-F238E27FC236}">
+                <a16:creationId xmlns:a16="http://schemas.microsoft.com/office/drawing/2014/main" id="{E1F51140-4156-423C-9638-1223606FBA11}"/>
+              </a:ext>
+              <a:ext uri="{C183D7F6-B498-43B3-948B-1728B52AA6E4}">
+                <adec:decorative xmlns:adec="http://schemas.microsoft.com/office/drawing/2017/decorative" val="1"/>
+              </a:ext>
+            </a:extLst>
+          </p:cNvPr>
+          <p:cNvSpPr>
+            <a:spLocks noGrp="1" noRot="1" noChangeAspect="1" noMove="1" noResize="1" noEditPoints="1" noAdjustHandles="1" noChangeArrowheads="1" noChangeShapeType="1" noTextEdit="1"/>
+          </p:cNvSpPr>
+          <p:nvPr>
+            <p:extLst>
+              <p:ext uri="{386F3935-93C4-4BCD-93E2-E3B085C9AB24}">
+                <p16:designElem xmlns:p16="http://schemas.microsoft.com/office/powerpoint/2015/main" val="1"/>
+              </p:ext>
+            </p:extLst>
+          </p:nvPr>
+        </p:nvSpPr>
+        <p:spPr bwMode="ltGray">
+          <a:xfrm>
+            <a:off x="166116" y="164592"/>
+            <a:ext cx="11859768" cy="6528816"/>
+          </a:xfrm>
+          <a:prstGeom prst="rect">
+            <a:avLst/>
+          </a:prstGeom>
+          <a:ln w="15875" cap="sq" cmpd="sng">
+            <a:noFill/>
+            <a:miter lim="800000"/>
+          </a:ln>
+          <a:effectLst>
+            <a:innerShdw blurRad="114300">
+              <a:prstClr val="black"/>
+            </a:innerShdw>
+          </a:effectLst>
+        </p:spPr>
+        <p:style>
+          <a:lnRef idx="2">
+            <a:schemeClr val="accent1">
+              <a:shade val="50000"/>
+            </a:schemeClr>
+          </a:lnRef>
+          <a:fillRef idx="1">
+            <a:schemeClr val="accent1"/>
+          </a:fillRef>
+          <a:effectRef idx="0">
+            <a:schemeClr val="accent1"/>
+          </a:effectRef>
+          <a:fontRef idx="minor">
+            <a:schemeClr val="lt1"/>
+          </a:fontRef>
+        </p:style>
+        <p:txBody>
+          <a:bodyPr rtlCol="0" anchor="ctr"/>
+          <a:lstStyle/>
+          <a:p>
+            <a:pPr algn="ctr"/>
+            <a:endParaRPr lang="en-US"/>
+          </a:p>
+        </p:txBody>
+      </p:sp>
+      <p:sp>
+        <p:nvSpPr>
+          <p:cNvPr id="2" name="Title 1">
+            <a:extLst>
+              <a:ext uri="{FF2B5EF4-FFF2-40B4-BE49-F238E27FC236}">
+                <a16:creationId xmlns:a16="http://schemas.microsoft.com/office/drawing/2014/main" id="{62D277EE-10D6-1374-0C33-4460CC0675B0}"/>
+              </a:ext>
+            </a:extLst>
+          </p:cNvPr>
+          <p:cNvSpPr>
+            <a:spLocks noGrp="1"/>
+          </p:cNvSpPr>
+          <p:nvPr>
+            <p:ph type="title"/>
+          </p:nvPr>
+        </p:nvSpPr>
+        <p:spPr>
+          <a:xfrm>
+            <a:off x="1008889" y="1097280"/>
+            <a:ext cx="6043875" cy="4626864"/>
+          </a:xfrm>
+        </p:spPr>
+        <p:txBody>
+          <a:bodyPr vert="horz" lIns="91440" tIns="45720" rIns="91440" bIns="45720" rtlCol="0" anchor="ctr">
+            <a:normAutofit/>
+          </a:bodyPr>
+          <a:lstStyle/>
+          <a:p>
+            <a:pPr algn="r"/>
+            <a:r>
+              <a:rPr lang="en-US" sz="5400">
+                <a:solidFill>
+                  <a:schemeClr val="tx1"/>
+                </a:solidFill>
+              </a:rPr>
+              <a:t>Conclusion</a:t>
+            </a:r>
+          </a:p>
+        </p:txBody>
+      </p:sp>
+      <p:cxnSp>
+        <p:nvCxnSpPr>
+          <p:cNvPr id="12" name="Straight Connector 11">
+            <a:extLst>
+              <a:ext uri="{FF2B5EF4-FFF2-40B4-BE49-F238E27FC236}">
+                <a16:creationId xmlns:a16="http://schemas.microsoft.com/office/drawing/2014/main" id="{2DAA738B-EDF5-4694-B25A-3488245BC87C}"/>
+              </a:ext>
+              <a:ext uri="{C183D7F6-B498-43B3-948B-1728B52AA6E4}">
+                <adec:decorative xmlns:adec="http://schemas.microsoft.com/office/drawing/2017/decorative" val="1"/>
+              </a:ext>
+            </a:extLst>
+          </p:cNvPr>
+          <p:cNvCxnSpPr>
+            <a:cxnSpLocks noGrp="1" noRot="1" noChangeAspect="1" noMove="1" noResize="1" noEditPoints="1" noAdjustHandles="1" noChangeArrowheads="1" noChangeShapeType="1"/>
+          </p:cNvCxnSpPr>
+          <p:nvPr>
+            <p:extLst>
+              <p:ext uri="{386F3935-93C4-4BCD-93E2-E3B085C9AB24}">
+                <p16:designElem xmlns:p16="http://schemas.microsoft.com/office/powerpoint/2015/main" val="1"/>
+              </p:ext>
+            </p:extLst>
+          </p:nvPr>
+        </p:nvCxnSpPr>
+        <p:spPr>
+          <a:xfrm>
+            <a:off x="7537395" y="2057399"/>
+            <a:ext cx="0" cy="2743200"/>
+          </a:xfrm>
+          <a:prstGeom prst="line">
+            <a:avLst/>
+          </a:prstGeom>
+          <a:ln w="25400">
+            <a:solidFill>
+              <a:schemeClr val="accent1"/>
+            </a:solidFill>
+          </a:ln>
+        </p:spPr>
+        <p:style>
+          <a:lnRef idx="1">
+            <a:schemeClr val="accent1"/>
+          </a:lnRef>
+          <a:fillRef idx="0">
+            <a:schemeClr val="accent1"/>
+          </a:fillRef>
+          <a:effectRef idx="0">
+            <a:schemeClr val="accent1"/>
+          </a:effectRef>
+          <a:fontRef idx="minor">
+            <a:schemeClr val="tx1"/>
+          </a:fontRef>
+        </p:style>
+      </p:cxnSp>
+    </p:spTree>
+    <p:extLst>
+      <p:ext uri="{BB962C8B-B14F-4D97-AF65-F5344CB8AC3E}">
+        <p14:creationId xmlns:p14="http://schemas.microsoft.com/office/powerpoint/2010/main" val="52812094"/>
+      </p:ext>
+    </p:extLst>
+  </p:cSld>
+  <p:clrMapOvr>
+    <a:masterClrMapping/>
+  </p:clrMapOvr>
+</p:sld>
+</file>
+
+<file path=ppt/slides/slide24.xml><?xml version="1.0" encoding="utf-8"?>
 <p:sld xmlns:a="http://schemas.openxmlformats.org/drawingml/2006/main" xmlns:r="http://schemas.openxmlformats.org/officeDocument/2006/relationships" xmlns:p="http://schemas.openxmlformats.org/presentationml/2006/main">
   <p:cSld>
     <p:spTree>
@@ -10276,7 +15413,7 @@
           <a:p>
             <a:r>
               <a:rPr lang="en-US" dirty="0"/>
-              <a:t>Conclusions</a:t>
+              <a:t>Key Insights</a:t>
             </a:r>
           </a:p>
         </p:txBody>
@@ -10385,7 +15522,277 @@
 </p:sld>
 </file>
 
-<file path=ppt/slides/slide2.xml><?xml version="1.0" encoding="utf-8"?>
+<file path=ppt/slides/slide3.xml><?xml version="1.0" encoding="utf-8"?>
+<p:sld xmlns:a="http://schemas.openxmlformats.org/drawingml/2006/main" xmlns:r="http://schemas.openxmlformats.org/officeDocument/2006/relationships" xmlns:p="http://schemas.openxmlformats.org/presentationml/2006/main">
+  <p:cSld>
+    <p:bg>
+      <p:bgPr>
+        <a:blipFill rotWithShape="1">
+          <a:blip r:embed="rId2">
+            <a:duotone>
+              <a:schemeClr val="bg1">
+                <a:shade val="80000"/>
+                <a:lumMod val="80000"/>
+              </a:schemeClr>
+              <a:schemeClr val="bg1">
+                <a:tint val="98000"/>
+              </a:schemeClr>
+            </a:duotone>
+          </a:blip>
+          <a:stretch/>
+        </a:blipFill>
+        <a:effectLst/>
+      </p:bgPr>
+    </p:bg>
+    <p:spTree>
+      <p:nvGrpSpPr>
+        <p:cNvPr id="1" name=""/>
+        <p:cNvGrpSpPr/>
+        <p:nvPr/>
+      </p:nvGrpSpPr>
+      <p:grpSpPr>
+        <a:xfrm>
+          <a:off x="0" y="0"/>
+          <a:ext cx="0" cy="0"/>
+          <a:chOff x="0" y="0"/>
+          <a:chExt cx="0" cy="0"/>
+        </a:xfrm>
+      </p:grpSpPr>
+      <p:sp>
+        <p:nvSpPr>
+          <p:cNvPr id="7" name="Rectangle 6">
+            <a:extLst>
+              <a:ext uri="{FF2B5EF4-FFF2-40B4-BE49-F238E27FC236}">
+                <a16:creationId xmlns:a16="http://schemas.microsoft.com/office/drawing/2014/main" id="{5A338357-1A6A-4C1E-A6D6-1DCDE6DF4208}"/>
+              </a:ext>
+              <a:ext uri="{C183D7F6-B498-43B3-948B-1728B52AA6E4}">
+                <adec:decorative xmlns:adec="http://schemas.microsoft.com/office/drawing/2017/decorative" val="1"/>
+              </a:ext>
+            </a:extLst>
+          </p:cNvPr>
+          <p:cNvSpPr>
+            <a:spLocks noGrp="1" noRot="1" noChangeAspect="1" noMove="1" noResize="1" noEditPoints="1" noAdjustHandles="1" noChangeArrowheads="1" noChangeShapeType="1" noTextEdit="1"/>
+          </p:cNvSpPr>
+          <p:nvPr>
+            <p:extLst>
+              <p:ext uri="{386F3935-93C4-4BCD-93E2-E3B085C9AB24}">
+                <p16:designElem xmlns:p16="http://schemas.microsoft.com/office/powerpoint/2015/main" val="1"/>
+              </p:ext>
+            </p:extLst>
+          </p:nvPr>
+        </p:nvSpPr>
+        <p:spPr>
+          <a:xfrm>
+            <a:off x="0" y="0"/>
+            <a:ext cx="12192000" cy="6858000"/>
+          </a:xfrm>
+          <a:prstGeom prst="rect">
+            <a:avLst/>
+          </a:prstGeom>
+          <a:solidFill>
+            <a:schemeClr val="accent1"/>
+          </a:solidFill>
+          <a:ln>
+            <a:noFill/>
+          </a:ln>
+        </p:spPr>
+        <p:style>
+          <a:lnRef idx="2">
+            <a:schemeClr val="accent1">
+              <a:shade val="50000"/>
+            </a:schemeClr>
+          </a:lnRef>
+          <a:fillRef idx="1003">
+            <a:schemeClr val="dk2"/>
+          </a:fillRef>
+          <a:effectRef idx="0">
+            <a:schemeClr val="accent1"/>
+          </a:effectRef>
+          <a:fontRef idx="minor">
+            <a:schemeClr val="lt1"/>
+          </a:fontRef>
+        </p:style>
+        <p:txBody>
+          <a:bodyPr rtlCol="0" anchor="ctr"/>
+          <a:lstStyle/>
+          <a:p>
+            <a:pPr algn="ctr"/>
+            <a:endParaRPr lang="en-US"/>
+          </a:p>
+        </p:txBody>
+      </p:sp>
+      <p:sp useBgFill="1">
+        <p:nvSpPr>
+          <p:cNvPr id="9" name="Rectangle 8">
+            <a:extLst>
+              <a:ext uri="{FF2B5EF4-FFF2-40B4-BE49-F238E27FC236}">
+                <a16:creationId xmlns:a16="http://schemas.microsoft.com/office/drawing/2014/main" id="{E1F51140-4156-423C-9638-1223606FBA11}"/>
+              </a:ext>
+              <a:ext uri="{C183D7F6-B498-43B3-948B-1728B52AA6E4}">
+                <adec:decorative xmlns:adec="http://schemas.microsoft.com/office/drawing/2017/decorative" val="1"/>
+              </a:ext>
+            </a:extLst>
+          </p:cNvPr>
+          <p:cNvSpPr>
+            <a:spLocks noGrp="1" noRot="1" noChangeAspect="1" noMove="1" noResize="1" noEditPoints="1" noAdjustHandles="1" noChangeArrowheads="1" noChangeShapeType="1" noTextEdit="1"/>
+          </p:cNvSpPr>
+          <p:nvPr>
+            <p:extLst>
+              <p:ext uri="{386F3935-93C4-4BCD-93E2-E3B085C9AB24}">
+                <p16:designElem xmlns:p16="http://schemas.microsoft.com/office/powerpoint/2015/main" val="1"/>
+              </p:ext>
+            </p:extLst>
+          </p:nvPr>
+        </p:nvSpPr>
+        <p:spPr bwMode="ltGray">
+          <a:xfrm>
+            <a:off x="166116" y="164592"/>
+            <a:ext cx="11859768" cy="6528816"/>
+          </a:xfrm>
+          <a:prstGeom prst="rect">
+            <a:avLst/>
+          </a:prstGeom>
+          <a:ln w="15875" cap="sq" cmpd="sng">
+            <a:noFill/>
+            <a:miter lim="800000"/>
+          </a:ln>
+          <a:effectLst>
+            <a:innerShdw blurRad="114300">
+              <a:prstClr val="black"/>
+            </a:innerShdw>
+          </a:effectLst>
+        </p:spPr>
+        <p:style>
+          <a:lnRef idx="2">
+            <a:schemeClr val="accent1">
+              <a:shade val="50000"/>
+            </a:schemeClr>
+          </a:lnRef>
+          <a:fillRef idx="1">
+            <a:schemeClr val="accent1"/>
+          </a:fillRef>
+          <a:effectRef idx="0">
+            <a:schemeClr val="accent1"/>
+          </a:effectRef>
+          <a:fontRef idx="minor">
+            <a:schemeClr val="lt1"/>
+          </a:fontRef>
+        </p:style>
+        <p:txBody>
+          <a:bodyPr rtlCol="0" anchor="ctr"/>
+          <a:lstStyle/>
+          <a:p>
+            <a:pPr algn="ctr"/>
+            <a:endParaRPr lang="en-US"/>
+          </a:p>
+        </p:txBody>
+      </p:sp>
+      <p:sp>
+        <p:nvSpPr>
+          <p:cNvPr id="2" name="Title 1">
+            <a:extLst>
+              <a:ext uri="{FF2B5EF4-FFF2-40B4-BE49-F238E27FC236}">
+                <a16:creationId xmlns:a16="http://schemas.microsoft.com/office/drawing/2014/main" id="{0B8F7853-E02B-B4FA-6B59-48625A99733F}"/>
+              </a:ext>
+            </a:extLst>
+          </p:cNvPr>
+          <p:cNvSpPr>
+            <a:spLocks noGrp="1"/>
+          </p:cNvSpPr>
+          <p:nvPr>
+            <p:ph type="title"/>
+          </p:nvPr>
+        </p:nvSpPr>
+        <p:spPr>
+          <a:xfrm>
+            <a:off x="1008889" y="1097280"/>
+            <a:ext cx="6043875" cy="4626864"/>
+          </a:xfrm>
+        </p:spPr>
+        <p:txBody>
+          <a:bodyPr vert="horz" lIns="91440" tIns="45720" rIns="91440" bIns="45720" rtlCol="0" anchor="ctr">
+            <a:normAutofit/>
+          </a:bodyPr>
+          <a:lstStyle/>
+          <a:p>
+            <a:pPr algn="r"/>
+            <a:r>
+              <a:rPr lang="en-US" sz="5400">
+                <a:solidFill>
+                  <a:schemeClr val="tx1"/>
+                </a:solidFill>
+              </a:rPr>
+              <a:t>Data Overview</a:t>
+            </a:r>
+          </a:p>
+        </p:txBody>
+      </p:sp>
+      <p:cxnSp>
+        <p:nvCxnSpPr>
+          <p:cNvPr id="11" name="Straight Connector 10">
+            <a:extLst>
+              <a:ext uri="{FF2B5EF4-FFF2-40B4-BE49-F238E27FC236}">
+                <a16:creationId xmlns:a16="http://schemas.microsoft.com/office/drawing/2014/main" id="{2DAA738B-EDF5-4694-B25A-3488245BC87C}"/>
+              </a:ext>
+              <a:ext uri="{C183D7F6-B498-43B3-948B-1728B52AA6E4}">
+                <adec:decorative xmlns:adec="http://schemas.microsoft.com/office/drawing/2017/decorative" val="1"/>
+              </a:ext>
+            </a:extLst>
+          </p:cNvPr>
+          <p:cNvCxnSpPr>
+            <a:cxnSpLocks noGrp="1" noRot="1" noChangeAspect="1" noMove="1" noResize="1" noEditPoints="1" noAdjustHandles="1" noChangeArrowheads="1" noChangeShapeType="1"/>
+          </p:cNvCxnSpPr>
+          <p:nvPr>
+            <p:extLst>
+              <p:ext uri="{386F3935-93C4-4BCD-93E2-E3B085C9AB24}">
+                <p16:designElem xmlns:p16="http://schemas.microsoft.com/office/powerpoint/2015/main" val="1"/>
+              </p:ext>
+            </p:extLst>
+          </p:nvPr>
+        </p:nvCxnSpPr>
+        <p:spPr>
+          <a:xfrm>
+            <a:off x="7537395" y="2057399"/>
+            <a:ext cx="0" cy="2743200"/>
+          </a:xfrm>
+          <a:prstGeom prst="line">
+            <a:avLst/>
+          </a:prstGeom>
+          <a:ln w="25400">
+            <a:solidFill>
+              <a:schemeClr val="accent1"/>
+            </a:solidFill>
+          </a:ln>
+        </p:spPr>
+        <p:style>
+          <a:lnRef idx="1">
+            <a:schemeClr val="accent1"/>
+          </a:lnRef>
+          <a:fillRef idx="0">
+            <a:schemeClr val="accent1"/>
+          </a:fillRef>
+          <a:effectRef idx="0">
+            <a:schemeClr val="accent1"/>
+          </a:effectRef>
+          <a:fontRef idx="minor">
+            <a:schemeClr val="tx1"/>
+          </a:fontRef>
+        </p:style>
+      </p:cxnSp>
+    </p:spTree>
+    <p:extLst>
+      <p:ext uri="{BB962C8B-B14F-4D97-AF65-F5344CB8AC3E}">
+        <p14:creationId xmlns:p14="http://schemas.microsoft.com/office/powerpoint/2010/main" val="3919479900"/>
+      </p:ext>
+    </p:extLst>
+  </p:cSld>
+  <p:clrMapOvr>
+    <a:masterClrMapping/>
+  </p:clrMapOvr>
+</p:sld>
+</file>
+
+<file path=ppt/slides/slide4.xml><?xml version="1.0" encoding="utf-8"?>
 <p:sld xmlns:a="http://schemas.openxmlformats.org/drawingml/2006/main" xmlns:r="http://schemas.openxmlformats.org/officeDocument/2006/relationships" xmlns:p="http://schemas.openxmlformats.org/presentationml/2006/main">
   <p:cSld>
     <p:bg>
@@ -10510,8 +15917,8 @@
           <a:lstStyle/>
           <a:p>
             <a:r>
-              <a:rPr lang="en-US"/>
-              <a:t>Overview	</a:t>
+              <a:rPr lang="en-US" dirty="0"/>
+              <a:t>Objective	</a:t>
             </a:r>
           </a:p>
         </p:txBody>
@@ -10671,7 +16078,7 @@
 </p:sld>
 </file>
 
-<file path=ppt/slides/slide3.xml><?xml version="1.0" encoding="utf-8"?>
+<file path=ppt/slides/slide5.xml><?xml version="1.0" encoding="utf-8"?>
 <p:sld xmlns:a="http://schemas.openxmlformats.org/drawingml/2006/main" xmlns:r="http://schemas.openxmlformats.org/officeDocument/2006/relationships" xmlns:p="http://schemas.openxmlformats.org/presentationml/2006/main">
   <p:cSld>
     <p:spTree>
@@ -10747,7 +16154,7 @@
         </p:spPr>
         <p:txBody>
           <a:bodyPr anchor="ctr">
-            <a:normAutofit/>
+            <a:normAutofit fontScale="85000" lnSpcReduction="20000"/>
           </a:bodyPr>
           <a:lstStyle/>
           <a:p>
@@ -10766,6 +16173,54 @@
             <a:r>
               <a:rPr lang="en-AU" sz="2000" dirty="0"/>
               <a:t>23605 Observations</a:t>
+            </a:r>
+          </a:p>
+          <a:p>
+            <a:r>
+              <a:rPr lang="en-AU" sz="2000" dirty="0"/>
+              <a:t>Data Columns</a:t>
+            </a:r>
+          </a:p>
+          <a:p>
+            <a:pPr lvl="1"/>
+            <a:r>
+              <a:rPr lang="en-AU" sz="1800" dirty="0"/>
+              <a:t>Offence Type</a:t>
+            </a:r>
+          </a:p>
+          <a:p>
+            <a:pPr lvl="1"/>
+            <a:r>
+              <a:rPr lang="en-AU" sz="1800" dirty="0"/>
+              <a:t>Sub Offence Type</a:t>
+            </a:r>
+          </a:p>
+          <a:p>
+            <a:pPr lvl="1"/>
+            <a:r>
+              <a:rPr lang="en-AU" sz="1800" dirty="0"/>
+              <a:t>Suburb</a:t>
+            </a:r>
+          </a:p>
+          <a:p>
+            <a:pPr lvl="1"/>
+            <a:r>
+              <a:rPr lang="en-AU" sz="1800" dirty="0"/>
+              <a:t>Incident Date</a:t>
+            </a:r>
+          </a:p>
+          <a:p>
+            <a:pPr lvl="1"/>
+            <a:r>
+              <a:rPr lang="en-AU" sz="1800" dirty="0"/>
+              <a:t>Sex</a:t>
+            </a:r>
+          </a:p>
+          <a:p>
+            <a:pPr lvl="1"/>
+            <a:r>
+              <a:rPr lang="en-AU" sz="1800" dirty="0"/>
+              <a:t>Age</a:t>
             </a:r>
           </a:p>
         </p:txBody>
@@ -10821,7 +16276,362 @@
 </p:sld>
 </file>
 
-<file path=ppt/slides/slide4.xml><?xml version="1.0" encoding="utf-8"?>
+<file path=ppt/slides/slide6.xml><?xml version="1.0" encoding="utf-8"?>
+<p:sld xmlns:a="http://schemas.openxmlformats.org/drawingml/2006/main" xmlns:r="http://schemas.openxmlformats.org/officeDocument/2006/relationships" xmlns:p="http://schemas.openxmlformats.org/presentationml/2006/main">
+  <p:cSld>
+    <p:spTree>
+      <p:nvGrpSpPr>
+        <p:cNvPr id="1" name=""/>
+        <p:cNvGrpSpPr/>
+        <p:nvPr/>
+      </p:nvGrpSpPr>
+      <p:grpSpPr>
+        <a:xfrm>
+          <a:off x="0" y="0"/>
+          <a:ext cx="0" cy="0"/>
+          <a:chOff x="0" y="0"/>
+          <a:chExt cx="0" cy="0"/>
+        </a:xfrm>
+      </p:grpSpPr>
+      <p:sp>
+        <p:nvSpPr>
+          <p:cNvPr id="2" name="Title 1">
+            <a:extLst>
+              <a:ext uri="{FF2B5EF4-FFF2-40B4-BE49-F238E27FC236}">
+                <a16:creationId xmlns:a16="http://schemas.microsoft.com/office/drawing/2014/main" id="{08DF865E-53A9-59D4-D2EA-02DDA071F735}"/>
+              </a:ext>
+            </a:extLst>
+          </p:cNvPr>
+          <p:cNvSpPr>
+            <a:spLocks noGrp="1"/>
+          </p:cNvSpPr>
+          <p:nvPr>
+            <p:ph type="title"/>
+          </p:nvPr>
+        </p:nvSpPr>
+        <p:spPr/>
+        <p:txBody>
+          <a:bodyPr/>
+          <a:lstStyle/>
+          <a:p>
+            <a:r>
+              <a:rPr lang="en-AU"/>
+              <a:t>Pipeline</a:t>
+            </a:r>
+            <a:endParaRPr lang="en-AU" dirty="0"/>
+          </a:p>
+        </p:txBody>
+      </p:sp>
+      <p:graphicFrame>
+        <p:nvGraphicFramePr>
+          <p:cNvPr id="13" name="Content Placeholder 2">
+            <a:extLst>
+              <a:ext uri="{FF2B5EF4-FFF2-40B4-BE49-F238E27FC236}">
+                <a16:creationId xmlns:a16="http://schemas.microsoft.com/office/drawing/2014/main" id="{445D25FA-250F-2A05-FBB6-7B2ABA0BBD48}"/>
+              </a:ext>
+            </a:extLst>
+          </p:cNvPr>
+          <p:cNvGraphicFramePr>
+            <a:graphicFrameLocks noGrp="1"/>
+          </p:cNvGraphicFramePr>
+          <p:nvPr>
+            <p:ph idx="1"/>
+          </p:nvPr>
+        </p:nvGraphicFramePr>
+        <p:xfrm>
+          <a:off x="913795" y="2076450"/>
+          <a:ext cx="10353762" cy="3714749"/>
+        </p:xfrm>
+        <a:graphic>
+          <a:graphicData uri="http://schemas.openxmlformats.org/drawingml/2006/diagram">
+            <dgm:relIds xmlns:dgm="http://schemas.openxmlformats.org/drawingml/2006/diagram" xmlns:r="http://schemas.openxmlformats.org/officeDocument/2006/relationships" r:dm="rId2" r:lo="rId3" r:qs="rId4" r:cs="rId5"/>
+          </a:graphicData>
+        </a:graphic>
+      </p:graphicFrame>
+    </p:spTree>
+    <p:extLst>
+      <p:ext uri="{BB962C8B-B14F-4D97-AF65-F5344CB8AC3E}">
+        <p14:creationId xmlns:p14="http://schemas.microsoft.com/office/powerpoint/2010/main" val="1217999394"/>
+      </p:ext>
+    </p:extLst>
+  </p:cSld>
+  <p:clrMapOvr>
+    <a:masterClrMapping/>
+  </p:clrMapOvr>
+</p:sld>
+</file>
+
+<file path=ppt/slides/slide7.xml><?xml version="1.0" encoding="utf-8"?>
+<p:sld xmlns:a="http://schemas.openxmlformats.org/drawingml/2006/main" xmlns:r="http://schemas.openxmlformats.org/officeDocument/2006/relationships" xmlns:p="http://schemas.openxmlformats.org/presentationml/2006/main">
+  <p:cSld>
+    <p:bg>
+      <p:bgPr>
+        <a:blipFill rotWithShape="1">
+          <a:blip r:embed="rId2">
+            <a:duotone>
+              <a:schemeClr val="bg1">
+                <a:shade val="80000"/>
+                <a:lumMod val="80000"/>
+              </a:schemeClr>
+              <a:schemeClr val="bg1">
+                <a:tint val="98000"/>
+              </a:schemeClr>
+            </a:duotone>
+          </a:blip>
+          <a:stretch/>
+        </a:blipFill>
+        <a:effectLst/>
+      </p:bgPr>
+    </p:bg>
+    <p:spTree>
+      <p:nvGrpSpPr>
+        <p:cNvPr id="1" name=""/>
+        <p:cNvGrpSpPr/>
+        <p:nvPr/>
+      </p:nvGrpSpPr>
+      <p:grpSpPr>
+        <a:xfrm>
+          <a:off x="0" y="0"/>
+          <a:ext cx="0" cy="0"/>
+          <a:chOff x="0" y="0"/>
+          <a:chExt cx="0" cy="0"/>
+        </a:xfrm>
+      </p:grpSpPr>
+      <p:sp>
+        <p:nvSpPr>
+          <p:cNvPr id="17" name="Rectangle 16">
+            <a:extLst>
+              <a:ext uri="{FF2B5EF4-FFF2-40B4-BE49-F238E27FC236}">
+                <a16:creationId xmlns:a16="http://schemas.microsoft.com/office/drawing/2014/main" id="{5A338357-1A6A-4C1E-A6D6-1DCDE6DF4208}"/>
+              </a:ext>
+              <a:ext uri="{C183D7F6-B498-43B3-948B-1728B52AA6E4}">
+                <adec:decorative xmlns:adec="http://schemas.microsoft.com/office/drawing/2017/decorative" val="1"/>
+              </a:ext>
+            </a:extLst>
+          </p:cNvPr>
+          <p:cNvSpPr>
+            <a:spLocks noGrp="1" noRot="1" noChangeAspect="1" noMove="1" noResize="1" noEditPoints="1" noAdjustHandles="1" noChangeArrowheads="1" noChangeShapeType="1" noTextEdit="1"/>
+          </p:cNvSpPr>
+          <p:nvPr>
+            <p:extLst>
+              <p:ext uri="{386F3935-93C4-4BCD-93E2-E3B085C9AB24}">
+                <p16:designElem xmlns:p16="http://schemas.microsoft.com/office/powerpoint/2015/main" val="1"/>
+              </p:ext>
+            </p:extLst>
+          </p:nvPr>
+        </p:nvSpPr>
+        <p:spPr>
+          <a:xfrm>
+            <a:off x="0" y="0"/>
+            <a:ext cx="12192000" cy="6858000"/>
+          </a:xfrm>
+          <a:prstGeom prst="rect">
+            <a:avLst/>
+          </a:prstGeom>
+          <a:solidFill>
+            <a:schemeClr val="accent1"/>
+          </a:solidFill>
+          <a:ln>
+            <a:noFill/>
+          </a:ln>
+        </p:spPr>
+        <p:style>
+          <a:lnRef idx="2">
+            <a:schemeClr val="accent1">
+              <a:shade val="50000"/>
+            </a:schemeClr>
+          </a:lnRef>
+          <a:fillRef idx="1003">
+            <a:schemeClr val="dk2"/>
+          </a:fillRef>
+          <a:effectRef idx="0">
+            <a:schemeClr val="accent1"/>
+          </a:effectRef>
+          <a:fontRef idx="minor">
+            <a:schemeClr val="lt1"/>
+          </a:fontRef>
+        </p:style>
+        <p:txBody>
+          <a:bodyPr rtlCol="0" anchor="ctr"/>
+          <a:lstStyle/>
+          <a:p>
+            <a:pPr algn="ctr"/>
+            <a:endParaRPr lang="en-US"/>
+          </a:p>
+        </p:txBody>
+      </p:sp>
+      <p:sp useBgFill="1">
+        <p:nvSpPr>
+          <p:cNvPr id="19" name="Rectangle 18">
+            <a:extLst>
+              <a:ext uri="{FF2B5EF4-FFF2-40B4-BE49-F238E27FC236}">
+                <a16:creationId xmlns:a16="http://schemas.microsoft.com/office/drawing/2014/main" id="{E1F51140-4156-423C-9638-1223606FBA11}"/>
+              </a:ext>
+              <a:ext uri="{C183D7F6-B498-43B3-948B-1728B52AA6E4}">
+                <adec:decorative xmlns:adec="http://schemas.microsoft.com/office/drawing/2017/decorative" val="1"/>
+              </a:ext>
+            </a:extLst>
+          </p:cNvPr>
+          <p:cNvSpPr>
+            <a:spLocks noGrp="1" noRot="1" noChangeAspect="1" noMove="1" noResize="1" noEditPoints="1" noAdjustHandles="1" noChangeArrowheads="1" noChangeShapeType="1" noTextEdit="1"/>
+          </p:cNvSpPr>
+          <p:nvPr>
+            <p:extLst>
+              <p:ext uri="{386F3935-93C4-4BCD-93E2-E3B085C9AB24}">
+                <p16:designElem xmlns:p16="http://schemas.microsoft.com/office/powerpoint/2015/main" val="1"/>
+              </p:ext>
+            </p:extLst>
+          </p:nvPr>
+        </p:nvSpPr>
+        <p:spPr bwMode="ltGray">
+          <a:xfrm>
+            <a:off x="166116" y="164592"/>
+            <a:ext cx="11859768" cy="6528816"/>
+          </a:xfrm>
+          <a:prstGeom prst="rect">
+            <a:avLst/>
+          </a:prstGeom>
+          <a:ln w="15875" cap="sq" cmpd="sng">
+            <a:noFill/>
+            <a:miter lim="800000"/>
+          </a:ln>
+          <a:effectLst>
+            <a:innerShdw blurRad="114300">
+              <a:prstClr val="black"/>
+            </a:innerShdw>
+          </a:effectLst>
+        </p:spPr>
+        <p:style>
+          <a:lnRef idx="2">
+            <a:schemeClr val="accent1">
+              <a:shade val="50000"/>
+            </a:schemeClr>
+          </a:lnRef>
+          <a:fillRef idx="1">
+            <a:schemeClr val="accent1"/>
+          </a:fillRef>
+          <a:effectRef idx="0">
+            <a:schemeClr val="accent1"/>
+          </a:effectRef>
+          <a:fontRef idx="minor">
+            <a:schemeClr val="lt1"/>
+          </a:fontRef>
+        </p:style>
+        <p:txBody>
+          <a:bodyPr rtlCol="0" anchor="ctr"/>
+          <a:lstStyle/>
+          <a:p>
+            <a:pPr algn="ctr"/>
+            <a:endParaRPr lang="en-US"/>
+          </a:p>
+        </p:txBody>
+      </p:sp>
+      <p:sp>
+        <p:nvSpPr>
+          <p:cNvPr id="2" name="Title 1">
+            <a:extLst>
+              <a:ext uri="{FF2B5EF4-FFF2-40B4-BE49-F238E27FC236}">
+                <a16:creationId xmlns:a16="http://schemas.microsoft.com/office/drawing/2014/main" id="{1D6FEC87-5B05-3719-E9A7-184DBFBB3BFF}"/>
+              </a:ext>
+            </a:extLst>
+          </p:cNvPr>
+          <p:cNvSpPr>
+            <a:spLocks noGrp="1"/>
+          </p:cNvSpPr>
+          <p:nvPr>
+            <p:ph type="title"/>
+          </p:nvPr>
+        </p:nvSpPr>
+        <p:spPr>
+          <a:xfrm>
+            <a:off x="1008889" y="1097280"/>
+            <a:ext cx="6043875" cy="4626864"/>
+          </a:xfrm>
+        </p:spPr>
+        <p:txBody>
+          <a:bodyPr vert="horz" lIns="91440" tIns="45720" rIns="91440" bIns="45720" rtlCol="0" anchor="ctr">
+            <a:normAutofit/>
+          </a:bodyPr>
+          <a:lstStyle/>
+          <a:p>
+            <a:pPr algn="r"/>
+            <a:r>
+              <a:rPr lang="en-US" sz="5400">
+                <a:solidFill>
+                  <a:schemeClr val="tx1"/>
+                </a:solidFill>
+              </a:rPr>
+              <a:t>The Data Story</a:t>
+            </a:r>
+          </a:p>
+        </p:txBody>
+      </p:sp>
+      <p:cxnSp>
+        <p:nvCxnSpPr>
+          <p:cNvPr id="21" name="Straight Connector 20">
+            <a:extLst>
+              <a:ext uri="{FF2B5EF4-FFF2-40B4-BE49-F238E27FC236}">
+                <a16:creationId xmlns:a16="http://schemas.microsoft.com/office/drawing/2014/main" id="{2DAA738B-EDF5-4694-B25A-3488245BC87C}"/>
+              </a:ext>
+              <a:ext uri="{C183D7F6-B498-43B3-948B-1728B52AA6E4}">
+                <adec:decorative xmlns:adec="http://schemas.microsoft.com/office/drawing/2017/decorative" val="1"/>
+              </a:ext>
+            </a:extLst>
+          </p:cNvPr>
+          <p:cNvCxnSpPr>
+            <a:cxnSpLocks noGrp="1" noRot="1" noChangeAspect="1" noMove="1" noResize="1" noEditPoints="1" noAdjustHandles="1" noChangeArrowheads="1" noChangeShapeType="1"/>
+          </p:cNvCxnSpPr>
+          <p:nvPr>
+            <p:extLst>
+              <p:ext uri="{386F3935-93C4-4BCD-93E2-E3B085C9AB24}">
+                <p16:designElem xmlns:p16="http://schemas.microsoft.com/office/powerpoint/2015/main" val="1"/>
+              </p:ext>
+            </p:extLst>
+          </p:nvPr>
+        </p:nvCxnSpPr>
+        <p:spPr>
+          <a:xfrm>
+            <a:off x="7537395" y="2057399"/>
+            <a:ext cx="0" cy="2743200"/>
+          </a:xfrm>
+          <a:prstGeom prst="line">
+            <a:avLst/>
+          </a:prstGeom>
+          <a:ln w="25400">
+            <a:solidFill>
+              <a:schemeClr val="accent1"/>
+            </a:solidFill>
+          </a:ln>
+        </p:spPr>
+        <p:style>
+          <a:lnRef idx="1">
+            <a:schemeClr val="accent1"/>
+          </a:lnRef>
+          <a:fillRef idx="0">
+            <a:schemeClr val="accent1"/>
+          </a:fillRef>
+          <a:effectRef idx="0">
+            <a:schemeClr val="accent1"/>
+          </a:effectRef>
+          <a:fontRef idx="minor">
+            <a:schemeClr val="tx1"/>
+          </a:fontRef>
+        </p:style>
+      </p:cxnSp>
+    </p:spTree>
+    <p:extLst>
+      <p:ext uri="{BB962C8B-B14F-4D97-AF65-F5344CB8AC3E}">
+        <p14:creationId xmlns:p14="http://schemas.microsoft.com/office/powerpoint/2010/main" val="931883125"/>
+      </p:ext>
+    </p:extLst>
+  </p:cSld>
+  <p:clrMapOvr>
+    <a:masterClrMapping/>
+  </p:clrMapOvr>
+</p:sld>
+</file>
+
+<file path=ppt/slides/slide8.xml><?xml version="1.0" encoding="utf-8"?>
 <p:sld xmlns:a="http://schemas.openxmlformats.org/drawingml/2006/main" xmlns:r="http://schemas.openxmlformats.org/officeDocument/2006/relationships" xmlns:p="http://schemas.openxmlformats.org/presentationml/2006/main">
   <p:cSld>
     <p:bg>
@@ -11154,7 +16964,7 @@
 </p:sld>
 </file>
 
-<file path=ppt/slides/slide5.xml><?xml version="1.0" encoding="utf-8"?>
+<file path=ppt/slides/slide9.xml><?xml version="1.0" encoding="utf-8"?>
 <p:sld xmlns:a="http://schemas.openxmlformats.org/drawingml/2006/main" xmlns:r="http://schemas.openxmlformats.org/officeDocument/2006/relationships" xmlns:p="http://schemas.openxmlformats.org/presentationml/2006/main">
   <p:cSld>
     <p:bg>
@@ -11383,969 +17193,6 @@
     <p:extLst>
       <p:ext uri="{BB962C8B-B14F-4D97-AF65-F5344CB8AC3E}">
         <p14:creationId xmlns:p14="http://schemas.microsoft.com/office/powerpoint/2010/main" val="1693141016"/>
-      </p:ext>
-    </p:extLst>
-  </p:cSld>
-  <p:clrMapOvr>
-    <a:masterClrMapping/>
-  </p:clrMapOvr>
-</p:sld>
-</file>
-
-<file path=ppt/slides/slide6.xml><?xml version="1.0" encoding="utf-8"?>
-<p:sld xmlns:a="http://schemas.openxmlformats.org/drawingml/2006/main" xmlns:r="http://schemas.openxmlformats.org/officeDocument/2006/relationships" xmlns:p="http://schemas.openxmlformats.org/presentationml/2006/main">
-  <p:cSld>
-    <p:bg>
-      <p:bgPr>
-        <a:blipFill rotWithShape="1">
-          <a:blip r:embed="rId2">
-            <a:duotone>
-              <a:schemeClr val="bg1">
-                <a:shade val="80000"/>
-                <a:lumMod val="80000"/>
-              </a:schemeClr>
-              <a:schemeClr val="bg1">
-                <a:tint val="98000"/>
-              </a:schemeClr>
-            </a:duotone>
-          </a:blip>
-          <a:stretch/>
-        </a:blipFill>
-        <a:effectLst/>
-      </p:bgPr>
-    </p:bg>
-    <p:spTree>
-      <p:nvGrpSpPr>
-        <p:cNvPr id="1" name=""/>
-        <p:cNvGrpSpPr/>
-        <p:nvPr/>
-      </p:nvGrpSpPr>
-      <p:grpSpPr>
-        <a:xfrm>
-          <a:off x="0" y="0"/>
-          <a:ext cx="0" cy="0"/>
-          <a:chOff x="0" y="0"/>
-          <a:chExt cx="0" cy="0"/>
-        </a:xfrm>
-      </p:grpSpPr>
-      <p:sp useBgFill="1">
-        <p:nvSpPr>
-          <p:cNvPr id="10" name="Rectangle 9">
-            <a:extLst>
-              <a:ext uri="{FF2B5EF4-FFF2-40B4-BE49-F238E27FC236}">
-                <a16:creationId xmlns:a16="http://schemas.microsoft.com/office/drawing/2014/main" id="{1E70A317-DCED-4E80-AA2D-467D8702E5CB}"/>
-              </a:ext>
-              <a:ext uri="{C183D7F6-B498-43B3-948B-1728B52AA6E4}">
-                <adec:decorative xmlns:adec="http://schemas.microsoft.com/office/drawing/2017/decorative" val="1"/>
-              </a:ext>
-            </a:extLst>
-          </p:cNvPr>
-          <p:cNvSpPr>
-            <a:spLocks noGrp="1" noRot="1" noChangeAspect="1" noMove="1" noResize="1" noEditPoints="1" noAdjustHandles="1" noChangeArrowheads="1" noChangeShapeType="1" noTextEdit="1"/>
-          </p:cNvSpPr>
-          <p:nvPr>
-            <p:extLst>
-              <p:ext uri="{386F3935-93C4-4BCD-93E2-E3B085C9AB24}">
-                <p16:designElem xmlns:p16="http://schemas.microsoft.com/office/powerpoint/2015/main" val="1"/>
-              </p:ext>
-            </p:extLst>
-          </p:nvPr>
-        </p:nvSpPr>
-        <p:spPr>
-          <a:xfrm>
-            <a:off x="0" y="0"/>
-            <a:ext cx="12192000" cy="6858000"/>
-          </a:xfrm>
-          <a:prstGeom prst="rect">
-            <a:avLst/>
-          </a:prstGeom>
-          <a:ln>
-            <a:noFill/>
-          </a:ln>
-        </p:spPr>
-        <p:style>
-          <a:lnRef idx="2">
-            <a:schemeClr val="accent1">
-              <a:shade val="50000"/>
-            </a:schemeClr>
-          </a:lnRef>
-          <a:fillRef idx="1">
-            <a:schemeClr val="accent1"/>
-          </a:fillRef>
-          <a:effectRef idx="0">
-            <a:schemeClr val="accent1"/>
-          </a:effectRef>
-          <a:fontRef idx="minor">
-            <a:schemeClr val="lt1"/>
-          </a:fontRef>
-        </p:style>
-        <p:txBody>
-          <a:bodyPr rtlCol="0" anchor="ctr"/>
-          <a:lstStyle/>
-          <a:p>
-            <a:pPr algn="ctr"/>
-            <a:endParaRPr lang="en-US"/>
-          </a:p>
-        </p:txBody>
-      </p:sp>
-      <p:sp>
-        <p:nvSpPr>
-          <p:cNvPr id="2" name="Title 1">
-            <a:extLst>
-              <a:ext uri="{FF2B5EF4-FFF2-40B4-BE49-F238E27FC236}">
-                <a16:creationId xmlns:a16="http://schemas.microsoft.com/office/drawing/2014/main" id="{EDB3D9CC-C033-41A7-8773-EF4EF2C215E3}"/>
-              </a:ext>
-            </a:extLst>
-          </p:cNvPr>
-          <p:cNvSpPr>
-            <a:spLocks noGrp="1"/>
-          </p:cNvSpPr>
-          <p:nvPr>
-            <p:ph type="title"/>
-          </p:nvPr>
-        </p:nvSpPr>
-        <p:spPr>
-          <a:xfrm>
-            <a:off x="336969" y="1440000"/>
-            <a:ext cx="4268294" cy="2846070"/>
-          </a:xfrm>
-        </p:spPr>
-        <p:txBody>
-          <a:bodyPr vert="horz" lIns="91440" tIns="45720" rIns="91440" bIns="45720" rtlCol="0" anchor="b">
-            <a:normAutofit/>
-          </a:bodyPr>
-          <a:lstStyle/>
-          <a:p>
-            <a:pPr algn="l"/>
-            <a:r>
-              <a:rPr lang="en-US" sz="3900" dirty="0"/>
-              <a:t>Cannabis, Assault &amp; Stealing from Cars are the most common sub offences</a:t>
-            </a:r>
-          </a:p>
-        </p:txBody>
-      </p:sp>
-      <p:sp>
-        <p:nvSpPr>
-          <p:cNvPr id="12" name="Rectangle 11">
-            <a:extLst>
-              <a:ext uri="{FF2B5EF4-FFF2-40B4-BE49-F238E27FC236}">
-                <a16:creationId xmlns:a16="http://schemas.microsoft.com/office/drawing/2014/main" id="{A6D87845-294F-40CB-BC48-46455460D292}"/>
-              </a:ext>
-              <a:ext uri="{C183D7F6-B498-43B3-948B-1728B52AA6E4}">
-                <adec:decorative xmlns:adec="http://schemas.microsoft.com/office/drawing/2017/decorative" val="1"/>
-              </a:ext>
-            </a:extLst>
-          </p:cNvPr>
-          <p:cNvSpPr>
-            <a:spLocks noGrp="1" noRot="1" noChangeAspect="1" noMove="1" noResize="1" noEditPoints="1" noAdjustHandles="1" noChangeArrowheads="1" noChangeShapeType="1" noTextEdit="1"/>
-          </p:cNvSpPr>
-          <p:nvPr>
-            <p:extLst>
-              <p:ext uri="{386F3935-93C4-4BCD-93E2-E3B085C9AB24}">
-                <p16:designElem xmlns:p16="http://schemas.microsoft.com/office/powerpoint/2015/main" val="1"/>
-              </p:ext>
-            </p:extLst>
-          </p:nvPr>
-        </p:nvSpPr>
-        <p:spPr>
-          <a:xfrm>
-            <a:off x="4655671" y="0"/>
-            <a:ext cx="7536329" cy="6858000"/>
-          </a:xfrm>
-          <a:prstGeom prst="rect">
-            <a:avLst/>
-          </a:prstGeom>
-          <a:solidFill>
-            <a:schemeClr val="tx1"/>
-          </a:solidFill>
-          <a:ln>
-            <a:noFill/>
-          </a:ln>
-        </p:spPr>
-        <p:style>
-          <a:lnRef idx="2">
-            <a:schemeClr val="accent1">
-              <a:shade val="50000"/>
-            </a:schemeClr>
-          </a:lnRef>
-          <a:fillRef idx="1">
-            <a:schemeClr val="accent1"/>
-          </a:fillRef>
-          <a:effectRef idx="0">
-            <a:schemeClr val="accent1"/>
-          </a:effectRef>
-          <a:fontRef idx="minor">
-            <a:schemeClr val="lt1"/>
-          </a:fontRef>
-        </p:style>
-        <p:txBody>
-          <a:bodyPr rtlCol="0" anchor="ctr"/>
-          <a:lstStyle/>
-          <a:p>
-            <a:pPr algn="ctr"/>
-            <a:endParaRPr lang="en-US"/>
-          </a:p>
-        </p:txBody>
-      </p:sp>
-      <p:pic>
-        <p:nvPicPr>
-          <p:cNvPr id="5" name="Picture 4" descr="Chart, bar chart&#10;&#10;Description automatically generated">
-            <a:extLst>
-              <a:ext uri="{FF2B5EF4-FFF2-40B4-BE49-F238E27FC236}">
-                <a16:creationId xmlns:a16="http://schemas.microsoft.com/office/drawing/2014/main" id="{9AF92CEE-5DDA-4131-BD6F-D4AA6715A34F}"/>
-              </a:ext>
-            </a:extLst>
-          </p:cNvPr>
-          <p:cNvPicPr>
-            <a:picLocks noChangeAspect="1"/>
-          </p:cNvPicPr>
-          <p:nvPr/>
-        </p:nvPicPr>
-        <p:blipFill>
-          <a:blip r:embed="rId3"/>
-          <a:stretch>
-            <a:fillRect/>
-          </a:stretch>
-        </p:blipFill>
-        <p:spPr>
-          <a:xfrm>
-            <a:off x="4706077" y="1440000"/>
-            <a:ext cx="7435515" cy="3978000"/>
-          </a:xfrm>
-          <a:prstGeom prst="rect">
-            <a:avLst/>
-          </a:prstGeom>
-        </p:spPr>
-      </p:pic>
-    </p:spTree>
-    <p:extLst>
-      <p:ext uri="{BB962C8B-B14F-4D97-AF65-F5344CB8AC3E}">
-        <p14:creationId xmlns:p14="http://schemas.microsoft.com/office/powerpoint/2010/main" val="2695184264"/>
-      </p:ext>
-    </p:extLst>
-  </p:cSld>
-  <p:clrMapOvr>
-    <a:masterClrMapping/>
-  </p:clrMapOvr>
-</p:sld>
-</file>
-
-<file path=ppt/slides/slide7.xml><?xml version="1.0" encoding="utf-8"?>
-<p:sld xmlns:a="http://schemas.openxmlformats.org/drawingml/2006/main" xmlns:r="http://schemas.openxmlformats.org/officeDocument/2006/relationships" xmlns:p="http://schemas.openxmlformats.org/presentationml/2006/main">
-  <p:cSld>
-    <p:bg>
-      <p:bgPr>
-        <a:blipFill rotWithShape="1">
-          <a:blip r:embed="rId2">
-            <a:duotone>
-              <a:schemeClr val="bg1">
-                <a:shade val="80000"/>
-                <a:lumMod val="80000"/>
-              </a:schemeClr>
-              <a:schemeClr val="bg1">
-                <a:tint val="98000"/>
-              </a:schemeClr>
-            </a:duotone>
-          </a:blip>
-          <a:stretch/>
-        </a:blipFill>
-        <a:effectLst/>
-      </p:bgPr>
-    </p:bg>
-    <p:spTree>
-      <p:nvGrpSpPr>
-        <p:cNvPr id="1" name=""/>
-        <p:cNvGrpSpPr/>
-        <p:nvPr/>
-      </p:nvGrpSpPr>
-      <p:grpSpPr>
-        <a:xfrm>
-          <a:off x="0" y="0"/>
-          <a:ext cx="0" cy="0"/>
-          <a:chOff x="0" y="0"/>
-          <a:chExt cx="0" cy="0"/>
-        </a:xfrm>
-      </p:grpSpPr>
-      <p:sp useBgFill="1">
-        <p:nvSpPr>
-          <p:cNvPr id="10" name="Rectangle 9">
-            <a:extLst>
-              <a:ext uri="{FF2B5EF4-FFF2-40B4-BE49-F238E27FC236}">
-                <a16:creationId xmlns:a16="http://schemas.microsoft.com/office/drawing/2014/main" id="{6540ED7E-4309-4CF9-9C8D-82E304E02832}"/>
-              </a:ext>
-              <a:ext uri="{C183D7F6-B498-43B3-948B-1728B52AA6E4}">
-                <adec:decorative xmlns:adec="http://schemas.microsoft.com/office/drawing/2017/decorative" val="1"/>
-              </a:ext>
-            </a:extLst>
-          </p:cNvPr>
-          <p:cNvSpPr>
-            <a:spLocks noGrp="1" noRot="1" noChangeAspect="1" noMove="1" noResize="1" noEditPoints="1" noAdjustHandles="1" noChangeArrowheads="1" noChangeShapeType="1" noTextEdit="1"/>
-          </p:cNvSpPr>
-          <p:nvPr>
-            <p:extLst>
-              <p:ext uri="{386F3935-93C4-4BCD-93E2-E3B085C9AB24}">
-                <p16:designElem xmlns:p16="http://schemas.microsoft.com/office/powerpoint/2015/main" val="1"/>
-              </p:ext>
-            </p:extLst>
-          </p:nvPr>
-        </p:nvSpPr>
-        <p:spPr>
-          <a:xfrm>
-            <a:off x="0" y="0"/>
-            <a:ext cx="12192000" cy="6858000"/>
-          </a:xfrm>
-          <a:prstGeom prst="rect">
-            <a:avLst/>
-          </a:prstGeom>
-          <a:ln>
-            <a:noFill/>
-          </a:ln>
-        </p:spPr>
-        <p:style>
-          <a:lnRef idx="2">
-            <a:schemeClr val="accent1">
-              <a:shade val="50000"/>
-            </a:schemeClr>
-          </a:lnRef>
-          <a:fillRef idx="1003">
-            <a:schemeClr val="dk2"/>
-          </a:fillRef>
-          <a:effectRef idx="0">
-            <a:schemeClr val="accent1"/>
-          </a:effectRef>
-          <a:fontRef idx="minor">
-            <a:schemeClr val="lt1"/>
-          </a:fontRef>
-        </p:style>
-        <p:txBody>
-          <a:bodyPr rtlCol="0" anchor="ctr"/>
-          <a:lstStyle/>
-          <a:p>
-            <a:pPr algn="ctr"/>
-            <a:endParaRPr lang="en-US"/>
-          </a:p>
-        </p:txBody>
-      </p:sp>
-      <p:sp>
-        <p:nvSpPr>
-          <p:cNvPr id="2" name="Title 1">
-            <a:extLst>
-              <a:ext uri="{FF2B5EF4-FFF2-40B4-BE49-F238E27FC236}">
-                <a16:creationId xmlns:a16="http://schemas.microsoft.com/office/drawing/2014/main" id="{20CF5BCF-EDBC-4B1F-8E5C-56D1DC6BD256}"/>
-              </a:ext>
-            </a:extLst>
-          </p:cNvPr>
-          <p:cNvSpPr>
-            <a:spLocks noGrp="1"/>
-          </p:cNvSpPr>
-          <p:nvPr>
-            <p:ph type="title"/>
-          </p:nvPr>
-        </p:nvSpPr>
-        <p:spPr>
-          <a:xfrm>
-            <a:off x="6621928" y="965196"/>
-            <a:ext cx="4703484" cy="2633145"/>
-          </a:xfrm>
-        </p:spPr>
-        <p:txBody>
-          <a:bodyPr vert="horz" lIns="91440" tIns="45720" rIns="91440" bIns="45720" rtlCol="0" anchor="b">
-            <a:normAutofit/>
-          </a:bodyPr>
-          <a:lstStyle/>
-          <a:p>
-            <a:r>
-              <a:rPr lang="en-US" sz="5400" dirty="0"/>
-              <a:t>Drug Offences spike on Saturdays</a:t>
-            </a:r>
-          </a:p>
-        </p:txBody>
-      </p:sp>
-      <p:sp>
-        <p:nvSpPr>
-          <p:cNvPr id="12" name="Rectangle 11">
-            <a:extLst>
-              <a:ext uri="{FF2B5EF4-FFF2-40B4-BE49-F238E27FC236}">
-                <a16:creationId xmlns:a16="http://schemas.microsoft.com/office/drawing/2014/main" id="{CA8ACC6B-EC7C-4E3C-8D08-C0A3AA40779C}"/>
-              </a:ext>
-              <a:ext uri="{C183D7F6-B498-43B3-948B-1728B52AA6E4}">
-                <adec:decorative xmlns:adec="http://schemas.microsoft.com/office/drawing/2017/decorative" val="1"/>
-              </a:ext>
-            </a:extLst>
-          </p:cNvPr>
-          <p:cNvSpPr>
-            <a:spLocks noGrp="1" noRot="1" noChangeAspect="1" noMove="1" noResize="1" noEditPoints="1" noAdjustHandles="1" noChangeArrowheads="1" noChangeShapeType="1" noTextEdit="1"/>
-          </p:cNvSpPr>
-          <p:nvPr>
-            <p:extLst>
-              <p:ext uri="{386F3935-93C4-4BCD-93E2-E3B085C9AB24}">
-                <p16:designElem xmlns:p16="http://schemas.microsoft.com/office/powerpoint/2015/main" val="1"/>
-              </p:ext>
-            </p:extLst>
-          </p:nvPr>
-        </p:nvSpPr>
-        <p:spPr>
-          <a:xfrm>
-            <a:off x="950614" y="965196"/>
-            <a:ext cx="5042779" cy="4781641"/>
-          </a:xfrm>
-          <a:prstGeom prst="rect">
-            <a:avLst/>
-          </a:prstGeom>
-          <a:solidFill>
-            <a:schemeClr val="tx1"/>
-          </a:solidFill>
-          <a:ln w="190500">
-            <a:solidFill>
-              <a:srgbClr val="F2F2F2">
-                <a:alpha val="7000"/>
-              </a:srgbClr>
-            </a:solidFill>
-          </a:ln>
-        </p:spPr>
-        <p:style>
-          <a:lnRef idx="2">
-            <a:schemeClr val="accent1">
-              <a:shade val="50000"/>
-            </a:schemeClr>
-          </a:lnRef>
-          <a:fillRef idx="1">
-            <a:schemeClr val="accent1"/>
-          </a:fillRef>
-          <a:effectRef idx="0">
-            <a:schemeClr val="accent1"/>
-          </a:effectRef>
-          <a:fontRef idx="minor">
-            <a:schemeClr val="lt1"/>
-          </a:fontRef>
-        </p:style>
-        <p:txBody>
-          <a:bodyPr rtlCol="0" anchor="ctr"/>
-          <a:lstStyle/>
-          <a:p>
-            <a:pPr algn="ctr"/>
-            <a:endParaRPr lang="en-US"/>
-          </a:p>
-        </p:txBody>
-      </p:sp>
-      <p:pic>
-        <p:nvPicPr>
-          <p:cNvPr id="5" name="Picture 4" descr="Chart, bar chart&#10;&#10;Description automatically generated">
-            <a:extLst>
-              <a:ext uri="{FF2B5EF4-FFF2-40B4-BE49-F238E27FC236}">
-                <a16:creationId xmlns:a16="http://schemas.microsoft.com/office/drawing/2014/main" id="{E1525CC6-A872-4D89-BE80-216A0ED3DF6A}"/>
-              </a:ext>
-            </a:extLst>
-          </p:cNvPr>
-          <p:cNvPicPr>
-            <a:picLocks noChangeAspect="1"/>
-          </p:cNvPicPr>
-          <p:nvPr/>
-        </p:nvPicPr>
-        <p:blipFill>
-          <a:blip r:embed="rId3"/>
-          <a:stretch>
-            <a:fillRect/>
-          </a:stretch>
-        </p:blipFill>
-        <p:spPr>
-          <a:xfrm>
-            <a:off x="993971" y="2103253"/>
-            <a:ext cx="4956064" cy="2651494"/>
-          </a:xfrm>
-          <a:prstGeom prst="rect">
-            <a:avLst/>
-          </a:prstGeom>
-        </p:spPr>
-      </p:pic>
-    </p:spTree>
-    <p:extLst>
-      <p:ext uri="{BB962C8B-B14F-4D97-AF65-F5344CB8AC3E}">
-        <p14:creationId xmlns:p14="http://schemas.microsoft.com/office/powerpoint/2010/main" val="1433402431"/>
-      </p:ext>
-    </p:extLst>
-  </p:cSld>
-  <p:clrMapOvr>
-    <a:masterClrMapping/>
-  </p:clrMapOvr>
-</p:sld>
-</file>
-
-<file path=ppt/slides/slide8.xml><?xml version="1.0" encoding="utf-8"?>
-<p:sld xmlns:a="http://schemas.openxmlformats.org/drawingml/2006/main" xmlns:r="http://schemas.openxmlformats.org/officeDocument/2006/relationships" xmlns:p="http://schemas.openxmlformats.org/presentationml/2006/main">
-  <p:cSld>
-    <p:bg>
-      <p:bgPr>
-        <a:blipFill rotWithShape="1">
-          <a:blip r:embed="rId2">
-            <a:duotone>
-              <a:schemeClr val="bg1">
-                <a:shade val="80000"/>
-                <a:lumMod val="80000"/>
-              </a:schemeClr>
-              <a:schemeClr val="bg1">
-                <a:tint val="98000"/>
-              </a:schemeClr>
-            </a:duotone>
-          </a:blip>
-          <a:stretch/>
-        </a:blipFill>
-        <a:effectLst/>
-      </p:bgPr>
-    </p:bg>
-    <p:spTree>
-      <p:nvGrpSpPr>
-        <p:cNvPr id="1" name=""/>
-        <p:cNvGrpSpPr/>
-        <p:nvPr/>
-      </p:nvGrpSpPr>
-      <p:grpSpPr>
-        <a:xfrm>
-          <a:off x="0" y="0"/>
-          <a:ext cx="0" cy="0"/>
-          <a:chOff x="0" y="0"/>
-          <a:chExt cx="0" cy="0"/>
-        </a:xfrm>
-      </p:grpSpPr>
-      <p:sp useBgFill="1">
-        <p:nvSpPr>
-          <p:cNvPr id="13" name="Rectangle 9">
-            <a:extLst>
-              <a:ext uri="{FF2B5EF4-FFF2-40B4-BE49-F238E27FC236}">
-                <a16:creationId xmlns:a16="http://schemas.microsoft.com/office/drawing/2014/main" id="{8E482A67-6CD8-49D7-9F85-52ECF99152D0}"/>
-              </a:ext>
-              <a:ext uri="{C183D7F6-B498-43B3-948B-1728B52AA6E4}">
-                <adec:decorative xmlns:adec="http://schemas.microsoft.com/office/drawing/2017/decorative" val="1"/>
-              </a:ext>
-            </a:extLst>
-          </p:cNvPr>
-          <p:cNvSpPr>
-            <a:spLocks noGrp="1" noRot="1" noChangeAspect="1" noMove="1" noResize="1" noEditPoints="1" noAdjustHandles="1" noChangeArrowheads="1" noChangeShapeType="1" noTextEdit="1"/>
-          </p:cNvSpPr>
-          <p:nvPr>
-            <p:extLst>
-              <p:ext uri="{386F3935-93C4-4BCD-93E2-E3B085C9AB24}">
-                <p16:designElem xmlns:p16="http://schemas.microsoft.com/office/powerpoint/2015/main" val="1"/>
-              </p:ext>
-            </p:extLst>
-          </p:nvPr>
-        </p:nvSpPr>
-        <p:spPr>
-          <a:xfrm>
-            <a:off x="0" y="0"/>
-            <a:ext cx="12192000" cy="6858000"/>
-          </a:xfrm>
-          <a:prstGeom prst="rect">
-            <a:avLst/>
-          </a:prstGeom>
-          <a:ln>
-            <a:noFill/>
-          </a:ln>
-        </p:spPr>
-        <p:style>
-          <a:lnRef idx="2">
-            <a:schemeClr val="accent1">
-              <a:shade val="50000"/>
-            </a:schemeClr>
-          </a:lnRef>
-          <a:fillRef idx="1003">
-            <a:schemeClr val="dk2"/>
-          </a:fillRef>
-          <a:effectRef idx="0">
-            <a:schemeClr val="accent1"/>
-          </a:effectRef>
-          <a:fontRef idx="minor">
-            <a:schemeClr val="lt1"/>
-          </a:fontRef>
-        </p:style>
-        <p:txBody>
-          <a:bodyPr rtlCol="0" anchor="ctr"/>
-          <a:lstStyle/>
-          <a:p>
-            <a:pPr algn="ctr"/>
-            <a:endParaRPr lang="en-US"/>
-          </a:p>
-        </p:txBody>
-      </p:sp>
-      <p:sp>
-        <p:nvSpPr>
-          <p:cNvPr id="2" name="Title 1">
-            <a:extLst>
-              <a:ext uri="{FF2B5EF4-FFF2-40B4-BE49-F238E27FC236}">
-                <a16:creationId xmlns:a16="http://schemas.microsoft.com/office/drawing/2014/main" id="{2E31F0C3-B571-446B-B508-58FFB62023DF}"/>
-              </a:ext>
-            </a:extLst>
-          </p:cNvPr>
-          <p:cNvSpPr>
-            <a:spLocks noGrp="1"/>
-          </p:cNvSpPr>
-          <p:nvPr>
-            <p:ph type="title"/>
-          </p:nvPr>
-        </p:nvSpPr>
-        <p:spPr>
-          <a:xfrm>
-            <a:off x="8050305" y="965196"/>
-            <a:ext cx="3131671" cy="2633146"/>
-          </a:xfrm>
-        </p:spPr>
-        <p:txBody>
-          <a:bodyPr vert="horz" lIns="91440" tIns="45720" rIns="91440" bIns="45720" rtlCol="0" anchor="b">
-            <a:normAutofit/>
-          </a:bodyPr>
-          <a:lstStyle/>
-          <a:p>
-            <a:pPr algn="l"/>
-            <a:r>
-              <a:rPr lang="en-US" sz="3700"/>
-              <a:t>25 to 34 years are the most likely to commit an offence</a:t>
-            </a:r>
-          </a:p>
-        </p:txBody>
-      </p:sp>
-      <p:sp>
-        <p:nvSpPr>
-          <p:cNvPr id="12" name="Rectangle 11">
-            <a:extLst>
-              <a:ext uri="{FF2B5EF4-FFF2-40B4-BE49-F238E27FC236}">
-                <a16:creationId xmlns:a16="http://schemas.microsoft.com/office/drawing/2014/main" id="{418F941B-B7E9-44F2-9A2C-5D35ACF9A678}"/>
-              </a:ext>
-              <a:ext uri="{C183D7F6-B498-43B3-948B-1728B52AA6E4}">
-                <adec:decorative xmlns:adec="http://schemas.microsoft.com/office/drawing/2017/decorative" val="1"/>
-              </a:ext>
-            </a:extLst>
-          </p:cNvPr>
-          <p:cNvSpPr>
-            <a:spLocks noGrp="1" noRot="1" noChangeAspect="1" noMove="1" noResize="1" noEditPoints="1" noAdjustHandles="1" noChangeArrowheads="1" noChangeShapeType="1" noTextEdit="1"/>
-          </p:cNvSpPr>
-          <p:nvPr>
-            <p:extLst>
-              <p:ext uri="{386F3935-93C4-4BCD-93E2-E3B085C9AB24}">
-                <p16:designElem xmlns:p16="http://schemas.microsoft.com/office/powerpoint/2015/main" val="1"/>
-              </p:ext>
-            </p:extLst>
-          </p:nvPr>
-        </p:nvSpPr>
-        <p:spPr>
-          <a:xfrm>
-            <a:off x="950614" y="965196"/>
-            <a:ext cx="6476539" cy="4781641"/>
-          </a:xfrm>
-          <a:prstGeom prst="rect">
-            <a:avLst/>
-          </a:prstGeom>
-          <a:solidFill>
-            <a:schemeClr val="tx1"/>
-          </a:solidFill>
-          <a:ln w="190500">
-            <a:solidFill>
-              <a:srgbClr val="FFFFFF">
-                <a:alpha val="7000"/>
-              </a:srgbClr>
-            </a:solidFill>
-          </a:ln>
-        </p:spPr>
-        <p:style>
-          <a:lnRef idx="2">
-            <a:schemeClr val="accent1">
-              <a:shade val="50000"/>
-            </a:schemeClr>
-          </a:lnRef>
-          <a:fillRef idx="1">
-            <a:schemeClr val="accent1"/>
-          </a:fillRef>
-          <a:effectRef idx="0">
-            <a:schemeClr val="accent1"/>
-          </a:effectRef>
-          <a:fontRef idx="minor">
-            <a:schemeClr val="lt1"/>
-          </a:fontRef>
-        </p:style>
-        <p:txBody>
-          <a:bodyPr rtlCol="0" anchor="ctr"/>
-          <a:lstStyle/>
-          <a:p>
-            <a:pPr algn="ctr"/>
-            <a:endParaRPr lang="en-US"/>
-          </a:p>
-        </p:txBody>
-      </p:sp>
-      <p:pic>
-        <p:nvPicPr>
-          <p:cNvPr id="5" name="Picture 4" descr="Chart&#10;&#10;Description automatically generated">
-            <a:extLst>
-              <a:ext uri="{FF2B5EF4-FFF2-40B4-BE49-F238E27FC236}">
-                <a16:creationId xmlns:a16="http://schemas.microsoft.com/office/drawing/2014/main" id="{AA91A933-E47B-4F28-913A-0DD9651C28BD}"/>
-              </a:ext>
-            </a:extLst>
-          </p:cNvPr>
-          <p:cNvPicPr>
-            <a:picLocks noChangeAspect="1"/>
-          </p:cNvPicPr>
-          <p:nvPr/>
-        </p:nvPicPr>
-        <p:blipFill>
-          <a:blip r:embed="rId3"/>
-          <a:stretch>
-            <a:fillRect/>
-          </a:stretch>
-        </p:blipFill>
-        <p:spPr>
-          <a:xfrm>
-            <a:off x="1010024" y="1655484"/>
-            <a:ext cx="6357129" cy="3401064"/>
-          </a:xfrm>
-          <a:prstGeom prst="rect">
-            <a:avLst/>
-          </a:prstGeom>
-        </p:spPr>
-      </p:pic>
-    </p:spTree>
-    <p:extLst>
-      <p:ext uri="{BB962C8B-B14F-4D97-AF65-F5344CB8AC3E}">
-        <p14:creationId xmlns:p14="http://schemas.microsoft.com/office/powerpoint/2010/main" val="3204108685"/>
-      </p:ext>
-    </p:extLst>
-  </p:cSld>
-  <p:clrMapOvr>
-    <a:masterClrMapping/>
-  </p:clrMapOvr>
-</p:sld>
-</file>
-
-<file path=ppt/slides/slide9.xml><?xml version="1.0" encoding="utf-8"?>
-<p:sld xmlns:a="http://schemas.openxmlformats.org/drawingml/2006/main" xmlns:r="http://schemas.openxmlformats.org/officeDocument/2006/relationships" xmlns:p="http://schemas.openxmlformats.org/presentationml/2006/main">
-  <p:cSld>
-    <p:bg>
-      <p:bgPr>
-        <a:blipFill rotWithShape="1">
-          <a:blip r:embed="rId2">
-            <a:duotone>
-              <a:schemeClr val="bg1">
-                <a:shade val="80000"/>
-                <a:lumMod val="80000"/>
-              </a:schemeClr>
-              <a:schemeClr val="bg1">
-                <a:tint val="98000"/>
-              </a:schemeClr>
-            </a:duotone>
-          </a:blip>
-          <a:stretch/>
-        </a:blipFill>
-        <a:effectLst/>
-      </p:bgPr>
-    </p:bg>
-    <p:spTree>
-      <p:nvGrpSpPr>
-        <p:cNvPr id="1" name=""/>
-        <p:cNvGrpSpPr/>
-        <p:nvPr/>
-      </p:nvGrpSpPr>
-      <p:grpSpPr>
-        <a:xfrm>
-          <a:off x="0" y="0"/>
-          <a:ext cx="0" cy="0"/>
-          <a:chOff x="0" y="0"/>
-          <a:chExt cx="0" cy="0"/>
-        </a:xfrm>
-      </p:grpSpPr>
-      <p:sp useBgFill="1">
-        <p:nvSpPr>
-          <p:cNvPr id="10" name="Rectangle 9">
-            <a:extLst>
-              <a:ext uri="{FF2B5EF4-FFF2-40B4-BE49-F238E27FC236}">
-                <a16:creationId xmlns:a16="http://schemas.microsoft.com/office/drawing/2014/main" id="{8E482A67-6CD8-49D7-9F85-52ECF99152D0}"/>
-              </a:ext>
-              <a:ext uri="{C183D7F6-B498-43B3-948B-1728B52AA6E4}">
-                <adec:decorative xmlns:adec="http://schemas.microsoft.com/office/drawing/2017/decorative" val="1"/>
-              </a:ext>
-            </a:extLst>
-          </p:cNvPr>
-          <p:cNvSpPr>
-            <a:spLocks noGrp="1" noRot="1" noChangeAspect="1" noMove="1" noResize="1" noEditPoints="1" noAdjustHandles="1" noChangeArrowheads="1" noChangeShapeType="1" noTextEdit="1"/>
-          </p:cNvSpPr>
-          <p:nvPr>
-            <p:extLst>
-              <p:ext uri="{386F3935-93C4-4BCD-93E2-E3B085C9AB24}">
-                <p16:designElem xmlns:p16="http://schemas.microsoft.com/office/powerpoint/2015/main" val="1"/>
-              </p:ext>
-            </p:extLst>
-          </p:nvPr>
-        </p:nvSpPr>
-        <p:spPr>
-          <a:xfrm>
-            <a:off x="0" y="0"/>
-            <a:ext cx="12192000" cy="6858000"/>
-          </a:xfrm>
-          <a:prstGeom prst="rect">
-            <a:avLst/>
-          </a:prstGeom>
-          <a:ln>
-            <a:noFill/>
-          </a:ln>
-        </p:spPr>
-        <p:style>
-          <a:lnRef idx="2">
-            <a:schemeClr val="accent1">
-              <a:shade val="50000"/>
-            </a:schemeClr>
-          </a:lnRef>
-          <a:fillRef idx="1003">
-            <a:schemeClr val="dk2"/>
-          </a:fillRef>
-          <a:effectRef idx="0">
-            <a:schemeClr val="accent1"/>
-          </a:effectRef>
-          <a:fontRef idx="minor">
-            <a:schemeClr val="lt1"/>
-          </a:fontRef>
-        </p:style>
-        <p:txBody>
-          <a:bodyPr rtlCol="0" anchor="ctr"/>
-          <a:lstStyle/>
-          <a:p>
-            <a:pPr algn="ctr"/>
-            <a:endParaRPr lang="en-US"/>
-          </a:p>
-        </p:txBody>
-      </p:sp>
-      <p:sp>
-        <p:nvSpPr>
-          <p:cNvPr id="2" name="Title 1">
-            <a:extLst>
-              <a:ext uri="{FF2B5EF4-FFF2-40B4-BE49-F238E27FC236}">
-                <a16:creationId xmlns:a16="http://schemas.microsoft.com/office/drawing/2014/main" id="{2C73A8D3-60E6-4926-9642-E034BAD19E95}"/>
-              </a:ext>
-            </a:extLst>
-          </p:cNvPr>
-          <p:cNvSpPr>
-            <a:spLocks noGrp="1"/>
-          </p:cNvSpPr>
-          <p:nvPr>
-            <p:ph type="title"/>
-          </p:nvPr>
-        </p:nvSpPr>
-        <p:spPr>
-          <a:xfrm>
-            <a:off x="8050305" y="965196"/>
-            <a:ext cx="3131671" cy="2633146"/>
-          </a:xfrm>
-        </p:spPr>
-        <p:txBody>
-          <a:bodyPr vert="horz" lIns="91440" tIns="45720" rIns="91440" bIns="45720" rtlCol="0" anchor="b">
-            <a:normAutofit/>
-          </a:bodyPr>
-          <a:lstStyle/>
-          <a:p>
-            <a:pPr algn="l"/>
-            <a:r>
-              <a:rPr lang="en-US" sz="3700"/>
-              <a:t>Males commit on average 5-6x more offences than Females</a:t>
-            </a:r>
-          </a:p>
-        </p:txBody>
-      </p:sp>
-      <p:sp>
-        <p:nvSpPr>
-          <p:cNvPr id="12" name="Rectangle 11">
-            <a:extLst>
-              <a:ext uri="{FF2B5EF4-FFF2-40B4-BE49-F238E27FC236}">
-                <a16:creationId xmlns:a16="http://schemas.microsoft.com/office/drawing/2014/main" id="{418F941B-B7E9-44F2-9A2C-5D35ACF9A678}"/>
-              </a:ext>
-              <a:ext uri="{C183D7F6-B498-43B3-948B-1728B52AA6E4}">
-                <adec:decorative xmlns:adec="http://schemas.microsoft.com/office/drawing/2017/decorative" val="1"/>
-              </a:ext>
-            </a:extLst>
-          </p:cNvPr>
-          <p:cNvSpPr>
-            <a:spLocks noGrp="1" noRot="1" noChangeAspect="1" noMove="1" noResize="1" noEditPoints="1" noAdjustHandles="1" noChangeArrowheads="1" noChangeShapeType="1" noTextEdit="1"/>
-          </p:cNvSpPr>
-          <p:nvPr>
-            <p:extLst>
-              <p:ext uri="{386F3935-93C4-4BCD-93E2-E3B085C9AB24}">
-                <p16:designElem xmlns:p16="http://schemas.microsoft.com/office/powerpoint/2015/main" val="1"/>
-              </p:ext>
-            </p:extLst>
-          </p:nvPr>
-        </p:nvSpPr>
-        <p:spPr>
-          <a:xfrm>
-            <a:off x="950614" y="965196"/>
-            <a:ext cx="6476539" cy="4781641"/>
-          </a:xfrm>
-          <a:prstGeom prst="rect">
-            <a:avLst/>
-          </a:prstGeom>
-          <a:solidFill>
-            <a:schemeClr val="tx1"/>
-          </a:solidFill>
-          <a:ln w="190500">
-            <a:solidFill>
-              <a:srgbClr val="FFFFFF">
-                <a:alpha val="7000"/>
-              </a:srgbClr>
-            </a:solidFill>
-          </a:ln>
-        </p:spPr>
-        <p:style>
-          <a:lnRef idx="2">
-            <a:schemeClr val="accent1">
-              <a:shade val="50000"/>
-            </a:schemeClr>
-          </a:lnRef>
-          <a:fillRef idx="1">
-            <a:schemeClr val="accent1"/>
-          </a:fillRef>
-          <a:effectRef idx="0">
-            <a:schemeClr val="accent1"/>
-          </a:effectRef>
-          <a:fontRef idx="minor">
-            <a:schemeClr val="lt1"/>
-          </a:fontRef>
-        </p:style>
-        <p:txBody>
-          <a:bodyPr rtlCol="0" anchor="ctr"/>
-          <a:lstStyle/>
-          <a:p>
-            <a:pPr algn="ctr"/>
-            <a:endParaRPr lang="en-US"/>
-          </a:p>
-        </p:txBody>
-      </p:sp>
-      <p:pic>
-        <p:nvPicPr>
-          <p:cNvPr id="5" name="Picture 4" descr="Chart, bar chart&#10;&#10;Description automatically generated">
-            <a:extLst>
-              <a:ext uri="{FF2B5EF4-FFF2-40B4-BE49-F238E27FC236}">
-                <a16:creationId xmlns:a16="http://schemas.microsoft.com/office/drawing/2014/main" id="{E9E92BA3-46F3-4F38-A235-EBD69259377E}"/>
-              </a:ext>
-            </a:extLst>
-          </p:cNvPr>
-          <p:cNvPicPr>
-            <a:picLocks noChangeAspect="1"/>
-          </p:cNvPicPr>
-          <p:nvPr/>
-        </p:nvPicPr>
-        <p:blipFill>
-          <a:blip r:embed="rId3"/>
-          <a:stretch>
-            <a:fillRect/>
-          </a:stretch>
-        </p:blipFill>
-        <p:spPr>
-          <a:xfrm>
-            <a:off x="1009443" y="1728000"/>
-            <a:ext cx="6358879" cy="3402000"/>
-          </a:xfrm>
-          <a:prstGeom prst="rect">
-            <a:avLst/>
-          </a:prstGeom>
-        </p:spPr>
-      </p:pic>
-    </p:spTree>
-    <p:extLst>
-      <p:ext uri="{BB962C8B-B14F-4D97-AF65-F5344CB8AC3E}">
-        <p14:creationId xmlns:p14="http://schemas.microsoft.com/office/powerpoint/2010/main" val="1182196338"/>
       </p:ext>
     </p:extLst>
   </p:cSld>
@@ -12928,6 +17775,15 @@
 </file>
 
 <file path=customXml/item2.xml><?xml version="1.0" encoding="utf-8"?>
+<?mso-contentType ?>
+<FormTemplates xmlns="http://schemas.microsoft.com/sharepoint/v3/contenttype/forms">
+  <Display>DocumentLibraryForm</Display>
+  <Edit>DocumentLibraryForm</Edit>
+  <New>DocumentLibraryForm</New>
+</FormTemplates>
+</file>
+
+<file path=customXml/item3.xml><?xml version="1.0" encoding="utf-8"?>
 <ct:contentTypeSchema xmlns:ct="http://schemas.microsoft.com/office/2006/metadata/contentType" xmlns:ma="http://schemas.microsoft.com/office/2006/metadata/properties/metaAttributes" ct:_="" ma:_="" ma:contentTypeName="Document" ma:contentTypeID="0x01010079F111ED35F8CC479449609E8A0923A6" ma:contentTypeVersion="12" ma:contentTypeDescription="Create a new document." ma:contentTypeScope="" ma:versionID="a410dd7f93c95333ffa1b60ed6adedd1">
   <xsd:schema xmlns:xsd="http://www.w3.org/2001/XMLSchema" xmlns:xs="http://www.w3.org/2001/XMLSchema" xmlns:p="http://schemas.microsoft.com/office/2006/metadata/properties" xmlns:ns2="71af3243-3dd4-4a8d-8c0d-dd76da1f02a5" xmlns:ns3="16c05727-aa75-4e4a-9b5f-8a80a1165891" targetNamespace="http://schemas.microsoft.com/office/2006/metadata/properties" ma:root="true" ma:fieldsID="a936d9baba76aa3866493feff160faab" ns2:_="" ns3:_="">
     <xsd:import namespace="71af3243-3dd4-4a8d-8c0d-dd76da1f02a5"/>
@@ -13148,15 +18004,6 @@
 </ct:contentTypeSchema>
 </file>
 
-<file path=customXml/item3.xml><?xml version="1.0" encoding="utf-8"?>
-<?mso-contentType ?>
-<FormTemplates xmlns="http://schemas.microsoft.com/sharepoint/v3/contenttype/forms">
-  <Display>DocumentLibraryForm</Display>
-  <Edit>DocumentLibraryForm</Edit>
-  <New>DocumentLibraryForm</New>
-</FormTemplates>
-</file>
-
 <file path=customXml/itemProps1.xml><?xml version="1.0" encoding="utf-8"?>
 <ds:datastoreItem xmlns:ds="http://schemas.openxmlformats.org/officeDocument/2006/customXml" ds:itemID="{2C4C00F4-06E9-43E3-AD97-88A857CEFA82}">
   <ds:schemaRefs>
@@ -13168,6 +18015,14 @@
 </file>
 
 <file path=customXml/itemProps2.xml><?xml version="1.0" encoding="utf-8"?>
+<ds:datastoreItem xmlns:ds="http://schemas.openxmlformats.org/officeDocument/2006/customXml" ds:itemID="{64B270AB-C138-415C-897E-3C24487DECF1}">
+  <ds:schemaRefs>
+    <ds:schemaRef ds:uri="http://schemas.microsoft.com/sharepoint/v3/contenttype/forms"/>
+  </ds:schemaRefs>
+</ds:datastoreItem>
+</file>
+
+<file path=customXml/itemProps3.xml><?xml version="1.0" encoding="utf-8"?>
 <ds:datastoreItem xmlns:ds="http://schemas.openxmlformats.org/officeDocument/2006/customXml" ds:itemID="{0585E981-8C91-4205-A0C3-C991F42B4C9E}">
   <ds:schemaRefs>
     <ds:schemaRef ds:uri="http://schemas.microsoft.com/office/2006/metadata/contentType"/>
@@ -13184,12 +18039,4 @@
     <ds:schemaRef ds:uri="http://schemas.microsoft.com/internal/obd"/>
   </ds:schemaRefs>
 </ds:datastoreItem>
-</file>
-
-<file path=customXml/itemProps3.xml><?xml version="1.0" encoding="utf-8"?>
-<ds:datastoreItem xmlns:ds="http://schemas.openxmlformats.org/officeDocument/2006/customXml" ds:itemID="{64B270AB-C138-415C-897E-3C24487DECF1}">
-  <ds:schemaRefs>
-    <ds:schemaRef ds:uri="http://schemas.microsoft.com/sharepoint/v3/contenttype/forms"/>
-  </ds:schemaRefs>
-</ds:datastoreItem>
 </file>